--- a/040_PredictHireDecision.pptx
+++ b/040_PredictHireDecision.pptx
@@ -5,14 +5,36 @@
     <p:sldMasterId id="2147483648" r:id="rId1"/>
   </p:sldMasterIdLst>
   <p:notesMasterIdLst>
-    <p:notesMasterId r:id="rId7"/>
+    <p:notesMasterId r:id="rId29"/>
   </p:notesMasterIdLst>
   <p:sldIdLst>
     <p:sldId id="256" r:id="rId2"/>
     <p:sldId id="274" r:id="rId3"/>
     <p:sldId id="281" r:id="rId4"/>
     <p:sldId id="279" r:id="rId5"/>
-    <p:sldId id="259" r:id="rId6"/>
+    <p:sldId id="282" r:id="rId6"/>
+    <p:sldId id="283" r:id="rId7"/>
+    <p:sldId id="284" r:id="rId8"/>
+    <p:sldId id="285" r:id="rId9"/>
+    <p:sldId id="286" r:id="rId10"/>
+    <p:sldId id="287" r:id="rId11"/>
+    <p:sldId id="288" r:id="rId12"/>
+    <p:sldId id="289" r:id="rId13"/>
+    <p:sldId id="290" r:id="rId14"/>
+    <p:sldId id="291" r:id="rId15"/>
+    <p:sldId id="292" r:id="rId16"/>
+    <p:sldId id="295" r:id="rId17"/>
+    <p:sldId id="293" r:id="rId18"/>
+    <p:sldId id="296" r:id="rId19"/>
+    <p:sldId id="297" r:id="rId20"/>
+    <p:sldId id="298" r:id="rId21"/>
+    <p:sldId id="299" r:id="rId22"/>
+    <p:sldId id="300" r:id="rId23"/>
+    <p:sldId id="301" r:id="rId24"/>
+    <p:sldId id="302" r:id="rId25"/>
+    <p:sldId id="303" r:id="rId26"/>
+    <p:sldId id="304" r:id="rId27"/>
+    <p:sldId id="259" r:id="rId28"/>
   </p:sldIdLst>
   <p:sldSz cx="9144000" cy="6858000" type="screen4x3"/>
   <p:notesSz cx="6858000" cy="9144000"/>
@@ -3583,7 +3605,7 @@
 </p:sld>
 </file>
 
-<file path=ppt/slides/slide2.xml><?xml version="1.0" encoding="utf-8"?>
+<file path=ppt/slides/slide10.xml><?xml version="1.0" encoding="utf-8"?>
 <p:sld xmlns:a="http://schemas.openxmlformats.org/drawingml/2006/main" xmlns:r="http://schemas.openxmlformats.org/officeDocument/2006/relationships" xmlns:p="http://schemas.openxmlformats.org/presentationml/2006/main">
   <p:cSld>
     <p:spTree>
@@ -3612,7 +3634,156 @@
         </p:nvSpPr>
         <p:spPr>
           <a:xfrm>
-            <a:off x="0" y="0"/>
+            <a:off x="0" y="2130425"/>
+            <a:ext cx="9144000" cy="1470025"/>
+          </a:xfrm>
+          <a:solidFill>
+            <a:srgbClr val="00B0F0"/>
+          </a:solidFill>
+        </p:spPr>
+        <p:txBody>
+          <a:bodyPr>
+            <a:normAutofit/>
+          </a:bodyPr>
+          <a:lstStyle/>
+          <a:p>
+            <a:r>
+              <a:rPr lang="en-US" altLang="zh-TW" sz="4800" b="1" dirty="0">
+                <a:solidFill>
+                  <a:srgbClr val="FFFF00"/>
+                </a:solidFill>
+              </a:rPr>
+              <a:t>40.3 Get Feature</a:t>
+            </a:r>
+            <a:endParaRPr lang="zh-TW" altLang="en-US" sz="4800" b="1" dirty="0">
+              <a:solidFill>
+                <a:srgbClr val="FFFF00"/>
+              </a:solidFill>
+            </a:endParaRPr>
+          </a:p>
+        </p:txBody>
+      </p:sp>
+      <p:sp>
+        <p:nvSpPr>
+          <p:cNvPr id="5" name="日期版面配置區 4"/>
+          <p:cNvSpPr>
+            <a:spLocks noGrp="1"/>
+          </p:cNvSpPr>
+          <p:nvPr>
+            <p:ph type="dt" sz="half" idx="10"/>
+          </p:nvPr>
+        </p:nvSpPr>
+        <p:spPr/>
+        <p:txBody>
+          <a:bodyPr/>
+          <a:lstStyle/>
+          <a:p>
+            <a:fld id="{C389EDC9-19E3-47AC-9C57-C6A24DEA81AD}" type="datetime1">
+              <a:rPr lang="zh-TW" altLang="en-US" smtClean="0"/>
+              <a:pPr/>
+              <a:t>2020/8/27</a:t>
+            </a:fld>
+            <a:endParaRPr lang="zh-TW" altLang="en-US"/>
+          </a:p>
+        </p:txBody>
+      </p:sp>
+      <p:sp>
+        <p:nvSpPr>
+          <p:cNvPr id="6" name="投影片編號版面配置區 5"/>
+          <p:cNvSpPr>
+            <a:spLocks noGrp="1"/>
+          </p:cNvSpPr>
+          <p:nvPr>
+            <p:ph type="sldNum" sz="quarter" idx="12"/>
+          </p:nvPr>
+        </p:nvSpPr>
+        <p:spPr/>
+        <p:txBody>
+          <a:bodyPr/>
+          <a:lstStyle/>
+          <a:p>
+            <a:fld id="{E4D7E63D-91F2-4366-A2C4-1B00C9E2590E}" type="slidenum">
+              <a:rPr lang="zh-TW" altLang="en-US" smtClean="0"/>
+              <a:pPr/>
+              <a:t>10</a:t>
+            </a:fld>
+            <a:endParaRPr lang="zh-TW" altLang="en-US"/>
+          </a:p>
+        </p:txBody>
+      </p:sp>
+      <p:pic>
+        <p:nvPicPr>
+          <p:cNvPr id="7" name="Picture 6">
+            <a:extLst>
+              <a:ext uri="{FF2B5EF4-FFF2-40B4-BE49-F238E27FC236}">
+                <a16:creationId xmlns:a16="http://schemas.microsoft.com/office/drawing/2014/main" id="{1BE488C5-DA27-405E-9F7E-A4EF5DF95762}"/>
+              </a:ext>
+            </a:extLst>
+          </p:cNvPr>
+          <p:cNvPicPr>
+            <a:picLocks noChangeAspect="1"/>
+          </p:cNvPicPr>
+          <p:nvPr/>
+        </p:nvPicPr>
+        <p:blipFill>
+          <a:blip r:embed="rId2"/>
+          <a:stretch>
+            <a:fillRect/>
+          </a:stretch>
+        </p:blipFill>
+        <p:spPr>
+          <a:xfrm>
+            <a:off x="3923928" y="3695964"/>
+            <a:ext cx="1004960" cy="885164"/>
+          </a:xfrm>
+          <a:prstGeom prst="rect">
+            <a:avLst/>
+          </a:prstGeom>
+        </p:spPr>
+      </p:pic>
+    </p:spTree>
+    <p:extLst>
+      <p:ext uri="{BB962C8B-B14F-4D97-AF65-F5344CB8AC3E}">
+        <p14:creationId xmlns:p14="http://schemas.microsoft.com/office/powerpoint/2010/main" val="1026512822"/>
+      </p:ext>
+    </p:extLst>
+  </p:cSld>
+  <p:clrMapOvr>
+    <a:masterClrMapping/>
+  </p:clrMapOvr>
+</p:sld>
+</file>
+
+<file path=ppt/slides/slide11.xml><?xml version="1.0" encoding="utf-8"?>
+<p:sld xmlns:a="http://schemas.openxmlformats.org/drawingml/2006/main" xmlns:r="http://schemas.openxmlformats.org/officeDocument/2006/relationships" xmlns:p="http://schemas.openxmlformats.org/presentationml/2006/main">
+  <p:cSld>
+    <p:spTree>
+      <p:nvGrpSpPr>
+        <p:cNvPr id="1" name=""/>
+        <p:cNvGrpSpPr/>
+        <p:nvPr/>
+      </p:nvGrpSpPr>
+      <p:grpSpPr>
+        <a:xfrm>
+          <a:off x="0" y="0"/>
+          <a:ext cx="0" cy="0"/>
+          <a:chOff x="0" y="0"/>
+          <a:chExt cx="0" cy="0"/>
+        </a:xfrm>
+      </p:grpSpPr>
+      <p:sp>
+        <p:nvSpPr>
+          <p:cNvPr id="2" name="標題 1"/>
+          <p:cNvSpPr>
+            <a:spLocks noGrp="1"/>
+          </p:cNvSpPr>
+          <p:nvPr>
+            <p:ph type="ctrTitle"/>
+          </p:nvPr>
+        </p:nvSpPr>
+        <p:spPr>
+          <a:xfrm>
+            <a:off x="0" y="1"/>
             <a:ext cx="9144000" cy="764704"/>
           </a:xfrm>
           <a:gradFill flip="none" rotWithShape="1">
@@ -3655,7 +3826,7 @@
                   <a:srgbClr val="FFFF00"/>
                 </a:solidFill>
               </a:rPr>
-              <a:t>40 Predict Hire Decision</a:t>
+              <a:t>40.3 Get Feature</a:t>
             </a:r>
             <a:endParaRPr lang="zh-TW" altLang="en-US" b="1" dirty="0">
               <a:solidFill>
@@ -3678,7 +3849,7 @@
         <p:spPr>
           <a:xfrm>
             <a:off x="457199" y="1268760"/>
-            <a:ext cx="8419457" cy="2016224"/>
+            <a:ext cx="8419457" cy="923449"/>
           </a:xfrm>
           <a:ln>
             <a:solidFill>
@@ -3706,7 +3877,7 @@
                   <a:schemeClr val="tx1"/>
                 </a:solidFill>
               </a:rPr>
-              <a:t>Decision Trees</a:t>
+              <a:t>Get Feature</a:t>
             </a:r>
           </a:p>
           <a:p>
@@ -3724,7 +3895,7 @@
                   <a:schemeClr val="tx1"/>
                 </a:solidFill>
               </a:rPr>
-              <a:t>If you have something that you try to predict one, you can use a decision tree.</a:t>
+              <a:t>Next we need to separate the features from the target column.</a:t>
             </a:r>
           </a:p>
           <a:p>
@@ -3742,43 +3913,7 @@
                   <a:schemeClr val="tx1"/>
                 </a:solidFill>
               </a:rPr>
-              <a:t>The decision tree actually look at multiple attributes.</a:t>
-            </a:r>
-          </a:p>
-          <a:p>
-            <a:pPr marL="342900" indent="-342900" algn="l">
-              <a:buClr>
-                <a:srgbClr val="0070C0"/>
-              </a:buClr>
-              <a:buSzPct val="80000"/>
-              <a:buFont typeface="Wingdings" pitchFamily="2" charset="2"/>
-              <a:buChar char="u"/>
-            </a:pPr>
-            <a:r>
-              <a:rPr lang="en-US" sz="1800" b="1" dirty="0">
-                <a:solidFill>
-                  <a:schemeClr val="tx1"/>
-                </a:solidFill>
-              </a:rPr>
-              <a:t>The decision tree decide upon at each level in a flow chart.</a:t>
-            </a:r>
-          </a:p>
-          <a:p>
-            <a:pPr marL="342900" indent="-342900" algn="l">
-              <a:buClr>
-                <a:srgbClr val="0070C0"/>
-              </a:buClr>
-              <a:buSzPct val="80000"/>
-              <a:buFont typeface="Wingdings" pitchFamily="2" charset="2"/>
-              <a:buChar char="u"/>
-            </a:pPr>
-            <a:r>
-              <a:rPr lang="en-US" sz="1800" b="1" dirty="0">
-                <a:solidFill>
-                  <a:schemeClr val="tx1"/>
-                </a:solidFill>
-              </a:rPr>
-              <a:t>You can actually print out the flow chart and see the flow chart of the decision tree based on the actual machine learning.</a:t>
+              <a:t>We are trying to build a decision tree.</a:t>
             </a:r>
           </a:p>
         </p:txBody>
@@ -3907,6 +4042,2985 @@
             <a:fld id="{E4D7E63D-91F2-4366-A2C4-1B00C9E2590E}" type="slidenum">
               <a:rPr lang="zh-TW" altLang="en-US" smtClean="0"/>
               <a:pPr/>
+              <a:t>11</a:t>
+            </a:fld>
+            <a:endParaRPr lang="zh-TW" altLang="en-US"/>
+          </a:p>
+        </p:txBody>
+      </p:sp>
+      <p:pic>
+        <p:nvPicPr>
+          <p:cNvPr id="7" name="Picture 6">
+            <a:extLst>
+              <a:ext uri="{FF2B5EF4-FFF2-40B4-BE49-F238E27FC236}">
+                <a16:creationId xmlns:a16="http://schemas.microsoft.com/office/drawing/2014/main" id="{4F4724AD-C4C4-49D9-8184-0BCDC4A958F5}"/>
+              </a:ext>
+            </a:extLst>
+          </p:cNvPr>
+          <p:cNvPicPr>
+            <a:picLocks noChangeAspect="1"/>
+          </p:cNvPicPr>
+          <p:nvPr/>
+        </p:nvPicPr>
+        <p:blipFill>
+          <a:blip r:embed="rId3"/>
+          <a:stretch>
+            <a:fillRect/>
+          </a:stretch>
+        </p:blipFill>
+        <p:spPr>
+          <a:xfrm>
+            <a:off x="827584" y="2381337"/>
+            <a:ext cx="2914650" cy="819150"/>
+          </a:xfrm>
+          <a:prstGeom prst="rect">
+            <a:avLst/>
+          </a:prstGeom>
+          <a:ln>
+            <a:solidFill>
+              <a:srgbClr val="C00000"/>
+            </a:solidFill>
+          </a:ln>
+        </p:spPr>
+      </p:pic>
+      <p:pic>
+        <p:nvPicPr>
+          <p:cNvPr id="10" name="Picture 9">
+            <a:extLst>
+              <a:ext uri="{FF2B5EF4-FFF2-40B4-BE49-F238E27FC236}">
+                <a16:creationId xmlns:a16="http://schemas.microsoft.com/office/drawing/2014/main" id="{7D81256F-2963-4E4C-B0B1-6F71F12B8753}"/>
+              </a:ext>
+            </a:extLst>
+          </p:cNvPr>
+          <p:cNvPicPr>
+            <a:picLocks noChangeAspect="1"/>
+          </p:cNvPicPr>
+          <p:nvPr/>
+        </p:nvPicPr>
+        <p:blipFill>
+          <a:blip r:embed="rId4"/>
+          <a:stretch>
+            <a:fillRect/>
+          </a:stretch>
+        </p:blipFill>
+        <p:spPr>
+          <a:xfrm>
+            <a:off x="750403" y="3420737"/>
+            <a:ext cx="7833048" cy="2766719"/>
+          </a:xfrm>
+          <a:prstGeom prst="rect">
+            <a:avLst/>
+          </a:prstGeom>
+          <a:ln>
+            <a:solidFill>
+              <a:srgbClr val="C00000"/>
+            </a:solidFill>
+          </a:ln>
+        </p:spPr>
+      </p:pic>
+    </p:spTree>
+    <p:extLst>
+      <p:ext uri="{BB962C8B-B14F-4D97-AF65-F5344CB8AC3E}">
+        <p14:creationId xmlns:p14="http://schemas.microsoft.com/office/powerpoint/2010/main" val="3006463892"/>
+      </p:ext>
+    </p:extLst>
+  </p:cSld>
+  <p:clrMapOvr>
+    <a:masterClrMapping/>
+  </p:clrMapOvr>
+</p:sld>
+</file>
+
+<file path=ppt/slides/slide12.xml><?xml version="1.0" encoding="utf-8"?>
+<p:sld xmlns:a="http://schemas.openxmlformats.org/drawingml/2006/main" xmlns:r="http://schemas.openxmlformats.org/officeDocument/2006/relationships" xmlns:p="http://schemas.openxmlformats.org/presentationml/2006/main">
+  <p:cSld>
+    <p:spTree>
+      <p:nvGrpSpPr>
+        <p:cNvPr id="1" name=""/>
+        <p:cNvGrpSpPr/>
+        <p:nvPr/>
+      </p:nvGrpSpPr>
+      <p:grpSpPr>
+        <a:xfrm>
+          <a:off x="0" y="0"/>
+          <a:ext cx="0" cy="0"/>
+          <a:chOff x="0" y="0"/>
+          <a:chExt cx="0" cy="0"/>
+        </a:xfrm>
+      </p:grpSpPr>
+      <p:sp>
+        <p:nvSpPr>
+          <p:cNvPr id="2" name="標題 1"/>
+          <p:cNvSpPr>
+            <a:spLocks noGrp="1"/>
+          </p:cNvSpPr>
+          <p:nvPr>
+            <p:ph type="ctrTitle"/>
+          </p:nvPr>
+        </p:nvSpPr>
+        <p:spPr>
+          <a:xfrm>
+            <a:off x="0" y="2130425"/>
+            <a:ext cx="9144000" cy="1470025"/>
+          </a:xfrm>
+          <a:solidFill>
+            <a:srgbClr val="00B0F0"/>
+          </a:solidFill>
+        </p:spPr>
+        <p:txBody>
+          <a:bodyPr>
+            <a:normAutofit/>
+          </a:bodyPr>
+          <a:lstStyle/>
+          <a:p>
+            <a:r>
+              <a:rPr lang="en-US" altLang="zh-TW" sz="4800" b="1" dirty="0">
+                <a:solidFill>
+                  <a:srgbClr val="FFFF00"/>
+                </a:solidFill>
+              </a:rPr>
+              <a:t>40.4 Construct Decision Tree</a:t>
+            </a:r>
+            <a:endParaRPr lang="zh-TW" altLang="en-US" sz="4800" b="1" dirty="0">
+              <a:solidFill>
+                <a:srgbClr val="FFFF00"/>
+              </a:solidFill>
+            </a:endParaRPr>
+          </a:p>
+        </p:txBody>
+      </p:sp>
+      <p:sp>
+        <p:nvSpPr>
+          <p:cNvPr id="5" name="日期版面配置區 4"/>
+          <p:cNvSpPr>
+            <a:spLocks noGrp="1"/>
+          </p:cNvSpPr>
+          <p:nvPr>
+            <p:ph type="dt" sz="half" idx="10"/>
+          </p:nvPr>
+        </p:nvSpPr>
+        <p:spPr/>
+        <p:txBody>
+          <a:bodyPr/>
+          <a:lstStyle/>
+          <a:p>
+            <a:fld id="{C389EDC9-19E3-47AC-9C57-C6A24DEA81AD}" type="datetime1">
+              <a:rPr lang="zh-TW" altLang="en-US" smtClean="0"/>
+              <a:pPr/>
+              <a:t>2020/8/27</a:t>
+            </a:fld>
+            <a:endParaRPr lang="zh-TW" altLang="en-US"/>
+          </a:p>
+        </p:txBody>
+      </p:sp>
+      <p:sp>
+        <p:nvSpPr>
+          <p:cNvPr id="6" name="投影片編號版面配置區 5"/>
+          <p:cNvSpPr>
+            <a:spLocks noGrp="1"/>
+          </p:cNvSpPr>
+          <p:nvPr>
+            <p:ph type="sldNum" sz="quarter" idx="12"/>
+          </p:nvPr>
+        </p:nvSpPr>
+        <p:spPr/>
+        <p:txBody>
+          <a:bodyPr/>
+          <a:lstStyle/>
+          <a:p>
+            <a:fld id="{E4D7E63D-91F2-4366-A2C4-1B00C9E2590E}" type="slidenum">
+              <a:rPr lang="zh-TW" altLang="en-US" smtClean="0"/>
+              <a:pPr/>
+              <a:t>12</a:t>
+            </a:fld>
+            <a:endParaRPr lang="zh-TW" altLang="en-US"/>
+          </a:p>
+        </p:txBody>
+      </p:sp>
+      <p:pic>
+        <p:nvPicPr>
+          <p:cNvPr id="7" name="Picture 6">
+            <a:extLst>
+              <a:ext uri="{FF2B5EF4-FFF2-40B4-BE49-F238E27FC236}">
+                <a16:creationId xmlns:a16="http://schemas.microsoft.com/office/drawing/2014/main" id="{1BE488C5-DA27-405E-9F7E-A4EF5DF95762}"/>
+              </a:ext>
+            </a:extLst>
+          </p:cNvPr>
+          <p:cNvPicPr>
+            <a:picLocks noChangeAspect="1"/>
+          </p:cNvPicPr>
+          <p:nvPr/>
+        </p:nvPicPr>
+        <p:blipFill>
+          <a:blip r:embed="rId2"/>
+          <a:stretch>
+            <a:fillRect/>
+          </a:stretch>
+        </p:blipFill>
+        <p:spPr>
+          <a:xfrm>
+            <a:off x="3923928" y="3695964"/>
+            <a:ext cx="1004960" cy="885164"/>
+          </a:xfrm>
+          <a:prstGeom prst="rect">
+            <a:avLst/>
+          </a:prstGeom>
+        </p:spPr>
+      </p:pic>
+    </p:spTree>
+    <p:extLst>
+      <p:ext uri="{BB962C8B-B14F-4D97-AF65-F5344CB8AC3E}">
+        <p14:creationId xmlns:p14="http://schemas.microsoft.com/office/powerpoint/2010/main" val="1755000157"/>
+      </p:ext>
+    </p:extLst>
+  </p:cSld>
+  <p:clrMapOvr>
+    <a:masterClrMapping/>
+  </p:clrMapOvr>
+</p:sld>
+</file>
+
+<file path=ppt/slides/slide13.xml><?xml version="1.0" encoding="utf-8"?>
+<p:sld xmlns:a="http://schemas.openxmlformats.org/drawingml/2006/main" xmlns:r="http://schemas.openxmlformats.org/officeDocument/2006/relationships" xmlns:p="http://schemas.openxmlformats.org/presentationml/2006/main">
+  <p:cSld>
+    <p:spTree>
+      <p:nvGrpSpPr>
+        <p:cNvPr id="1" name=""/>
+        <p:cNvGrpSpPr/>
+        <p:nvPr/>
+      </p:nvGrpSpPr>
+      <p:grpSpPr>
+        <a:xfrm>
+          <a:off x="0" y="0"/>
+          <a:ext cx="0" cy="0"/>
+          <a:chOff x="0" y="0"/>
+          <a:chExt cx="0" cy="0"/>
+        </a:xfrm>
+      </p:grpSpPr>
+      <p:sp>
+        <p:nvSpPr>
+          <p:cNvPr id="2" name="標題 1"/>
+          <p:cNvSpPr>
+            <a:spLocks noGrp="1"/>
+          </p:cNvSpPr>
+          <p:nvPr>
+            <p:ph type="ctrTitle"/>
+          </p:nvPr>
+        </p:nvSpPr>
+        <p:spPr>
+          <a:xfrm>
+            <a:off x="0" y="1"/>
+            <a:ext cx="9144000" cy="764704"/>
+          </a:xfrm>
+          <a:gradFill flip="none" rotWithShape="1">
+            <a:gsLst>
+              <a:gs pos="0">
+                <a:srgbClr val="C00000">
+                  <a:shade val="30000"/>
+                  <a:satMod val="115000"/>
+                </a:srgbClr>
+              </a:gs>
+              <a:gs pos="50000">
+                <a:srgbClr val="C00000">
+                  <a:shade val="67500"/>
+                  <a:satMod val="115000"/>
+                </a:srgbClr>
+              </a:gs>
+              <a:gs pos="100000">
+                <a:srgbClr val="C00000">
+                  <a:shade val="100000"/>
+                  <a:satMod val="115000"/>
+                </a:srgbClr>
+              </a:gs>
+            </a:gsLst>
+            <a:path path="circle">
+              <a:fillToRect t="100000" r="100000"/>
+            </a:path>
+            <a:tileRect l="-100000" b="-100000"/>
+          </a:gradFill>
+        </p:spPr>
+        <p:txBody>
+          <a:bodyPr>
+            <a:normAutofit/>
+          </a:bodyPr>
+          <a:lstStyle/>
+          <a:p>
+            <a:pPr algn="l"/>
+            <a:r>
+              <a:rPr lang="en-US" altLang="zh-TW" sz="4400" b="1" dirty="0">
+                <a:solidFill>
+                  <a:srgbClr val="FFFF00"/>
+                </a:solidFill>
+              </a:rPr>
+              <a:t>40.4 Construct Decision Tree</a:t>
+            </a:r>
+            <a:endParaRPr lang="zh-TW" altLang="en-US" b="1" dirty="0">
+              <a:solidFill>
+                <a:srgbClr val="FFFF00"/>
+              </a:solidFill>
+            </a:endParaRPr>
+          </a:p>
+        </p:txBody>
+      </p:sp>
+      <p:sp>
+        <p:nvSpPr>
+          <p:cNvPr id="3" name="副標題 2"/>
+          <p:cNvSpPr>
+            <a:spLocks noGrp="1"/>
+          </p:cNvSpPr>
+          <p:nvPr>
+            <p:ph type="subTitle" idx="1"/>
+          </p:nvPr>
+        </p:nvSpPr>
+        <p:spPr>
+          <a:xfrm>
+            <a:off x="457199" y="1268761"/>
+            <a:ext cx="8419457" cy="648072"/>
+          </a:xfrm>
+          <a:ln>
+            <a:solidFill>
+              <a:srgbClr val="C00000"/>
+            </a:solidFill>
+          </a:ln>
+        </p:spPr>
+        <p:txBody>
+          <a:bodyPr>
+            <a:noAutofit/>
+          </a:bodyPr>
+          <a:lstStyle/>
+          <a:p>
+            <a:pPr marL="342900" indent="-342900" algn="l">
+              <a:buClr>
+                <a:srgbClr val="0070C0"/>
+              </a:buClr>
+              <a:buSzPct val="80000"/>
+              <a:buFont typeface="Wingdings" pitchFamily="2" charset="2"/>
+              <a:buChar char="u"/>
+            </a:pPr>
+            <a:r>
+              <a:rPr lang="en-US" sz="1800" b="1" dirty="0">
+                <a:solidFill>
+                  <a:schemeClr val="tx1"/>
+                </a:solidFill>
+              </a:rPr>
+              <a:t>Construct Decision Tree</a:t>
+            </a:r>
+          </a:p>
+          <a:p>
+            <a:pPr marL="342900" indent="-342900" algn="l">
+              <a:buClr>
+                <a:srgbClr val="0070C0"/>
+              </a:buClr>
+              <a:buSzPct val="80000"/>
+              <a:buFont typeface="Wingdings" pitchFamily="2" charset="2"/>
+              <a:buChar char="u"/>
+            </a:pPr>
+            <a:r>
+              <a:rPr lang="en-US" sz="1800" b="1" dirty="0">
+                <a:solidFill>
+                  <a:schemeClr val="tx1"/>
+                </a:solidFill>
+              </a:rPr>
+              <a:t>Now actually construct the decision tree:</a:t>
+            </a:r>
+          </a:p>
+        </p:txBody>
+      </p:sp>
+      <p:sp>
+        <p:nvSpPr>
+          <p:cNvPr id="4" name="標題 1"/>
+          <p:cNvSpPr txBox="1">
+            <a:spLocks/>
+          </p:cNvSpPr>
+          <p:nvPr/>
+        </p:nvSpPr>
+        <p:spPr>
+          <a:xfrm>
+            <a:off x="0" y="764704"/>
+            <a:ext cx="9144000" cy="360040"/>
+          </a:xfrm>
+          <a:prstGeom prst="rect">
+            <a:avLst/>
+          </a:prstGeom>
+          <a:gradFill flip="none" rotWithShape="1">
+            <a:gsLst>
+              <a:gs pos="0">
+                <a:srgbClr val="00B0F0">
+                  <a:shade val="30000"/>
+                  <a:satMod val="115000"/>
+                </a:srgbClr>
+              </a:gs>
+              <a:gs pos="50000">
+                <a:srgbClr val="00B0F0">
+                  <a:shade val="67500"/>
+                  <a:satMod val="115000"/>
+                </a:srgbClr>
+              </a:gs>
+              <a:gs pos="100000">
+                <a:srgbClr val="00B0F0">
+                  <a:shade val="100000"/>
+                  <a:satMod val="115000"/>
+                </a:srgbClr>
+              </a:gs>
+            </a:gsLst>
+            <a:path path="circle">
+              <a:fillToRect t="100000" r="100000"/>
+            </a:path>
+            <a:tileRect l="-100000" b="-100000"/>
+          </a:gradFill>
+        </p:spPr>
+        <p:txBody>
+          <a:bodyPr vert="horz" lIns="91440" tIns="45720" rIns="91440" bIns="45720" rtlCol="0" anchor="ctr">
+            <a:normAutofit fontScale="77500" lnSpcReduction="20000"/>
+          </a:bodyPr>
+          <a:lstStyle/>
+          <a:p>
+            <a:pPr lvl="0">
+              <a:spcBef>
+                <a:spcPct val="0"/>
+              </a:spcBef>
+            </a:pPr>
+            <a:r>
+              <a:rPr lang="en-US" sz="1600" dirty="0">
+                <a:hlinkClick r:id="rId2"/>
+              </a:rPr>
+              <a:t>https://www.udemy.com/course/data-science-and-machine-learning-with-python-hands-on/learn/lecture/15090192#overview</a:t>
+            </a:r>
+            <a:endParaRPr kumimoji="0" lang="zh-TW" altLang="en-US" sz="1600" b="0" i="0" u="none" strike="noStrike" kern="1200" cap="none" spc="0" normalizeH="0" baseline="0" noProof="0" dirty="0">
+              <a:ln>
+                <a:noFill/>
+              </a:ln>
+              <a:solidFill>
+                <a:schemeClr val="tx1"/>
+              </a:solidFill>
+              <a:effectLst/>
+              <a:uLnTx/>
+              <a:uFillTx/>
+              <a:latin typeface="+mj-lt"/>
+              <a:ea typeface="+mj-ea"/>
+              <a:cs typeface="+mj-cs"/>
+            </a:endParaRPr>
+          </a:p>
+        </p:txBody>
+      </p:sp>
+      <p:sp>
+        <p:nvSpPr>
+          <p:cNvPr id="5" name="日期版面配置區 4"/>
+          <p:cNvSpPr>
+            <a:spLocks noGrp="1"/>
+          </p:cNvSpPr>
+          <p:nvPr>
+            <p:ph type="dt" sz="half" idx="10"/>
+          </p:nvPr>
+        </p:nvSpPr>
+        <p:spPr>
+          <a:xfrm>
+            <a:off x="457200" y="6343695"/>
+            <a:ext cx="2133600" cy="365125"/>
+          </a:xfrm>
+        </p:spPr>
+        <p:txBody>
+          <a:bodyPr/>
+          <a:lstStyle/>
+          <a:p>
+            <a:fld id="{A4F910E6-8D00-4BAF-8C48-9688E0B449D3}" type="datetime1">
+              <a:rPr lang="zh-TW" altLang="en-US" smtClean="0"/>
+              <a:pPr/>
+              <a:t>2020/8/27</a:t>
+            </a:fld>
+            <a:endParaRPr lang="zh-TW" altLang="en-US"/>
+          </a:p>
+        </p:txBody>
+      </p:sp>
+      <p:sp>
+        <p:nvSpPr>
+          <p:cNvPr id="6" name="投影片編號版面配置區 5"/>
+          <p:cNvSpPr>
+            <a:spLocks noGrp="1"/>
+          </p:cNvSpPr>
+          <p:nvPr>
+            <p:ph type="sldNum" sz="quarter" idx="12"/>
+          </p:nvPr>
+        </p:nvSpPr>
+        <p:spPr/>
+        <p:txBody>
+          <a:bodyPr/>
+          <a:lstStyle/>
+          <a:p>
+            <a:fld id="{E4D7E63D-91F2-4366-A2C4-1B00C9E2590E}" type="slidenum">
+              <a:rPr lang="zh-TW" altLang="en-US" smtClean="0"/>
+              <a:pPr/>
+              <a:t>13</a:t>
+            </a:fld>
+            <a:endParaRPr lang="zh-TW" altLang="en-US"/>
+          </a:p>
+        </p:txBody>
+      </p:sp>
+      <p:pic>
+        <p:nvPicPr>
+          <p:cNvPr id="8" name="Picture 7">
+            <a:extLst>
+              <a:ext uri="{FF2B5EF4-FFF2-40B4-BE49-F238E27FC236}">
+                <a16:creationId xmlns:a16="http://schemas.microsoft.com/office/drawing/2014/main" id="{04C447AA-933C-4332-9382-D7EDDCB8663A}"/>
+              </a:ext>
+            </a:extLst>
+          </p:cNvPr>
+          <p:cNvPicPr>
+            <a:picLocks noChangeAspect="1"/>
+          </p:cNvPicPr>
+          <p:nvPr/>
+        </p:nvPicPr>
+        <p:blipFill>
+          <a:blip r:embed="rId3"/>
+          <a:stretch>
+            <a:fillRect/>
+          </a:stretch>
+        </p:blipFill>
+        <p:spPr>
+          <a:xfrm>
+            <a:off x="1599877" y="2060538"/>
+            <a:ext cx="3067050" cy="1847850"/>
+          </a:xfrm>
+          <a:prstGeom prst="rect">
+            <a:avLst/>
+          </a:prstGeom>
+          <a:ln>
+            <a:solidFill>
+              <a:srgbClr val="C00000"/>
+            </a:solidFill>
+          </a:ln>
+        </p:spPr>
+      </p:pic>
+      <p:pic>
+        <p:nvPicPr>
+          <p:cNvPr id="9" name="Picture 8">
+            <a:extLst>
+              <a:ext uri="{FF2B5EF4-FFF2-40B4-BE49-F238E27FC236}">
+                <a16:creationId xmlns:a16="http://schemas.microsoft.com/office/drawing/2014/main" id="{556040AE-34A2-4BBF-BD6A-3DF1E7D311A1}"/>
+              </a:ext>
+            </a:extLst>
+          </p:cNvPr>
+          <p:cNvPicPr>
+            <a:picLocks noChangeAspect="1"/>
+          </p:cNvPicPr>
+          <p:nvPr/>
+        </p:nvPicPr>
+        <p:blipFill>
+          <a:blip r:embed="rId4"/>
+          <a:stretch>
+            <a:fillRect/>
+          </a:stretch>
+        </p:blipFill>
+        <p:spPr>
+          <a:xfrm>
+            <a:off x="1149115" y="4006121"/>
+            <a:ext cx="6845770" cy="2287163"/>
+          </a:xfrm>
+          <a:prstGeom prst="rect">
+            <a:avLst/>
+          </a:prstGeom>
+        </p:spPr>
+      </p:pic>
+    </p:spTree>
+    <p:extLst>
+      <p:ext uri="{BB962C8B-B14F-4D97-AF65-F5344CB8AC3E}">
+        <p14:creationId xmlns:p14="http://schemas.microsoft.com/office/powerpoint/2010/main" val="2033976175"/>
+      </p:ext>
+    </p:extLst>
+  </p:cSld>
+  <p:clrMapOvr>
+    <a:masterClrMapping/>
+  </p:clrMapOvr>
+</p:sld>
+</file>
+
+<file path=ppt/slides/slide14.xml><?xml version="1.0" encoding="utf-8"?>
+<p:sld xmlns:a="http://schemas.openxmlformats.org/drawingml/2006/main" xmlns:r="http://schemas.openxmlformats.org/officeDocument/2006/relationships" xmlns:p="http://schemas.openxmlformats.org/presentationml/2006/main">
+  <p:cSld>
+    <p:spTree>
+      <p:nvGrpSpPr>
+        <p:cNvPr id="1" name=""/>
+        <p:cNvGrpSpPr/>
+        <p:nvPr/>
+      </p:nvGrpSpPr>
+      <p:grpSpPr>
+        <a:xfrm>
+          <a:off x="0" y="0"/>
+          <a:ext cx="0" cy="0"/>
+          <a:chOff x="0" y="0"/>
+          <a:chExt cx="0" cy="0"/>
+        </a:xfrm>
+      </p:grpSpPr>
+      <p:sp>
+        <p:nvSpPr>
+          <p:cNvPr id="2" name="標題 1"/>
+          <p:cNvSpPr>
+            <a:spLocks noGrp="1"/>
+          </p:cNvSpPr>
+          <p:nvPr>
+            <p:ph type="ctrTitle"/>
+          </p:nvPr>
+        </p:nvSpPr>
+        <p:spPr>
+          <a:xfrm>
+            <a:off x="0" y="2130425"/>
+            <a:ext cx="9144000" cy="1470025"/>
+          </a:xfrm>
+          <a:solidFill>
+            <a:srgbClr val="00B0F0"/>
+          </a:solidFill>
+        </p:spPr>
+        <p:txBody>
+          <a:bodyPr>
+            <a:normAutofit/>
+          </a:bodyPr>
+          <a:lstStyle/>
+          <a:p>
+            <a:r>
+              <a:rPr lang="en-US" altLang="zh-TW" sz="4800" b="1" dirty="0">
+                <a:solidFill>
+                  <a:srgbClr val="FFFF00"/>
+                </a:solidFill>
+              </a:rPr>
+              <a:t>40.5 Display Prediction by Graphviz</a:t>
+            </a:r>
+            <a:endParaRPr lang="zh-TW" altLang="en-US" sz="4800" b="1" dirty="0">
+              <a:solidFill>
+                <a:srgbClr val="FFFF00"/>
+              </a:solidFill>
+            </a:endParaRPr>
+          </a:p>
+        </p:txBody>
+      </p:sp>
+      <p:sp>
+        <p:nvSpPr>
+          <p:cNvPr id="5" name="日期版面配置區 4"/>
+          <p:cNvSpPr>
+            <a:spLocks noGrp="1"/>
+          </p:cNvSpPr>
+          <p:nvPr>
+            <p:ph type="dt" sz="half" idx="10"/>
+          </p:nvPr>
+        </p:nvSpPr>
+        <p:spPr/>
+        <p:txBody>
+          <a:bodyPr/>
+          <a:lstStyle/>
+          <a:p>
+            <a:fld id="{C389EDC9-19E3-47AC-9C57-C6A24DEA81AD}" type="datetime1">
+              <a:rPr lang="zh-TW" altLang="en-US" smtClean="0"/>
+              <a:pPr/>
+              <a:t>2020/8/27</a:t>
+            </a:fld>
+            <a:endParaRPr lang="zh-TW" altLang="en-US"/>
+          </a:p>
+        </p:txBody>
+      </p:sp>
+      <p:sp>
+        <p:nvSpPr>
+          <p:cNvPr id="6" name="投影片編號版面配置區 5"/>
+          <p:cNvSpPr>
+            <a:spLocks noGrp="1"/>
+          </p:cNvSpPr>
+          <p:nvPr>
+            <p:ph type="sldNum" sz="quarter" idx="12"/>
+          </p:nvPr>
+        </p:nvSpPr>
+        <p:spPr/>
+        <p:txBody>
+          <a:bodyPr/>
+          <a:lstStyle/>
+          <a:p>
+            <a:fld id="{E4D7E63D-91F2-4366-A2C4-1B00C9E2590E}" type="slidenum">
+              <a:rPr lang="zh-TW" altLang="en-US" smtClean="0"/>
+              <a:pPr/>
+              <a:t>14</a:t>
+            </a:fld>
+            <a:endParaRPr lang="zh-TW" altLang="en-US"/>
+          </a:p>
+        </p:txBody>
+      </p:sp>
+      <p:pic>
+        <p:nvPicPr>
+          <p:cNvPr id="7" name="Picture 6">
+            <a:extLst>
+              <a:ext uri="{FF2B5EF4-FFF2-40B4-BE49-F238E27FC236}">
+                <a16:creationId xmlns:a16="http://schemas.microsoft.com/office/drawing/2014/main" id="{1BE488C5-DA27-405E-9F7E-A4EF5DF95762}"/>
+              </a:ext>
+            </a:extLst>
+          </p:cNvPr>
+          <p:cNvPicPr>
+            <a:picLocks noChangeAspect="1"/>
+          </p:cNvPicPr>
+          <p:nvPr/>
+        </p:nvPicPr>
+        <p:blipFill>
+          <a:blip r:embed="rId2"/>
+          <a:stretch>
+            <a:fillRect/>
+          </a:stretch>
+        </p:blipFill>
+        <p:spPr>
+          <a:xfrm>
+            <a:off x="3923928" y="3695964"/>
+            <a:ext cx="1004960" cy="885164"/>
+          </a:xfrm>
+          <a:prstGeom prst="rect">
+            <a:avLst/>
+          </a:prstGeom>
+        </p:spPr>
+      </p:pic>
+    </p:spTree>
+    <p:extLst>
+      <p:ext uri="{BB962C8B-B14F-4D97-AF65-F5344CB8AC3E}">
+        <p14:creationId xmlns:p14="http://schemas.microsoft.com/office/powerpoint/2010/main" val="654881026"/>
+      </p:ext>
+    </p:extLst>
+  </p:cSld>
+  <p:clrMapOvr>
+    <a:masterClrMapping/>
+  </p:clrMapOvr>
+</p:sld>
+</file>
+
+<file path=ppt/slides/slide15.xml><?xml version="1.0" encoding="utf-8"?>
+<p:sld xmlns:a="http://schemas.openxmlformats.org/drawingml/2006/main" xmlns:r="http://schemas.openxmlformats.org/officeDocument/2006/relationships" xmlns:p="http://schemas.openxmlformats.org/presentationml/2006/main">
+  <p:cSld>
+    <p:spTree>
+      <p:nvGrpSpPr>
+        <p:cNvPr id="1" name=""/>
+        <p:cNvGrpSpPr/>
+        <p:nvPr/>
+      </p:nvGrpSpPr>
+      <p:grpSpPr>
+        <a:xfrm>
+          <a:off x="0" y="0"/>
+          <a:ext cx="0" cy="0"/>
+          <a:chOff x="0" y="0"/>
+          <a:chExt cx="0" cy="0"/>
+        </a:xfrm>
+      </p:grpSpPr>
+      <p:sp>
+        <p:nvSpPr>
+          <p:cNvPr id="2" name="標題 1"/>
+          <p:cNvSpPr>
+            <a:spLocks noGrp="1"/>
+          </p:cNvSpPr>
+          <p:nvPr>
+            <p:ph type="ctrTitle"/>
+          </p:nvPr>
+        </p:nvSpPr>
+        <p:spPr>
+          <a:xfrm>
+            <a:off x="0" y="1"/>
+            <a:ext cx="9144000" cy="764704"/>
+          </a:xfrm>
+          <a:gradFill flip="none" rotWithShape="1">
+            <a:gsLst>
+              <a:gs pos="0">
+                <a:srgbClr val="C00000">
+                  <a:shade val="30000"/>
+                  <a:satMod val="115000"/>
+                </a:srgbClr>
+              </a:gs>
+              <a:gs pos="50000">
+                <a:srgbClr val="C00000">
+                  <a:shade val="67500"/>
+                  <a:satMod val="115000"/>
+                </a:srgbClr>
+              </a:gs>
+              <a:gs pos="100000">
+                <a:srgbClr val="C00000">
+                  <a:shade val="100000"/>
+                  <a:satMod val="115000"/>
+                </a:srgbClr>
+              </a:gs>
+            </a:gsLst>
+            <a:path path="circle">
+              <a:fillToRect t="100000" r="100000"/>
+            </a:path>
+            <a:tileRect l="-100000" b="-100000"/>
+          </a:gradFill>
+        </p:spPr>
+        <p:txBody>
+          <a:bodyPr>
+            <a:normAutofit/>
+          </a:bodyPr>
+          <a:lstStyle/>
+          <a:p>
+            <a:pPr algn="l"/>
+            <a:r>
+              <a:rPr lang="en-US" altLang="zh-TW" sz="4400" b="1" dirty="0">
+                <a:solidFill>
+                  <a:srgbClr val="FFFF00"/>
+                </a:solidFill>
+              </a:rPr>
+              <a:t>40.5 Display Prediction by Graphviz</a:t>
+            </a:r>
+            <a:endParaRPr lang="zh-TW" altLang="en-US" b="1" dirty="0">
+              <a:solidFill>
+                <a:srgbClr val="FFFF00"/>
+              </a:solidFill>
+            </a:endParaRPr>
+          </a:p>
+        </p:txBody>
+      </p:sp>
+      <p:sp>
+        <p:nvSpPr>
+          <p:cNvPr id="3" name="副標題 2"/>
+          <p:cNvSpPr>
+            <a:spLocks noGrp="1"/>
+          </p:cNvSpPr>
+          <p:nvPr>
+            <p:ph type="subTitle" idx="1"/>
+          </p:nvPr>
+        </p:nvSpPr>
+        <p:spPr>
+          <a:xfrm>
+            <a:off x="457199" y="1268760"/>
+            <a:ext cx="8419457" cy="1663423"/>
+          </a:xfrm>
+          <a:ln>
+            <a:solidFill>
+              <a:srgbClr val="C00000"/>
+            </a:solidFill>
+          </a:ln>
+        </p:spPr>
+        <p:txBody>
+          <a:bodyPr>
+            <a:noAutofit/>
+          </a:bodyPr>
+          <a:lstStyle/>
+          <a:p>
+            <a:pPr marL="342900" indent="-342900" algn="l">
+              <a:buClr>
+                <a:srgbClr val="0070C0"/>
+              </a:buClr>
+              <a:buSzPct val="80000"/>
+              <a:buFont typeface="Wingdings" pitchFamily="2" charset="2"/>
+              <a:buChar char="u"/>
+            </a:pPr>
+            <a:r>
+              <a:rPr lang="en-US" sz="1800" b="1" dirty="0">
+                <a:solidFill>
+                  <a:schemeClr val="tx1"/>
+                </a:solidFill>
+              </a:rPr>
+              <a:t>Display prediction </a:t>
+            </a:r>
+          </a:p>
+          <a:p>
+            <a:pPr marL="342900" indent="-342900" algn="l">
+              <a:buClr>
+                <a:srgbClr val="0070C0"/>
+              </a:buClr>
+              <a:buSzPct val="80000"/>
+              <a:buFont typeface="Wingdings" pitchFamily="2" charset="2"/>
+              <a:buChar char="u"/>
+            </a:pPr>
+            <a:r>
+              <a:rPr lang="en-US" sz="1800" dirty="0">
+                <a:hlinkClick r:id="rId2"/>
+              </a:rPr>
+              <a:t>https://stackoverflow.com/questions/61901365/modulenotfounderror-no-module-named-sklearn-externals-six</a:t>
+            </a:r>
+            <a:endParaRPr lang="en-US" sz="1800" b="1" dirty="0">
+              <a:solidFill>
+                <a:schemeClr val="tx1"/>
+              </a:solidFill>
+            </a:endParaRPr>
+          </a:p>
+          <a:p>
+            <a:pPr marL="342900" indent="-342900" algn="l">
+              <a:buClr>
+                <a:srgbClr val="0070C0"/>
+              </a:buClr>
+              <a:buSzPct val="80000"/>
+              <a:buFont typeface="Wingdings" pitchFamily="2" charset="2"/>
+              <a:buChar char="u"/>
+            </a:pPr>
+            <a:r>
+              <a:rPr lang="en-US" sz="1800" b="1" dirty="0">
+                <a:solidFill>
+                  <a:schemeClr val="tx1"/>
+                </a:solidFill>
+              </a:rPr>
+              <a:t>We need to have </a:t>
+            </a:r>
+            <a:r>
+              <a:rPr lang="en-US" sz="1800" b="1" dirty="0" err="1">
+                <a:solidFill>
+                  <a:schemeClr val="tx1"/>
+                </a:solidFill>
+              </a:rPr>
+              <a:t>scklearn</a:t>
+            </a:r>
+            <a:r>
+              <a:rPr lang="en-US" sz="1800" b="1" dirty="0">
+                <a:solidFill>
+                  <a:schemeClr val="tx1"/>
+                </a:solidFill>
+              </a:rPr>
+              <a:t> 0.20.3 for </a:t>
+            </a:r>
+            <a:r>
+              <a:rPr lang="en-US" sz="1800" b="1" dirty="0" err="1">
+                <a:solidFill>
+                  <a:schemeClr val="tx1"/>
+                </a:solidFill>
+              </a:rPr>
+              <a:t>sklearn.externals.six</a:t>
+            </a:r>
+            <a:r>
+              <a:rPr lang="en-US" sz="1800" b="1" dirty="0">
+                <a:solidFill>
+                  <a:schemeClr val="tx1"/>
+                </a:solidFill>
+              </a:rPr>
+              <a:t>.</a:t>
+            </a:r>
+          </a:p>
+          <a:p>
+            <a:pPr marL="342900" indent="-342900" algn="l">
+              <a:buClr>
+                <a:srgbClr val="0070C0"/>
+              </a:buClr>
+              <a:buSzPct val="80000"/>
+              <a:buFont typeface="Wingdings" pitchFamily="2" charset="2"/>
+              <a:buChar char="u"/>
+            </a:pPr>
+            <a:r>
+              <a:rPr lang="en-US" sz="1800" b="1" dirty="0">
+                <a:solidFill>
+                  <a:schemeClr val="tx1"/>
+                </a:solidFill>
+              </a:rPr>
+              <a:t>&gt; </a:t>
+            </a:r>
+            <a:r>
+              <a:rPr lang="en-US" sz="1800" b="1" dirty="0" err="1">
+                <a:solidFill>
+                  <a:schemeClr val="tx1"/>
+                </a:solidFill>
+              </a:rPr>
+              <a:t>conda</a:t>
+            </a:r>
+            <a:r>
+              <a:rPr lang="en-US" sz="1800" b="1" dirty="0">
+                <a:solidFill>
+                  <a:schemeClr val="tx1"/>
+                </a:solidFill>
+              </a:rPr>
+              <a:t> install </a:t>
+            </a:r>
+            <a:r>
+              <a:rPr lang="en-US" sz="1800" b="1" dirty="0" err="1">
+                <a:solidFill>
+                  <a:schemeClr val="tx1"/>
+                </a:solidFill>
+              </a:rPr>
+              <a:t>scklearn</a:t>
+            </a:r>
+            <a:r>
+              <a:rPr lang="en-US" sz="1800" b="1" dirty="0">
+                <a:solidFill>
+                  <a:schemeClr val="tx1"/>
+                </a:solidFill>
+              </a:rPr>
+              <a:t>==0.20.3</a:t>
+            </a:r>
+          </a:p>
+        </p:txBody>
+      </p:sp>
+      <p:sp>
+        <p:nvSpPr>
+          <p:cNvPr id="4" name="標題 1"/>
+          <p:cNvSpPr txBox="1">
+            <a:spLocks/>
+          </p:cNvSpPr>
+          <p:nvPr/>
+        </p:nvSpPr>
+        <p:spPr>
+          <a:xfrm>
+            <a:off x="0" y="764704"/>
+            <a:ext cx="9144000" cy="360040"/>
+          </a:xfrm>
+          <a:prstGeom prst="rect">
+            <a:avLst/>
+          </a:prstGeom>
+          <a:gradFill flip="none" rotWithShape="1">
+            <a:gsLst>
+              <a:gs pos="0">
+                <a:srgbClr val="00B0F0">
+                  <a:shade val="30000"/>
+                  <a:satMod val="115000"/>
+                </a:srgbClr>
+              </a:gs>
+              <a:gs pos="50000">
+                <a:srgbClr val="00B0F0">
+                  <a:shade val="67500"/>
+                  <a:satMod val="115000"/>
+                </a:srgbClr>
+              </a:gs>
+              <a:gs pos="100000">
+                <a:srgbClr val="00B0F0">
+                  <a:shade val="100000"/>
+                  <a:satMod val="115000"/>
+                </a:srgbClr>
+              </a:gs>
+            </a:gsLst>
+            <a:path path="circle">
+              <a:fillToRect t="100000" r="100000"/>
+            </a:path>
+            <a:tileRect l="-100000" b="-100000"/>
+          </a:gradFill>
+        </p:spPr>
+        <p:txBody>
+          <a:bodyPr vert="horz" lIns="91440" tIns="45720" rIns="91440" bIns="45720" rtlCol="0" anchor="ctr">
+            <a:normAutofit fontScale="77500" lnSpcReduction="20000"/>
+          </a:bodyPr>
+          <a:lstStyle/>
+          <a:p>
+            <a:pPr lvl="0">
+              <a:spcBef>
+                <a:spcPct val="0"/>
+              </a:spcBef>
+            </a:pPr>
+            <a:r>
+              <a:rPr lang="en-US" sz="1600" dirty="0">
+                <a:hlinkClick r:id="rId3"/>
+              </a:rPr>
+              <a:t>https://www.udemy.com/course/data-science-and-machine-learning-with-python-hands-on/learn/lecture/15090192#overview</a:t>
+            </a:r>
+            <a:endParaRPr kumimoji="0" lang="zh-TW" altLang="en-US" sz="1600" b="0" i="0" u="none" strike="noStrike" kern="1200" cap="none" spc="0" normalizeH="0" baseline="0" noProof="0" dirty="0">
+              <a:ln>
+                <a:noFill/>
+              </a:ln>
+              <a:solidFill>
+                <a:schemeClr val="tx1"/>
+              </a:solidFill>
+              <a:effectLst/>
+              <a:uLnTx/>
+              <a:uFillTx/>
+              <a:latin typeface="+mj-lt"/>
+              <a:ea typeface="+mj-ea"/>
+              <a:cs typeface="+mj-cs"/>
+            </a:endParaRPr>
+          </a:p>
+        </p:txBody>
+      </p:sp>
+      <p:sp>
+        <p:nvSpPr>
+          <p:cNvPr id="5" name="日期版面配置區 4"/>
+          <p:cNvSpPr>
+            <a:spLocks noGrp="1"/>
+          </p:cNvSpPr>
+          <p:nvPr>
+            <p:ph type="dt" sz="half" idx="10"/>
+          </p:nvPr>
+        </p:nvSpPr>
+        <p:spPr>
+          <a:xfrm>
+            <a:off x="457200" y="6343695"/>
+            <a:ext cx="2133600" cy="365125"/>
+          </a:xfrm>
+        </p:spPr>
+        <p:txBody>
+          <a:bodyPr/>
+          <a:lstStyle/>
+          <a:p>
+            <a:fld id="{A4F910E6-8D00-4BAF-8C48-9688E0B449D3}" type="datetime1">
+              <a:rPr lang="zh-TW" altLang="en-US" smtClean="0"/>
+              <a:pPr/>
+              <a:t>2020/8/27</a:t>
+            </a:fld>
+            <a:endParaRPr lang="zh-TW" altLang="en-US"/>
+          </a:p>
+        </p:txBody>
+      </p:sp>
+      <p:sp>
+        <p:nvSpPr>
+          <p:cNvPr id="6" name="投影片編號版面配置區 5"/>
+          <p:cNvSpPr>
+            <a:spLocks noGrp="1"/>
+          </p:cNvSpPr>
+          <p:nvPr>
+            <p:ph type="sldNum" sz="quarter" idx="12"/>
+          </p:nvPr>
+        </p:nvSpPr>
+        <p:spPr/>
+        <p:txBody>
+          <a:bodyPr/>
+          <a:lstStyle/>
+          <a:p>
+            <a:fld id="{E4D7E63D-91F2-4366-A2C4-1B00C9E2590E}" type="slidenum">
+              <a:rPr lang="zh-TW" altLang="en-US" smtClean="0"/>
+              <a:pPr/>
+              <a:t>15</a:t>
+            </a:fld>
+            <a:endParaRPr lang="zh-TW" altLang="en-US"/>
+          </a:p>
+        </p:txBody>
+      </p:sp>
+      <p:pic>
+        <p:nvPicPr>
+          <p:cNvPr id="11" name="Picture 10">
+            <a:extLst>
+              <a:ext uri="{FF2B5EF4-FFF2-40B4-BE49-F238E27FC236}">
+                <a16:creationId xmlns:a16="http://schemas.microsoft.com/office/drawing/2014/main" id="{2EFFDE2A-9B8A-42A4-A5FF-05279FBAF651}"/>
+              </a:ext>
+            </a:extLst>
+          </p:cNvPr>
+          <p:cNvPicPr>
+            <a:picLocks noChangeAspect="1"/>
+          </p:cNvPicPr>
+          <p:nvPr/>
+        </p:nvPicPr>
+        <p:blipFill>
+          <a:blip r:embed="rId4"/>
+          <a:stretch>
+            <a:fillRect/>
+          </a:stretch>
+        </p:blipFill>
+        <p:spPr>
+          <a:xfrm>
+            <a:off x="2051720" y="3065283"/>
+            <a:ext cx="5778388" cy="3443081"/>
+          </a:xfrm>
+          <a:prstGeom prst="rect">
+            <a:avLst/>
+          </a:prstGeom>
+          <a:ln>
+            <a:solidFill>
+              <a:srgbClr val="C00000"/>
+            </a:solidFill>
+          </a:ln>
+        </p:spPr>
+      </p:pic>
+    </p:spTree>
+    <p:extLst>
+      <p:ext uri="{BB962C8B-B14F-4D97-AF65-F5344CB8AC3E}">
+        <p14:creationId xmlns:p14="http://schemas.microsoft.com/office/powerpoint/2010/main" val="3303740503"/>
+      </p:ext>
+    </p:extLst>
+  </p:cSld>
+  <p:clrMapOvr>
+    <a:masterClrMapping/>
+  </p:clrMapOvr>
+</p:sld>
+</file>
+
+<file path=ppt/slides/slide16.xml><?xml version="1.0" encoding="utf-8"?>
+<p:sld xmlns:a="http://schemas.openxmlformats.org/drawingml/2006/main" xmlns:r="http://schemas.openxmlformats.org/officeDocument/2006/relationships" xmlns:p="http://schemas.openxmlformats.org/presentationml/2006/main">
+  <p:cSld>
+    <p:spTree>
+      <p:nvGrpSpPr>
+        <p:cNvPr id="1" name=""/>
+        <p:cNvGrpSpPr/>
+        <p:nvPr/>
+      </p:nvGrpSpPr>
+      <p:grpSpPr>
+        <a:xfrm>
+          <a:off x="0" y="0"/>
+          <a:ext cx="0" cy="0"/>
+          <a:chOff x="0" y="0"/>
+          <a:chExt cx="0" cy="0"/>
+        </a:xfrm>
+      </p:grpSpPr>
+      <p:sp>
+        <p:nvSpPr>
+          <p:cNvPr id="2" name="標題 1"/>
+          <p:cNvSpPr>
+            <a:spLocks noGrp="1"/>
+          </p:cNvSpPr>
+          <p:nvPr>
+            <p:ph type="ctrTitle"/>
+          </p:nvPr>
+        </p:nvSpPr>
+        <p:spPr>
+          <a:xfrm>
+            <a:off x="0" y="1"/>
+            <a:ext cx="9144000" cy="764704"/>
+          </a:xfrm>
+          <a:gradFill flip="none" rotWithShape="1">
+            <a:gsLst>
+              <a:gs pos="0">
+                <a:srgbClr val="C00000">
+                  <a:shade val="30000"/>
+                  <a:satMod val="115000"/>
+                </a:srgbClr>
+              </a:gs>
+              <a:gs pos="50000">
+                <a:srgbClr val="C00000">
+                  <a:shade val="67500"/>
+                  <a:satMod val="115000"/>
+                </a:srgbClr>
+              </a:gs>
+              <a:gs pos="100000">
+                <a:srgbClr val="C00000">
+                  <a:shade val="100000"/>
+                  <a:satMod val="115000"/>
+                </a:srgbClr>
+              </a:gs>
+            </a:gsLst>
+            <a:path path="circle">
+              <a:fillToRect t="100000" r="100000"/>
+            </a:path>
+            <a:tileRect l="-100000" b="-100000"/>
+          </a:gradFill>
+        </p:spPr>
+        <p:txBody>
+          <a:bodyPr>
+            <a:normAutofit/>
+          </a:bodyPr>
+          <a:lstStyle/>
+          <a:p>
+            <a:pPr algn="l"/>
+            <a:r>
+              <a:rPr lang="en-US" altLang="zh-TW" sz="4400" b="1" dirty="0">
+                <a:solidFill>
+                  <a:srgbClr val="FFFF00"/>
+                </a:solidFill>
+              </a:rPr>
+              <a:t>40.5 Display Prediction by Graphviz</a:t>
+            </a:r>
+            <a:endParaRPr lang="zh-TW" altLang="en-US" b="1" dirty="0">
+              <a:solidFill>
+                <a:srgbClr val="FFFF00"/>
+              </a:solidFill>
+            </a:endParaRPr>
+          </a:p>
+        </p:txBody>
+      </p:sp>
+      <p:sp>
+        <p:nvSpPr>
+          <p:cNvPr id="3" name="副標題 2"/>
+          <p:cNvSpPr>
+            <a:spLocks noGrp="1"/>
+          </p:cNvSpPr>
+          <p:nvPr>
+            <p:ph type="subTitle" idx="1"/>
+          </p:nvPr>
+        </p:nvSpPr>
+        <p:spPr>
+          <a:xfrm>
+            <a:off x="457199" y="1268761"/>
+            <a:ext cx="8419457" cy="936104"/>
+          </a:xfrm>
+          <a:ln>
+            <a:solidFill>
+              <a:srgbClr val="C00000"/>
+            </a:solidFill>
+          </a:ln>
+        </p:spPr>
+        <p:txBody>
+          <a:bodyPr>
+            <a:noAutofit/>
+          </a:bodyPr>
+          <a:lstStyle/>
+          <a:p>
+            <a:pPr marL="342900" indent="-342900" algn="l">
+              <a:buClr>
+                <a:srgbClr val="0070C0"/>
+              </a:buClr>
+              <a:buSzPct val="80000"/>
+              <a:buFont typeface="Wingdings" pitchFamily="2" charset="2"/>
+              <a:buChar char="u"/>
+            </a:pPr>
+            <a:r>
+              <a:rPr lang="en-US" sz="1800" b="1" dirty="0">
+                <a:solidFill>
+                  <a:schemeClr val="tx1"/>
+                </a:solidFill>
+              </a:rPr>
+              <a:t>Display prediction </a:t>
+            </a:r>
+          </a:p>
+          <a:p>
+            <a:pPr marL="342900" indent="-342900" algn="l">
+              <a:buClr>
+                <a:srgbClr val="0070C0"/>
+              </a:buClr>
+              <a:buSzPct val="80000"/>
+              <a:buFont typeface="Wingdings" pitchFamily="2" charset="2"/>
+              <a:buChar char="u"/>
+            </a:pPr>
+            <a:r>
+              <a:rPr lang="en-US" sz="1800" b="1" dirty="0">
+                <a:solidFill>
+                  <a:schemeClr val="tx1"/>
+                </a:solidFill>
+              </a:rPr>
+              <a:t>We need to have </a:t>
+            </a:r>
+            <a:r>
+              <a:rPr lang="en-US" sz="1800" b="1" dirty="0" err="1">
+                <a:solidFill>
+                  <a:schemeClr val="tx1"/>
+                </a:solidFill>
+              </a:rPr>
+              <a:t>pydotplus</a:t>
+            </a:r>
+            <a:r>
+              <a:rPr lang="en-US" sz="1800" b="1" dirty="0">
+                <a:solidFill>
+                  <a:schemeClr val="tx1"/>
+                </a:solidFill>
+              </a:rPr>
+              <a:t> installed for this to work. </a:t>
+            </a:r>
+          </a:p>
+          <a:p>
+            <a:pPr marL="342900" indent="-342900" algn="l">
+              <a:buClr>
+                <a:srgbClr val="0070C0"/>
+              </a:buClr>
+              <a:buSzPct val="80000"/>
+              <a:buFont typeface="Wingdings" pitchFamily="2" charset="2"/>
+              <a:buChar char="u"/>
+            </a:pPr>
+            <a:r>
+              <a:rPr lang="en-US" sz="1800" b="1" dirty="0">
+                <a:solidFill>
+                  <a:schemeClr val="tx1"/>
+                </a:solidFill>
+              </a:rPr>
+              <a:t>&gt; </a:t>
+            </a:r>
+            <a:r>
+              <a:rPr lang="en-US" sz="1800" b="1" dirty="0" err="1">
+                <a:solidFill>
+                  <a:schemeClr val="tx1"/>
+                </a:solidFill>
+              </a:rPr>
+              <a:t>conda</a:t>
+            </a:r>
+            <a:r>
+              <a:rPr lang="en-US" sz="1800" b="1" dirty="0">
+                <a:solidFill>
+                  <a:schemeClr val="tx1"/>
+                </a:solidFill>
+              </a:rPr>
+              <a:t> install </a:t>
+            </a:r>
+            <a:r>
+              <a:rPr lang="en-US" sz="1800" b="1" dirty="0" err="1">
+                <a:solidFill>
+                  <a:schemeClr val="tx1"/>
+                </a:solidFill>
+              </a:rPr>
+              <a:t>pydotplus</a:t>
+            </a:r>
+            <a:endParaRPr lang="en-US" sz="1800" b="1" dirty="0">
+              <a:solidFill>
+                <a:schemeClr val="tx1"/>
+              </a:solidFill>
+            </a:endParaRPr>
+          </a:p>
+        </p:txBody>
+      </p:sp>
+      <p:sp>
+        <p:nvSpPr>
+          <p:cNvPr id="4" name="標題 1"/>
+          <p:cNvSpPr txBox="1">
+            <a:spLocks/>
+          </p:cNvSpPr>
+          <p:nvPr/>
+        </p:nvSpPr>
+        <p:spPr>
+          <a:xfrm>
+            <a:off x="0" y="764704"/>
+            <a:ext cx="9144000" cy="360040"/>
+          </a:xfrm>
+          <a:prstGeom prst="rect">
+            <a:avLst/>
+          </a:prstGeom>
+          <a:gradFill flip="none" rotWithShape="1">
+            <a:gsLst>
+              <a:gs pos="0">
+                <a:srgbClr val="00B0F0">
+                  <a:shade val="30000"/>
+                  <a:satMod val="115000"/>
+                </a:srgbClr>
+              </a:gs>
+              <a:gs pos="50000">
+                <a:srgbClr val="00B0F0">
+                  <a:shade val="67500"/>
+                  <a:satMod val="115000"/>
+                </a:srgbClr>
+              </a:gs>
+              <a:gs pos="100000">
+                <a:srgbClr val="00B0F0">
+                  <a:shade val="100000"/>
+                  <a:satMod val="115000"/>
+                </a:srgbClr>
+              </a:gs>
+            </a:gsLst>
+            <a:path path="circle">
+              <a:fillToRect t="100000" r="100000"/>
+            </a:path>
+            <a:tileRect l="-100000" b="-100000"/>
+          </a:gradFill>
+        </p:spPr>
+        <p:txBody>
+          <a:bodyPr vert="horz" lIns="91440" tIns="45720" rIns="91440" bIns="45720" rtlCol="0" anchor="ctr">
+            <a:normAutofit fontScale="77500" lnSpcReduction="20000"/>
+          </a:bodyPr>
+          <a:lstStyle/>
+          <a:p>
+            <a:pPr lvl="0">
+              <a:spcBef>
+                <a:spcPct val="0"/>
+              </a:spcBef>
+            </a:pPr>
+            <a:r>
+              <a:rPr lang="en-US" sz="1600" dirty="0">
+                <a:hlinkClick r:id="rId2"/>
+              </a:rPr>
+              <a:t>https://www.udemy.com/course/data-science-and-machine-learning-with-python-hands-on/learn/lecture/15090192#overview</a:t>
+            </a:r>
+            <a:endParaRPr kumimoji="0" lang="zh-TW" altLang="en-US" sz="1600" b="0" i="0" u="none" strike="noStrike" kern="1200" cap="none" spc="0" normalizeH="0" baseline="0" noProof="0" dirty="0">
+              <a:ln>
+                <a:noFill/>
+              </a:ln>
+              <a:solidFill>
+                <a:schemeClr val="tx1"/>
+              </a:solidFill>
+              <a:effectLst/>
+              <a:uLnTx/>
+              <a:uFillTx/>
+              <a:latin typeface="+mj-lt"/>
+              <a:ea typeface="+mj-ea"/>
+              <a:cs typeface="+mj-cs"/>
+            </a:endParaRPr>
+          </a:p>
+        </p:txBody>
+      </p:sp>
+      <p:sp>
+        <p:nvSpPr>
+          <p:cNvPr id="5" name="日期版面配置區 4"/>
+          <p:cNvSpPr>
+            <a:spLocks noGrp="1"/>
+          </p:cNvSpPr>
+          <p:nvPr>
+            <p:ph type="dt" sz="half" idx="10"/>
+          </p:nvPr>
+        </p:nvSpPr>
+        <p:spPr>
+          <a:xfrm>
+            <a:off x="457200" y="6343695"/>
+            <a:ext cx="2133600" cy="365125"/>
+          </a:xfrm>
+        </p:spPr>
+        <p:txBody>
+          <a:bodyPr/>
+          <a:lstStyle/>
+          <a:p>
+            <a:fld id="{A4F910E6-8D00-4BAF-8C48-9688E0B449D3}" type="datetime1">
+              <a:rPr lang="zh-TW" altLang="en-US" smtClean="0"/>
+              <a:pPr/>
+              <a:t>2020/8/27</a:t>
+            </a:fld>
+            <a:endParaRPr lang="zh-TW" altLang="en-US"/>
+          </a:p>
+        </p:txBody>
+      </p:sp>
+      <p:sp>
+        <p:nvSpPr>
+          <p:cNvPr id="6" name="投影片編號版面配置區 5"/>
+          <p:cNvSpPr>
+            <a:spLocks noGrp="1"/>
+          </p:cNvSpPr>
+          <p:nvPr>
+            <p:ph type="sldNum" sz="quarter" idx="12"/>
+          </p:nvPr>
+        </p:nvSpPr>
+        <p:spPr/>
+        <p:txBody>
+          <a:bodyPr/>
+          <a:lstStyle/>
+          <a:p>
+            <a:fld id="{E4D7E63D-91F2-4366-A2C4-1B00C9E2590E}" type="slidenum">
+              <a:rPr lang="zh-TW" altLang="en-US" smtClean="0"/>
+              <a:pPr/>
+              <a:t>16</a:t>
+            </a:fld>
+            <a:endParaRPr lang="zh-TW" altLang="en-US"/>
+          </a:p>
+        </p:txBody>
+      </p:sp>
+      <p:pic>
+        <p:nvPicPr>
+          <p:cNvPr id="7" name="Picture 6">
+            <a:extLst>
+              <a:ext uri="{FF2B5EF4-FFF2-40B4-BE49-F238E27FC236}">
+                <a16:creationId xmlns:a16="http://schemas.microsoft.com/office/drawing/2014/main" id="{B318C2BF-3691-4DC5-B1D5-5098F182D6C8}"/>
+              </a:ext>
+            </a:extLst>
+          </p:cNvPr>
+          <p:cNvPicPr>
+            <a:picLocks noChangeAspect="1"/>
+          </p:cNvPicPr>
+          <p:nvPr/>
+        </p:nvPicPr>
+        <p:blipFill>
+          <a:blip r:embed="rId3"/>
+          <a:stretch>
+            <a:fillRect/>
+          </a:stretch>
+        </p:blipFill>
+        <p:spPr>
+          <a:xfrm>
+            <a:off x="2339752" y="2348882"/>
+            <a:ext cx="5639323" cy="4320354"/>
+          </a:xfrm>
+          <a:prstGeom prst="rect">
+            <a:avLst/>
+          </a:prstGeom>
+          <a:ln>
+            <a:solidFill>
+              <a:srgbClr val="C00000"/>
+            </a:solidFill>
+          </a:ln>
+        </p:spPr>
+      </p:pic>
+    </p:spTree>
+    <p:extLst>
+      <p:ext uri="{BB962C8B-B14F-4D97-AF65-F5344CB8AC3E}">
+        <p14:creationId xmlns:p14="http://schemas.microsoft.com/office/powerpoint/2010/main" val="483278013"/>
+      </p:ext>
+    </p:extLst>
+  </p:cSld>
+  <p:clrMapOvr>
+    <a:masterClrMapping/>
+  </p:clrMapOvr>
+</p:sld>
+</file>
+
+<file path=ppt/slides/slide17.xml><?xml version="1.0" encoding="utf-8"?>
+<p:sld xmlns:a="http://schemas.openxmlformats.org/drawingml/2006/main" xmlns:r="http://schemas.openxmlformats.org/officeDocument/2006/relationships" xmlns:p="http://schemas.openxmlformats.org/presentationml/2006/main">
+  <p:cSld>
+    <p:spTree>
+      <p:nvGrpSpPr>
+        <p:cNvPr id="1" name=""/>
+        <p:cNvGrpSpPr/>
+        <p:nvPr/>
+      </p:nvGrpSpPr>
+      <p:grpSpPr>
+        <a:xfrm>
+          <a:off x="0" y="0"/>
+          <a:ext cx="0" cy="0"/>
+          <a:chOff x="0" y="0"/>
+          <a:chExt cx="0" cy="0"/>
+        </a:xfrm>
+      </p:grpSpPr>
+      <p:sp>
+        <p:nvSpPr>
+          <p:cNvPr id="2" name="標題 1"/>
+          <p:cNvSpPr>
+            <a:spLocks noGrp="1"/>
+          </p:cNvSpPr>
+          <p:nvPr>
+            <p:ph type="ctrTitle"/>
+          </p:nvPr>
+        </p:nvSpPr>
+        <p:spPr>
+          <a:xfrm>
+            <a:off x="0" y="1"/>
+            <a:ext cx="9144000" cy="764704"/>
+          </a:xfrm>
+          <a:gradFill flip="none" rotWithShape="1">
+            <a:gsLst>
+              <a:gs pos="0">
+                <a:srgbClr val="C00000">
+                  <a:shade val="30000"/>
+                  <a:satMod val="115000"/>
+                </a:srgbClr>
+              </a:gs>
+              <a:gs pos="50000">
+                <a:srgbClr val="C00000">
+                  <a:shade val="67500"/>
+                  <a:satMod val="115000"/>
+                </a:srgbClr>
+              </a:gs>
+              <a:gs pos="100000">
+                <a:srgbClr val="C00000">
+                  <a:shade val="100000"/>
+                  <a:satMod val="115000"/>
+                </a:srgbClr>
+              </a:gs>
+            </a:gsLst>
+            <a:path path="circle">
+              <a:fillToRect t="100000" r="100000"/>
+            </a:path>
+            <a:tileRect l="-100000" b="-100000"/>
+          </a:gradFill>
+        </p:spPr>
+        <p:txBody>
+          <a:bodyPr>
+            <a:normAutofit/>
+          </a:bodyPr>
+          <a:lstStyle/>
+          <a:p>
+            <a:pPr algn="l"/>
+            <a:r>
+              <a:rPr lang="en-US" altLang="zh-TW" sz="4400" b="1" dirty="0">
+                <a:solidFill>
+                  <a:srgbClr val="FFFF00"/>
+                </a:solidFill>
+              </a:rPr>
+              <a:t>40.5 Display Prediction by Graphviz</a:t>
+            </a:r>
+            <a:endParaRPr lang="zh-TW" altLang="en-US" b="1" dirty="0">
+              <a:solidFill>
+                <a:srgbClr val="FFFF00"/>
+              </a:solidFill>
+            </a:endParaRPr>
+          </a:p>
+        </p:txBody>
+      </p:sp>
+      <p:sp>
+        <p:nvSpPr>
+          <p:cNvPr id="3" name="副標題 2"/>
+          <p:cNvSpPr>
+            <a:spLocks noGrp="1"/>
+          </p:cNvSpPr>
+          <p:nvPr>
+            <p:ph type="subTitle" idx="1"/>
+          </p:nvPr>
+        </p:nvSpPr>
+        <p:spPr>
+          <a:xfrm>
+            <a:off x="457199" y="1268760"/>
+            <a:ext cx="8419457" cy="2592287"/>
+          </a:xfrm>
+          <a:ln>
+            <a:solidFill>
+              <a:srgbClr val="C00000"/>
+            </a:solidFill>
+          </a:ln>
+        </p:spPr>
+        <p:txBody>
+          <a:bodyPr>
+            <a:noAutofit/>
+          </a:bodyPr>
+          <a:lstStyle/>
+          <a:p>
+            <a:pPr marL="342900" indent="-342900" algn="l">
+              <a:buClr>
+                <a:srgbClr val="0070C0"/>
+              </a:buClr>
+              <a:buSzPct val="80000"/>
+              <a:buFont typeface="Wingdings" pitchFamily="2" charset="2"/>
+              <a:buChar char="u"/>
+            </a:pPr>
+            <a:r>
+              <a:rPr lang="en-US" sz="1800" b="1" dirty="0">
+                <a:solidFill>
+                  <a:schemeClr val="tx1"/>
+                </a:solidFill>
+              </a:rPr>
+              <a:t>Display prediction </a:t>
+            </a:r>
+          </a:p>
+          <a:p>
+            <a:pPr marL="342900" indent="-342900" algn="l">
+              <a:buClr>
+                <a:srgbClr val="0070C0"/>
+              </a:buClr>
+              <a:buSzPct val="80000"/>
+              <a:buFont typeface="Wingdings" pitchFamily="2" charset="2"/>
+              <a:buChar char="u"/>
+            </a:pPr>
+            <a:r>
+              <a:rPr lang="en-US" sz="1800" b="1" dirty="0">
+                <a:solidFill>
+                  <a:schemeClr val="tx1"/>
+                </a:solidFill>
+              </a:rPr>
+              <a:t>To read this decision tree, each condition branches left for "true" and right for "false". </a:t>
+            </a:r>
+          </a:p>
+          <a:p>
+            <a:pPr marL="342900" indent="-342900" algn="l">
+              <a:buClr>
+                <a:srgbClr val="0070C0"/>
+              </a:buClr>
+              <a:buSzPct val="80000"/>
+              <a:buFont typeface="Wingdings" pitchFamily="2" charset="2"/>
+              <a:buChar char="u"/>
+            </a:pPr>
+            <a:r>
+              <a:rPr lang="en-US" sz="1800" b="1" dirty="0">
+                <a:solidFill>
+                  <a:schemeClr val="tx1"/>
+                </a:solidFill>
+              </a:rPr>
+              <a:t>When you end up at a value, the value array represents how many samples exist in each target value. </a:t>
+            </a:r>
+          </a:p>
+          <a:p>
+            <a:pPr marL="342900" indent="-342900" algn="l">
+              <a:buClr>
+                <a:srgbClr val="0070C0"/>
+              </a:buClr>
+              <a:buSzPct val="80000"/>
+              <a:buFont typeface="Wingdings" pitchFamily="2" charset="2"/>
+              <a:buChar char="u"/>
+            </a:pPr>
+            <a:r>
+              <a:rPr lang="en-US" sz="1800" b="1" dirty="0">
+                <a:solidFill>
+                  <a:schemeClr val="tx1"/>
+                </a:solidFill>
+              </a:rPr>
+              <a:t>So value = [0. 5.] mean there are 0 "no hires" and 5 "hires“</a:t>
+            </a:r>
+          </a:p>
+          <a:p>
+            <a:pPr marL="342900" indent="-342900" algn="l">
+              <a:buClr>
+                <a:srgbClr val="0070C0"/>
+              </a:buClr>
+              <a:buSzPct val="80000"/>
+              <a:buFont typeface="Wingdings" pitchFamily="2" charset="2"/>
+              <a:buChar char="u"/>
+            </a:pPr>
+            <a:r>
+              <a:rPr lang="en-US" sz="1800" b="1" dirty="0">
+                <a:solidFill>
+                  <a:schemeClr val="tx1"/>
+                </a:solidFill>
+              </a:rPr>
+              <a:t>By the time we get to that point. </a:t>
+            </a:r>
+          </a:p>
+          <a:p>
+            <a:pPr marL="342900" indent="-342900" algn="l">
+              <a:buClr>
+                <a:srgbClr val="0070C0"/>
+              </a:buClr>
+              <a:buSzPct val="80000"/>
+              <a:buFont typeface="Wingdings" pitchFamily="2" charset="2"/>
+              <a:buChar char="u"/>
+            </a:pPr>
+            <a:r>
+              <a:rPr lang="en-US" sz="1800" b="1" dirty="0">
+                <a:solidFill>
+                  <a:schemeClr val="tx1"/>
+                </a:solidFill>
+              </a:rPr>
+              <a:t>value = [3. 0.] means 3 no-hires and 0 hires.</a:t>
+            </a:r>
+          </a:p>
+        </p:txBody>
+      </p:sp>
+      <p:sp>
+        <p:nvSpPr>
+          <p:cNvPr id="4" name="標題 1"/>
+          <p:cNvSpPr txBox="1">
+            <a:spLocks/>
+          </p:cNvSpPr>
+          <p:nvPr/>
+        </p:nvSpPr>
+        <p:spPr>
+          <a:xfrm>
+            <a:off x="0" y="764704"/>
+            <a:ext cx="9144000" cy="360040"/>
+          </a:xfrm>
+          <a:prstGeom prst="rect">
+            <a:avLst/>
+          </a:prstGeom>
+          <a:gradFill flip="none" rotWithShape="1">
+            <a:gsLst>
+              <a:gs pos="0">
+                <a:srgbClr val="00B0F0">
+                  <a:shade val="30000"/>
+                  <a:satMod val="115000"/>
+                </a:srgbClr>
+              </a:gs>
+              <a:gs pos="50000">
+                <a:srgbClr val="00B0F0">
+                  <a:shade val="67500"/>
+                  <a:satMod val="115000"/>
+                </a:srgbClr>
+              </a:gs>
+              <a:gs pos="100000">
+                <a:srgbClr val="00B0F0">
+                  <a:shade val="100000"/>
+                  <a:satMod val="115000"/>
+                </a:srgbClr>
+              </a:gs>
+            </a:gsLst>
+            <a:path path="circle">
+              <a:fillToRect t="100000" r="100000"/>
+            </a:path>
+            <a:tileRect l="-100000" b="-100000"/>
+          </a:gradFill>
+        </p:spPr>
+        <p:txBody>
+          <a:bodyPr vert="horz" lIns="91440" tIns="45720" rIns="91440" bIns="45720" rtlCol="0" anchor="ctr">
+            <a:normAutofit fontScale="77500" lnSpcReduction="20000"/>
+          </a:bodyPr>
+          <a:lstStyle/>
+          <a:p>
+            <a:pPr lvl="0">
+              <a:spcBef>
+                <a:spcPct val="0"/>
+              </a:spcBef>
+            </a:pPr>
+            <a:r>
+              <a:rPr lang="en-US" sz="1600" dirty="0">
+                <a:hlinkClick r:id="rId2"/>
+              </a:rPr>
+              <a:t>https://www.udemy.com/course/data-science-and-machine-learning-with-python-hands-on/learn/lecture/15090192#overview</a:t>
+            </a:r>
+            <a:endParaRPr kumimoji="0" lang="zh-TW" altLang="en-US" sz="1600" b="0" i="0" u="none" strike="noStrike" kern="1200" cap="none" spc="0" normalizeH="0" baseline="0" noProof="0" dirty="0">
+              <a:ln>
+                <a:noFill/>
+              </a:ln>
+              <a:solidFill>
+                <a:schemeClr val="tx1"/>
+              </a:solidFill>
+              <a:effectLst/>
+              <a:uLnTx/>
+              <a:uFillTx/>
+              <a:latin typeface="+mj-lt"/>
+              <a:ea typeface="+mj-ea"/>
+              <a:cs typeface="+mj-cs"/>
+            </a:endParaRPr>
+          </a:p>
+        </p:txBody>
+      </p:sp>
+      <p:sp>
+        <p:nvSpPr>
+          <p:cNvPr id="5" name="日期版面配置區 4"/>
+          <p:cNvSpPr>
+            <a:spLocks noGrp="1"/>
+          </p:cNvSpPr>
+          <p:nvPr>
+            <p:ph type="dt" sz="half" idx="10"/>
+          </p:nvPr>
+        </p:nvSpPr>
+        <p:spPr>
+          <a:xfrm>
+            <a:off x="457200" y="6343695"/>
+            <a:ext cx="2133600" cy="365125"/>
+          </a:xfrm>
+        </p:spPr>
+        <p:txBody>
+          <a:bodyPr/>
+          <a:lstStyle/>
+          <a:p>
+            <a:fld id="{A4F910E6-8D00-4BAF-8C48-9688E0B449D3}" type="datetime1">
+              <a:rPr lang="zh-TW" altLang="en-US" smtClean="0"/>
+              <a:pPr/>
+              <a:t>2020/8/27</a:t>
+            </a:fld>
+            <a:endParaRPr lang="zh-TW" altLang="en-US"/>
+          </a:p>
+        </p:txBody>
+      </p:sp>
+      <p:sp>
+        <p:nvSpPr>
+          <p:cNvPr id="6" name="投影片編號版面配置區 5"/>
+          <p:cNvSpPr>
+            <a:spLocks noGrp="1"/>
+          </p:cNvSpPr>
+          <p:nvPr>
+            <p:ph type="sldNum" sz="quarter" idx="12"/>
+          </p:nvPr>
+        </p:nvSpPr>
+        <p:spPr/>
+        <p:txBody>
+          <a:bodyPr/>
+          <a:lstStyle/>
+          <a:p>
+            <a:fld id="{E4D7E63D-91F2-4366-A2C4-1B00C9E2590E}" type="slidenum">
+              <a:rPr lang="zh-TW" altLang="en-US" smtClean="0"/>
+              <a:pPr/>
+              <a:t>17</a:t>
+            </a:fld>
+            <a:endParaRPr lang="zh-TW" altLang="en-US"/>
+          </a:p>
+        </p:txBody>
+      </p:sp>
+    </p:spTree>
+    <p:extLst>
+      <p:ext uri="{BB962C8B-B14F-4D97-AF65-F5344CB8AC3E}">
+        <p14:creationId xmlns:p14="http://schemas.microsoft.com/office/powerpoint/2010/main" val="3428263325"/>
+      </p:ext>
+    </p:extLst>
+  </p:cSld>
+  <p:clrMapOvr>
+    <a:masterClrMapping/>
+  </p:clrMapOvr>
+</p:sld>
+</file>
+
+<file path=ppt/slides/slide18.xml><?xml version="1.0" encoding="utf-8"?>
+<p:sld xmlns:a="http://schemas.openxmlformats.org/drawingml/2006/main" xmlns:r="http://schemas.openxmlformats.org/officeDocument/2006/relationships" xmlns:p="http://schemas.openxmlformats.org/presentationml/2006/main">
+  <p:cSld>
+    <p:spTree>
+      <p:nvGrpSpPr>
+        <p:cNvPr id="1" name=""/>
+        <p:cNvGrpSpPr/>
+        <p:nvPr/>
+      </p:nvGrpSpPr>
+      <p:grpSpPr>
+        <a:xfrm>
+          <a:off x="0" y="0"/>
+          <a:ext cx="0" cy="0"/>
+          <a:chOff x="0" y="0"/>
+          <a:chExt cx="0" cy="0"/>
+        </a:xfrm>
+      </p:grpSpPr>
+      <p:sp>
+        <p:nvSpPr>
+          <p:cNvPr id="2" name="標題 1"/>
+          <p:cNvSpPr>
+            <a:spLocks noGrp="1"/>
+          </p:cNvSpPr>
+          <p:nvPr>
+            <p:ph type="ctrTitle"/>
+          </p:nvPr>
+        </p:nvSpPr>
+        <p:spPr>
+          <a:xfrm>
+            <a:off x="0" y="1"/>
+            <a:ext cx="9144000" cy="764704"/>
+          </a:xfrm>
+          <a:gradFill flip="none" rotWithShape="1">
+            <a:gsLst>
+              <a:gs pos="0">
+                <a:srgbClr val="C00000">
+                  <a:shade val="30000"/>
+                  <a:satMod val="115000"/>
+                </a:srgbClr>
+              </a:gs>
+              <a:gs pos="50000">
+                <a:srgbClr val="C00000">
+                  <a:shade val="67500"/>
+                  <a:satMod val="115000"/>
+                </a:srgbClr>
+              </a:gs>
+              <a:gs pos="100000">
+                <a:srgbClr val="C00000">
+                  <a:shade val="100000"/>
+                  <a:satMod val="115000"/>
+                </a:srgbClr>
+              </a:gs>
+            </a:gsLst>
+            <a:path path="circle">
+              <a:fillToRect t="100000" r="100000"/>
+            </a:path>
+            <a:tileRect l="-100000" b="-100000"/>
+          </a:gradFill>
+        </p:spPr>
+        <p:txBody>
+          <a:bodyPr>
+            <a:normAutofit/>
+          </a:bodyPr>
+          <a:lstStyle/>
+          <a:p>
+            <a:pPr algn="l"/>
+            <a:r>
+              <a:rPr lang="en-US" altLang="zh-TW" sz="4400" b="1" dirty="0">
+                <a:solidFill>
+                  <a:srgbClr val="FFFF00"/>
+                </a:solidFill>
+              </a:rPr>
+              <a:t>40.5 Display Prediction by Graphviz</a:t>
+            </a:r>
+            <a:endParaRPr lang="zh-TW" altLang="en-US" b="1" dirty="0">
+              <a:solidFill>
+                <a:srgbClr val="FFFF00"/>
+              </a:solidFill>
+            </a:endParaRPr>
+          </a:p>
+        </p:txBody>
+      </p:sp>
+      <p:sp>
+        <p:nvSpPr>
+          <p:cNvPr id="3" name="副標題 2"/>
+          <p:cNvSpPr>
+            <a:spLocks noGrp="1"/>
+          </p:cNvSpPr>
+          <p:nvPr>
+            <p:ph type="subTitle" idx="1"/>
+          </p:nvPr>
+        </p:nvSpPr>
+        <p:spPr>
+          <a:xfrm>
+            <a:off x="457199" y="1268761"/>
+            <a:ext cx="8419457" cy="720079"/>
+          </a:xfrm>
+          <a:ln>
+            <a:solidFill>
+              <a:srgbClr val="C00000"/>
+            </a:solidFill>
+          </a:ln>
+        </p:spPr>
+        <p:txBody>
+          <a:bodyPr>
+            <a:noAutofit/>
+          </a:bodyPr>
+          <a:lstStyle/>
+          <a:p>
+            <a:pPr marL="342900" indent="-342900" algn="l">
+              <a:buClr>
+                <a:srgbClr val="0070C0"/>
+              </a:buClr>
+              <a:buSzPct val="80000"/>
+              <a:buFont typeface="Wingdings" pitchFamily="2" charset="2"/>
+              <a:buChar char="u"/>
+            </a:pPr>
+            <a:r>
+              <a:rPr lang="en-US" sz="1800" b="1" dirty="0">
+                <a:solidFill>
+                  <a:schemeClr val="tx1"/>
+                </a:solidFill>
+              </a:rPr>
+              <a:t>Display prediction</a:t>
+            </a:r>
+          </a:p>
+          <a:p>
+            <a:pPr marL="342900" indent="-342900" algn="l">
+              <a:buClr>
+                <a:srgbClr val="0070C0"/>
+              </a:buClr>
+              <a:buSzPct val="80000"/>
+              <a:buFont typeface="Wingdings" pitchFamily="2" charset="2"/>
+              <a:buChar char="u"/>
+            </a:pPr>
+            <a:r>
+              <a:rPr lang="en-US" sz="1800" b="1" dirty="0">
+                <a:solidFill>
+                  <a:schemeClr val="tx1"/>
+                </a:solidFill>
+              </a:rPr>
+              <a:t>We write into the pdf and </a:t>
+            </a:r>
+            <a:r>
+              <a:rPr lang="en-US" sz="1800" b="1" dirty="0" err="1">
+                <a:solidFill>
+                  <a:schemeClr val="tx1"/>
+                </a:solidFill>
+              </a:rPr>
+              <a:t>png</a:t>
+            </a:r>
+            <a:r>
+              <a:rPr lang="en-US" sz="1800" b="1" dirty="0">
+                <a:solidFill>
+                  <a:schemeClr val="tx1"/>
+                </a:solidFill>
+              </a:rPr>
+              <a:t> file and view from graphic tool. </a:t>
+            </a:r>
+          </a:p>
+        </p:txBody>
+      </p:sp>
+      <p:sp>
+        <p:nvSpPr>
+          <p:cNvPr id="4" name="標題 1"/>
+          <p:cNvSpPr txBox="1">
+            <a:spLocks/>
+          </p:cNvSpPr>
+          <p:nvPr/>
+        </p:nvSpPr>
+        <p:spPr>
+          <a:xfrm>
+            <a:off x="0" y="764704"/>
+            <a:ext cx="9144000" cy="360040"/>
+          </a:xfrm>
+          <a:prstGeom prst="rect">
+            <a:avLst/>
+          </a:prstGeom>
+          <a:gradFill flip="none" rotWithShape="1">
+            <a:gsLst>
+              <a:gs pos="0">
+                <a:srgbClr val="00B0F0">
+                  <a:shade val="30000"/>
+                  <a:satMod val="115000"/>
+                </a:srgbClr>
+              </a:gs>
+              <a:gs pos="50000">
+                <a:srgbClr val="00B0F0">
+                  <a:shade val="67500"/>
+                  <a:satMod val="115000"/>
+                </a:srgbClr>
+              </a:gs>
+              <a:gs pos="100000">
+                <a:srgbClr val="00B0F0">
+                  <a:shade val="100000"/>
+                  <a:satMod val="115000"/>
+                </a:srgbClr>
+              </a:gs>
+            </a:gsLst>
+            <a:path path="circle">
+              <a:fillToRect t="100000" r="100000"/>
+            </a:path>
+            <a:tileRect l="-100000" b="-100000"/>
+          </a:gradFill>
+        </p:spPr>
+        <p:txBody>
+          <a:bodyPr vert="horz" lIns="91440" tIns="45720" rIns="91440" bIns="45720" rtlCol="0" anchor="ctr">
+            <a:normAutofit fontScale="77500" lnSpcReduction="20000"/>
+          </a:bodyPr>
+          <a:lstStyle/>
+          <a:p>
+            <a:pPr lvl="0">
+              <a:spcBef>
+                <a:spcPct val="0"/>
+              </a:spcBef>
+            </a:pPr>
+            <a:r>
+              <a:rPr lang="en-US" sz="1600" dirty="0">
+                <a:hlinkClick r:id="rId2"/>
+              </a:rPr>
+              <a:t>https://www.udemy.com/course/data-science-and-machine-learning-with-python-hands-on/learn/lecture/15090192#overview</a:t>
+            </a:r>
+            <a:endParaRPr kumimoji="0" lang="zh-TW" altLang="en-US" sz="1600" b="0" i="0" u="none" strike="noStrike" kern="1200" cap="none" spc="0" normalizeH="0" baseline="0" noProof="0" dirty="0">
+              <a:ln>
+                <a:noFill/>
+              </a:ln>
+              <a:solidFill>
+                <a:schemeClr val="tx1"/>
+              </a:solidFill>
+              <a:effectLst/>
+              <a:uLnTx/>
+              <a:uFillTx/>
+              <a:latin typeface="+mj-lt"/>
+              <a:ea typeface="+mj-ea"/>
+              <a:cs typeface="+mj-cs"/>
+            </a:endParaRPr>
+          </a:p>
+        </p:txBody>
+      </p:sp>
+      <p:sp>
+        <p:nvSpPr>
+          <p:cNvPr id="5" name="日期版面配置區 4"/>
+          <p:cNvSpPr>
+            <a:spLocks noGrp="1"/>
+          </p:cNvSpPr>
+          <p:nvPr>
+            <p:ph type="dt" sz="half" idx="10"/>
+          </p:nvPr>
+        </p:nvSpPr>
+        <p:spPr>
+          <a:xfrm>
+            <a:off x="457200" y="6343695"/>
+            <a:ext cx="2133600" cy="365125"/>
+          </a:xfrm>
+        </p:spPr>
+        <p:txBody>
+          <a:bodyPr/>
+          <a:lstStyle/>
+          <a:p>
+            <a:fld id="{A4F910E6-8D00-4BAF-8C48-9688E0B449D3}" type="datetime1">
+              <a:rPr lang="zh-TW" altLang="en-US" smtClean="0"/>
+              <a:pPr/>
+              <a:t>2020/8/27</a:t>
+            </a:fld>
+            <a:endParaRPr lang="zh-TW" altLang="en-US"/>
+          </a:p>
+        </p:txBody>
+      </p:sp>
+      <p:sp>
+        <p:nvSpPr>
+          <p:cNvPr id="6" name="投影片編號版面配置區 5"/>
+          <p:cNvSpPr>
+            <a:spLocks noGrp="1"/>
+          </p:cNvSpPr>
+          <p:nvPr>
+            <p:ph type="sldNum" sz="quarter" idx="12"/>
+          </p:nvPr>
+        </p:nvSpPr>
+        <p:spPr/>
+        <p:txBody>
+          <a:bodyPr/>
+          <a:lstStyle/>
+          <a:p>
+            <a:fld id="{E4D7E63D-91F2-4366-A2C4-1B00C9E2590E}" type="slidenum">
+              <a:rPr lang="zh-TW" altLang="en-US" smtClean="0"/>
+              <a:pPr/>
+              <a:t>18</a:t>
+            </a:fld>
+            <a:endParaRPr lang="zh-TW" altLang="en-US"/>
+          </a:p>
+        </p:txBody>
+      </p:sp>
+      <p:pic>
+        <p:nvPicPr>
+          <p:cNvPr id="9" name="Picture 8">
+            <a:extLst>
+              <a:ext uri="{FF2B5EF4-FFF2-40B4-BE49-F238E27FC236}">
+                <a16:creationId xmlns:a16="http://schemas.microsoft.com/office/drawing/2014/main" id="{89F1397B-A96A-428A-9613-5D03D1E287DA}"/>
+              </a:ext>
+            </a:extLst>
+          </p:cNvPr>
+          <p:cNvPicPr>
+            <a:picLocks noChangeAspect="1"/>
+          </p:cNvPicPr>
+          <p:nvPr/>
+        </p:nvPicPr>
+        <p:blipFill>
+          <a:blip r:embed="rId3"/>
+          <a:stretch>
+            <a:fillRect/>
+          </a:stretch>
+        </p:blipFill>
+        <p:spPr>
+          <a:xfrm>
+            <a:off x="1209352" y="2216469"/>
+            <a:ext cx="6915150" cy="3895725"/>
+          </a:xfrm>
+          <a:prstGeom prst="rect">
+            <a:avLst/>
+          </a:prstGeom>
+          <a:ln>
+            <a:solidFill>
+              <a:srgbClr val="C00000"/>
+            </a:solidFill>
+          </a:ln>
+        </p:spPr>
+      </p:pic>
+    </p:spTree>
+    <p:extLst>
+      <p:ext uri="{BB962C8B-B14F-4D97-AF65-F5344CB8AC3E}">
+        <p14:creationId xmlns:p14="http://schemas.microsoft.com/office/powerpoint/2010/main" val="4204040198"/>
+      </p:ext>
+    </p:extLst>
+  </p:cSld>
+  <p:clrMapOvr>
+    <a:masterClrMapping/>
+  </p:clrMapOvr>
+</p:sld>
+</file>
+
+<file path=ppt/slides/slide19.xml><?xml version="1.0" encoding="utf-8"?>
+<p:sld xmlns:a="http://schemas.openxmlformats.org/drawingml/2006/main" xmlns:r="http://schemas.openxmlformats.org/officeDocument/2006/relationships" xmlns:p="http://schemas.openxmlformats.org/presentationml/2006/main">
+  <p:cSld>
+    <p:spTree>
+      <p:nvGrpSpPr>
+        <p:cNvPr id="1" name=""/>
+        <p:cNvGrpSpPr/>
+        <p:nvPr/>
+      </p:nvGrpSpPr>
+      <p:grpSpPr>
+        <a:xfrm>
+          <a:off x="0" y="0"/>
+          <a:ext cx="0" cy="0"/>
+          <a:chOff x="0" y="0"/>
+          <a:chExt cx="0" cy="0"/>
+        </a:xfrm>
+      </p:grpSpPr>
+      <p:pic>
+        <p:nvPicPr>
+          <p:cNvPr id="8" name="Picture 7">
+            <a:extLst>
+              <a:ext uri="{FF2B5EF4-FFF2-40B4-BE49-F238E27FC236}">
+                <a16:creationId xmlns:a16="http://schemas.microsoft.com/office/drawing/2014/main" id="{E47A775A-FB6A-400F-AD6D-B59643BF9614}"/>
+              </a:ext>
+            </a:extLst>
+          </p:cNvPr>
+          <p:cNvPicPr>
+            <a:picLocks noChangeAspect="1"/>
+          </p:cNvPicPr>
+          <p:nvPr/>
+        </p:nvPicPr>
+        <p:blipFill>
+          <a:blip r:embed="rId2"/>
+          <a:stretch>
+            <a:fillRect/>
+          </a:stretch>
+        </p:blipFill>
+        <p:spPr>
+          <a:xfrm>
+            <a:off x="564026" y="2101049"/>
+            <a:ext cx="4897678" cy="1760000"/>
+          </a:xfrm>
+          <a:prstGeom prst="rect">
+            <a:avLst/>
+          </a:prstGeom>
+          <a:ln>
+            <a:solidFill>
+              <a:srgbClr val="C00000"/>
+            </a:solidFill>
+          </a:ln>
+        </p:spPr>
+      </p:pic>
+      <p:sp>
+        <p:nvSpPr>
+          <p:cNvPr id="2" name="標題 1"/>
+          <p:cNvSpPr>
+            <a:spLocks noGrp="1"/>
+          </p:cNvSpPr>
+          <p:nvPr>
+            <p:ph type="ctrTitle"/>
+          </p:nvPr>
+        </p:nvSpPr>
+        <p:spPr>
+          <a:xfrm>
+            <a:off x="0" y="1"/>
+            <a:ext cx="9144000" cy="764704"/>
+          </a:xfrm>
+          <a:gradFill flip="none" rotWithShape="1">
+            <a:gsLst>
+              <a:gs pos="0">
+                <a:srgbClr val="C00000">
+                  <a:shade val="30000"/>
+                  <a:satMod val="115000"/>
+                </a:srgbClr>
+              </a:gs>
+              <a:gs pos="50000">
+                <a:srgbClr val="C00000">
+                  <a:shade val="67500"/>
+                  <a:satMod val="115000"/>
+                </a:srgbClr>
+              </a:gs>
+              <a:gs pos="100000">
+                <a:srgbClr val="C00000">
+                  <a:shade val="100000"/>
+                  <a:satMod val="115000"/>
+                </a:srgbClr>
+              </a:gs>
+            </a:gsLst>
+            <a:path path="circle">
+              <a:fillToRect t="100000" r="100000"/>
+            </a:path>
+            <a:tileRect l="-100000" b="-100000"/>
+          </a:gradFill>
+        </p:spPr>
+        <p:txBody>
+          <a:bodyPr>
+            <a:normAutofit/>
+          </a:bodyPr>
+          <a:lstStyle/>
+          <a:p>
+            <a:pPr algn="l"/>
+            <a:r>
+              <a:rPr lang="en-US" altLang="zh-TW" sz="4400" b="1" dirty="0">
+                <a:solidFill>
+                  <a:srgbClr val="FFFF00"/>
+                </a:solidFill>
+              </a:rPr>
+              <a:t>40.5 Display Prediction by Graphviz</a:t>
+            </a:r>
+            <a:endParaRPr lang="zh-TW" altLang="en-US" b="1" dirty="0">
+              <a:solidFill>
+                <a:srgbClr val="FFFF00"/>
+              </a:solidFill>
+            </a:endParaRPr>
+          </a:p>
+        </p:txBody>
+      </p:sp>
+      <p:sp>
+        <p:nvSpPr>
+          <p:cNvPr id="3" name="副標題 2"/>
+          <p:cNvSpPr>
+            <a:spLocks noGrp="1"/>
+          </p:cNvSpPr>
+          <p:nvPr>
+            <p:ph type="subTitle" idx="1"/>
+          </p:nvPr>
+        </p:nvSpPr>
+        <p:spPr>
+          <a:xfrm>
+            <a:off x="457199" y="1268761"/>
+            <a:ext cx="8419457" cy="720079"/>
+          </a:xfrm>
+          <a:ln>
+            <a:solidFill>
+              <a:srgbClr val="C00000"/>
+            </a:solidFill>
+          </a:ln>
+        </p:spPr>
+        <p:txBody>
+          <a:bodyPr>
+            <a:noAutofit/>
+          </a:bodyPr>
+          <a:lstStyle/>
+          <a:p>
+            <a:pPr marL="342900" indent="-342900" algn="l">
+              <a:buClr>
+                <a:srgbClr val="0070C0"/>
+              </a:buClr>
+              <a:buSzPct val="80000"/>
+              <a:buFont typeface="Wingdings" pitchFamily="2" charset="2"/>
+              <a:buChar char="u"/>
+            </a:pPr>
+            <a:r>
+              <a:rPr lang="en-US" sz="1800" b="1" dirty="0">
+                <a:solidFill>
+                  <a:schemeClr val="tx1"/>
+                </a:solidFill>
+              </a:rPr>
+              <a:t>Display prediction: Browse the PNG file</a:t>
+            </a:r>
+          </a:p>
+          <a:p>
+            <a:pPr marL="342900" indent="-342900" algn="l">
+              <a:buClr>
+                <a:srgbClr val="0070C0"/>
+              </a:buClr>
+              <a:buSzPct val="80000"/>
+              <a:buFont typeface="Wingdings" pitchFamily="2" charset="2"/>
+              <a:buChar char="u"/>
+            </a:pPr>
+            <a:r>
+              <a:rPr lang="en-US" sz="1800" b="1" dirty="0">
+                <a:solidFill>
+                  <a:schemeClr val="tx1"/>
+                </a:solidFill>
+              </a:rPr>
+              <a:t>Double Click “decision_tree.png” to browse. </a:t>
+            </a:r>
+          </a:p>
+        </p:txBody>
+      </p:sp>
+      <p:sp>
+        <p:nvSpPr>
+          <p:cNvPr id="4" name="標題 1"/>
+          <p:cNvSpPr txBox="1">
+            <a:spLocks/>
+          </p:cNvSpPr>
+          <p:nvPr/>
+        </p:nvSpPr>
+        <p:spPr>
+          <a:xfrm>
+            <a:off x="0" y="764704"/>
+            <a:ext cx="9144000" cy="360040"/>
+          </a:xfrm>
+          <a:prstGeom prst="rect">
+            <a:avLst/>
+          </a:prstGeom>
+          <a:gradFill flip="none" rotWithShape="1">
+            <a:gsLst>
+              <a:gs pos="0">
+                <a:srgbClr val="00B0F0">
+                  <a:shade val="30000"/>
+                  <a:satMod val="115000"/>
+                </a:srgbClr>
+              </a:gs>
+              <a:gs pos="50000">
+                <a:srgbClr val="00B0F0">
+                  <a:shade val="67500"/>
+                  <a:satMod val="115000"/>
+                </a:srgbClr>
+              </a:gs>
+              <a:gs pos="100000">
+                <a:srgbClr val="00B0F0">
+                  <a:shade val="100000"/>
+                  <a:satMod val="115000"/>
+                </a:srgbClr>
+              </a:gs>
+            </a:gsLst>
+            <a:path path="circle">
+              <a:fillToRect t="100000" r="100000"/>
+            </a:path>
+            <a:tileRect l="-100000" b="-100000"/>
+          </a:gradFill>
+        </p:spPr>
+        <p:txBody>
+          <a:bodyPr vert="horz" lIns="91440" tIns="45720" rIns="91440" bIns="45720" rtlCol="0" anchor="ctr">
+            <a:normAutofit fontScale="77500" lnSpcReduction="20000"/>
+          </a:bodyPr>
+          <a:lstStyle/>
+          <a:p>
+            <a:pPr lvl="0">
+              <a:spcBef>
+                <a:spcPct val="0"/>
+              </a:spcBef>
+            </a:pPr>
+            <a:r>
+              <a:rPr lang="en-US" sz="1600" dirty="0">
+                <a:hlinkClick r:id="rId3"/>
+              </a:rPr>
+              <a:t>https://www.udemy.com/course/data-science-and-machine-learning-with-python-hands-on/learn/lecture/15090192#overview</a:t>
+            </a:r>
+            <a:endParaRPr kumimoji="0" lang="zh-TW" altLang="en-US" sz="1600" b="0" i="0" u="none" strike="noStrike" kern="1200" cap="none" spc="0" normalizeH="0" baseline="0" noProof="0" dirty="0">
+              <a:ln>
+                <a:noFill/>
+              </a:ln>
+              <a:solidFill>
+                <a:schemeClr val="tx1"/>
+              </a:solidFill>
+              <a:effectLst/>
+              <a:uLnTx/>
+              <a:uFillTx/>
+              <a:latin typeface="+mj-lt"/>
+              <a:ea typeface="+mj-ea"/>
+              <a:cs typeface="+mj-cs"/>
+            </a:endParaRPr>
+          </a:p>
+        </p:txBody>
+      </p:sp>
+      <p:sp>
+        <p:nvSpPr>
+          <p:cNvPr id="5" name="日期版面配置區 4"/>
+          <p:cNvSpPr>
+            <a:spLocks noGrp="1"/>
+          </p:cNvSpPr>
+          <p:nvPr>
+            <p:ph type="dt" sz="half" idx="10"/>
+          </p:nvPr>
+        </p:nvSpPr>
+        <p:spPr>
+          <a:xfrm>
+            <a:off x="457200" y="6343695"/>
+            <a:ext cx="2133600" cy="365125"/>
+          </a:xfrm>
+        </p:spPr>
+        <p:txBody>
+          <a:bodyPr/>
+          <a:lstStyle/>
+          <a:p>
+            <a:fld id="{A4F910E6-8D00-4BAF-8C48-9688E0B449D3}" type="datetime1">
+              <a:rPr lang="zh-TW" altLang="en-US" smtClean="0"/>
+              <a:pPr/>
+              <a:t>2020/8/27</a:t>
+            </a:fld>
+            <a:endParaRPr lang="zh-TW" altLang="en-US"/>
+          </a:p>
+        </p:txBody>
+      </p:sp>
+      <p:sp>
+        <p:nvSpPr>
+          <p:cNvPr id="6" name="投影片編號版面配置區 5"/>
+          <p:cNvSpPr>
+            <a:spLocks noGrp="1"/>
+          </p:cNvSpPr>
+          <p:nvPr>
+            <p:ph type="sldNum" sz="quarter" idx="12"/>
+          </p:nvPr>
+        </p:nvSpPr>
+        <p:spPr/>
+        <p:txBody>
+          <a:bodyPr/>
+          <a:lstStyle/>
+          <a:p>
+            <a:fld id="{E4D7E63D-91F2-4366-A2C4-1B00C9E2590E}" type="slidenum">
+              <a:rPr lang="zh-TW" altLang="en-US" smtClean="0"/>
+              <a:pPr/>
+              <a:t>19</a:t>
+            </a:fld>
+            <a:endParaRPr lang="zh-TW" altLang="en-US"/>
+          </a:p>
+        </p:txBody>
+      </p:sp>
+      <p:pic>
+        <p:nvPicPr>
+          <p:cNvPr id="7" name="Picture 6">
+            <a:extLst>
+              <a:ext uri="{FF2B5EF4-FFF2-40B4-BE49-F238E27FC236}">
+                <a16:creationId xmlns:a16="http://schemas.microsoft.com/office/drawing/2014/main" id="{F2055E58-D805-4D84-B388-1764C609D6E3}"/>
+              </a:ext>
+            </a:extLst>
+          </p:cNvPr>
+          <p:cNvPicPr>
+            <a:picLocks noChangeAspect="1"/>
+          </p:cNvPicPr>
+          <p:nvPr/>
+        </p:nvPicPr>
+        <p:blipFill>
+          <a:blip r:embed="rId4"/>
+          <a:stretch>
+            <a:fillRect/>
+          </a:stretch>
+        </p:blipFill>
+        <p:spPr>
+          <a:xfrm>
+            <a:off x="4337248" y="2096371"/>
+            <a:ext cx="4448672" cy="4190416"/>
+          </a:xfrm>
+          <a:prstGeom prst="rect">
+            <a:avLst/>
+          </a:prstGeom>
+          <a:ln>
+            <a:solidFill>
+              <a:srgbClr val="C00000"/>
+            </a:solidFill>
+          </a:ln>
+        </p:spPr>
+      </p:pic>
+      <p:sp>
+        <p:nvSpPr>
+          <p:cNvPr id="10" name="Rectangle 9">
+            <a:extLst>
+              <a:ext uri="{FF2B5EF4-FFF2-40B4-BE49-F238E27FC236}">
+                <a16:creationId xmlns:a16="http://schemas.microsoft.com/office/drawing/2014/main" id="{B999D169-3D75-49CF-A455-074B55BBE90B}"/>
+              </a:ext>
+            </a:extLst>
+          </p:cNvPr>
+          <p:cNvSpPr/>
+          <p:nvPr/>
+        </p:nvSpPr>
+        <p:spPr>
+          <a:xfrm>
+            <a:off x="1403648" y="3286267"/>
+            <a:ext cx="1187152" cy="365125"/>
+          </a:xfrm>
+          <a:prstGeom prst="rect">
+            <a:avLst/>
+          </a:prstGeom>
+          <a:noFill/>
+          <a:ln>
+            <a:solidFill>
+              <a:srgbClr val="C00000"/>
+            </a:solidFill>
+          </a:ln>
+        </p:spPr>
+        <p:style>
+          <a:lnRef idx="2">
+            <a:schemeClr val="accent1">
+              <a:shade val="50000"/>
+            </a:schemeClr>
+          </a:lnRef>
+          <a:fillRef idx="1">
+            <a:schemeClr val="accent1"/>
+          </a:fillRef>
+          <a:effectRef idx="0">
+            <a:schemeClr val="accent1"/>
+          </a:effectRef>
+          <a:fontRef idx="minor">
+            <a:schemeClr val="lt1"/>
+          </a:fontRef>
+        </p:style>
+        <p:txBody>
+          <a:bodyPr rtlCol="0" anchor="ctr"/>
+          <a:lstStyle/>
+          <a:p>
+            <a:pPr algn="ctr"/>
+            <a:endParaRPr lang="en-US"/>
+          </a:p>
+        </p:txBody>
+      </p:sp>
+      <p:cxnSp>
+        <p:nvCxnSpPr>
+          <p:cNvPr id="12" name="Straight Arrow Connector 11">
+            <a:extLst>
+              <a:ext uri="{FF2B5EF4-FFF2-40B4-BE49-F238E27FC236}">
+                <a16:creationId xmlns:a16="http://schemas.microsoft.com/office/drawing/2014/main" id="{95DA162A-19B3-41F8-A085-F5396E898735}"/>
+              </a:ext>
+            </a:extLst>
+          </p:cNvPr>
+          <p:cNvCxnSpPr>
+            <a:stCxn id="10" idx="3"/>
+            <a:endCxn id="7" idx="1"/>
+          </p:cNvCxnSpPr>
+          <p:nvPr/>
+        </p:nvCxnSpPr>
+        <p:spPr>
+          <a:xfrm>
+            <a:off x="2590800" y="3468830"/>
+            <a:ext cx="1746448" cy="722749"/>
+          </a:xfrm>
+          <a:prstGeom prst="straightConnector1">
+            <a:avLst/>
+          </a:prstGeom>
+          <a:ln>
+            <a:tailEnd type="triangle"/>
+          </a:ln>
+        </p:spPr>
+        <p:style>
+          <a:lnRef idx="1">
+            <a:schemeClr val="accent2"/>
+          </a:lnRef>
+          <a:fillRef idx="0">
+            <a:schemeClr val="accent2"/>
+          </a:fillRef>
+          <a:effectRef idx="0">
+            <a:schemeClr val="accent2"/>
+          </a:effectRef>
+          <a:fontRef idx="minor">
+            <a:schemeClr val="tx1"/>
+          </a:fontRef>
+        </p:style>
+      </p:cxnSp>
+    </p:spTree>
+    <p:extLst>
+      <p:ext uri="{BB962C8B-B14F-4D97-AF65-F5344CB8AC3E}">
+        <p14:creationId xmlns:p14="http://schemas.microsoft.com/office/powerpoint/2010/main" val="2256018883"/>
+      </p:ext>
+    </p:extLst>
+  </p:cSld>
+  <p:clrMapOvr>
+    <a:masterClrMapping/>
+  </p:clrMapOvr>
+</p:sld>
+</file>
+
+<file path=ppt/slides/slide2.xml><?xml version="1.0" encoding="utf-8"?>
+<p:sld xmlns:a="http://schemas.openxmlformats.org/drawingml/2006/main" xmlns:r="http://schemas.openxmlformats.org/officeDocument/2006/relationships" xmlns:p="http://schemas.openxmlformats.org/presentationml/2006/main">
+  <p:cSld>
+    <p:spTree>
+      <p:nvGrpSpPr>
+        <p:cNvPr id="1" name=""/>
+        <p:cNvGrpSpPr/>
+        <p:nvPr/>
+      </p:nvGrpSpPr>
+      <p:grpSpPr>
+        <a:xfrm>
+          <a:off x="0" y="0"/>
+          <a:ext cx="0" cy="0"/>
+          <a:chOff x="0" y="0"/>
+          <a:chExt cx="0" cy="0"/>
+        </a:xfrm>
+      </p:grpSpPr>
+      <p:sp>
+        <p:nvSpPr>
+          <p:cNvPr id="2" name="標題 1"/>
+          <p:cNvSpPr>
+            <a:spLocks noGrp="1"/>
+          </p:cNvSpPr>
+          <p:nvPr>
+            <p:ph type="ctrTitle"/>
+          </p:nvPr>
+        </p:nvSpPr>
+        <p:spPr>
+          <a:xfrm>
+            <a:off x="0" y="0"/>
+            <a:ext cx="9144000" cy="764704"/>
+          </a:xfrm>
+          <a:gradFill flip="none" rotWithShape="1">
+            <a:gsLst>
+              <a:gs pos="0">
+                <a:srgbClr val="C00000">
+                  <a:shade val="30000"/>
+                  <a:satMod val="115000"/>
+                </a:srgbClr>
+              </a:gs>
+              <a:gs pos="50000">
+                <a:srgbClr val="C00000">
+                  <a:shade val="67500"/>
+                  <a:satMod val="115000"/>
+                </a:srgbClr>
+              </a:gs>
+              <a:gs pos="100000">
+                <a:srgbClr val="C00000">
+                  <a:shade val="100000"/>
+                  <a:satMod val="115000"/>
+                </a:srgbClr>
+              </a:gs>
+            </a:gsLst>
+            <a:path path="circle">
+              <a:fillToRect t="100000" r="100000"/>
+            </a:path>
+            <a:tileRect l="-100000" b="-100000"/>
+          </a:gradFill>
+        </p:spPr>
+        <p:txBody>
+          <a:bodyPr>
+            <a:normAutofit/>
+          </a:bodyPr>
+          <a:lstStyle/>
+          <a:p>
+            <a:pPr algn="l"/>
+            <a:r>
+              <a:rPr lang="en-US" altLang="zh-TW" sz="4400" b="1" dirty="0">
+                <a:solidFill>
+                  <a:srgbClr val="FFFF00"/>
+                </a:solidFill>
+              </a:rPr>
+              <a:t>40 Predict Hire Decision</a:t>
+            </a:r>
+            <a:endParaRPr lang="zh-TW" altLang="en-US" b="1" dirty="0">
+              <a:solidFill>
+                <a:srgbClr val="FFFF00"/>
+              </a:solidFill>
+            </a:endParaRPr>
+          </a:p>
+        </p:txBody>
+      </p:sp>
+      <p:sp>
+        <p:nvSpPr>
+          <p:cNvPr id="3" name="副標題 2"/>
+          <p:cNvSpPr>
+            <a:spLocks noGrp="1"/>
+          </p:cNvSpPr>
+          <p:nvPr>
+            <p:ph type="subTitle" idx="1"/>
+          </p:nvPr>
+        </p:nvSpPr>
+        <p:spPr>
+          <a:xfrm>
+            <a:off x="457199" y="1268760"/>
+            <a:ext cx="8419457" cy="864096"/>
+          </a:xfrm>
+          <a:ln>
+            <a:solidFill>
+              <a:srgbClr val="C00000"/>
+            </a:solidFill>
+          </a:ln>
+        </p:spPr>
+        <p:txBody>
+          <a:bodyPr>
+            <a:noAutofit/>
+          </a:bodyPr>
+          <a:lstStyle/>
+          <a:p>
+            <a:pPr marL="342900" indent="-342900" algn="l">
+              <a:buClr>
+                <a:srgbClr val="0070C0"/>
+              </a:buClr>
+              <a:buSzPct val="80000"/>
+              <a:buFont typeface="Wingdings" pitchFamily="2" charset="2"/>
+              <a:buChar char="u"/>
+            </a:pPr>
+            <a:r>
+              <a:rPr lang="en-US" sz="1800" b="1" dirty="0">
+                <a:solidFill>
+                  <a:schemeClr val="tx1"/>
+                </a:solidFill>
+              </a:rPr>
+              <a:t>Decision Trees</a:t>
+            </a:r>
+          </a:p>
+          <a:p>
+            <a:pPr marL="342900" indent="-342900" algn="l">
+              <a:buClr>
+                <a:srgbClr val="0070C0"/>
+              </a:buClr>
+              <a:buSzPct val="80000"/>
+              <a:buFont typeface="Wingdings" pitchFamily="2" charset="2"/>
+              <a:buChar char="u"/>
+            </a:pPr>
+            <a:r>
+              <a:rPr lang="en-US" sz="1800" b="1" dirty="0">
+                <a:solidFill>
+                  <a:schemeClr val="tx1"/>
+                </a:solidFill>
+              </a:rPr>
+              <a:t>We discuss the decision tree implement with Hire/No Hire example.</a:t>
+            </a:r>
+          </a:p>
+        </p:txBody>
+      </p:sp>
+      <p:sp>
+        <p:nvSpPr>
+          <p:cNvPr id="4" name="標題 1"/>
+          <p:cNvSpPr txBox="1">
+            <a:spLocks/>
+          </p:cNvSpPr>
+          <p:nvPr/>
+        </p:nvSpPr>
+        <p:spPr>
+          <a:xfrm>
+            <a:off x="0" y="764704"/>
+            <a:ext cx="9144000" cy="360040"/>
+          </a:xfrm>
+          <a:prstGeom prst="rect">
+            <a:avLst/>
+          </a:prstGeom>
+          <a:gradFill flip="none" rotWithShape="1">
+            <a:gsLst>
+              <a:gs pos="0">
+                <a:srgbClr val="00B0F0">
+                  <a:shade val="30000"/>
+                  <a:satMod val="115000"/>
+                </a:srgbClr>
+              </a:gs>
+              <a:gs pos="50000">
+                <a:srgbClr val="00B0F0">
+                  <a:shade val="67500"/>
+                  <a:satMod val="115000"/>
+                </a:srgbClr>
+              </a:gs>
+              <a:gs pos="100000">
+                <a:srgbClr val="00B0F0">
+                  <a:shade val="100000"/>
+                  <a:satMod val="115000"/>
+                </a:srgbClr>
+              </a:gs>
+            </a:gsLst>
+            <a:path path="circle">
+              <a:fillToRect t="100000" r="100000"/>
+            </a:path>
+            <a:tileRect l="-100000" b="-100000"/>
+          </a:gradFill>
+        </p:spPr>
+        <p:txBody>
+          <a:bodyPr vert="horz" lIns="91440" tIns="45720" rIns="91440" bIns="45720" rtlCol="0" anchor="ctr">
+            <a:normAutofit fontScale="77500" lnSpcReduction="20000"/>
+          </a:bodyPr>
+          <a:lstStyle/>
+          <a:p>
+            <a:pPr lvl="0">
+              <a:spcBef>
+                <a:spcPct val="0"/>
+              </a:spcBef>
+            </a:pPr>
+            <a:r>
+              <a:rPr lang="en-US" sz="1600" dirty="0">
+                <a:hlinkClick r:id="rId2"/>
+              </a:rPr>
+              <a:t>https://www.udemy.com/course/data-science-and-machine-learning-with-python-hands-on/learn/lecture/15090192#overview</a:t>
+            </a:r>
+            <a:endParaRPr kumimoji="0" lang="zh-TW" altLang="en-US" sz="1600" b="0" i="0" u="none" strike="noStrike" kern="1200" cap="none" spc="0" normalizeH="0" baseline="0" noProof="0" dirty="0">
+              <a:ln>
+                <a:noFill/>
+              </a:ln>
+              <a:solidFill>
+                <a:schemeClr val="tx1"/>
+              </a:solidFill>
+              <a:effectLst/>
+              <a:uLnTx/>
+              <a:uFillTx/>
+              <a:latin typeface="+mj-lt"/>
+              <a:ea typeface="+mj-ea"/>
+              <a:cs typeface="+mj-cs"/>
+            </a:endParaRPr>
+          </a:p>
+        </p:txBody>
+      </p:sp>
+      <p:sp>
+        <p:nvSpPr>
+          <p:cNvPr id="5" name="日期版面配置區 4"/>
+          <p:cNvSpPr>
+            <a:spLocks noGrp="1"/>
+          </p:cNvSpPr>
+          <p:nvPr>
+            <p:ph type="dt" sz="half" idx="10"/>
+          </p:nvPr>
+        </p:nvSpPr>
+        <p:spPr>
+          <a:xfrm>
+            <a:off x="457200" y="6343695"/>
+            <a:ext cx="2133600" cy="365125"/>
+          </a:xfrm>
+        </p:spPr>
+        <p:txBody>
+          <a:bodyPr/>
+          <a:lstStyle/>
+          <a:p>
+            <a:fld id="{A4F910E6-8D00-4BAF-8C48-9688E0B449D3}" type="datetime1">
+              <a:rPr lang="zh-TW" altLang="en-US" smtClean="0"/>
+              <a:pPr/>
+              <a:t>2020/8/27</a:t>
+            </a:fld>
+            <a:endParaRPr lang="zh-TW" altLang="en-US"/>
+          </a:p>
+        </p:txBody>
+      </p:sp>
+      <p:sp>
+        <p:nvSpPr>
+          <p:cNvPr id="6" name="投影片編號版面配置區 5"/>
+          <p:cNvSpPr>
+            <a:spLocks noGrp="1"/>
+          </p:cNvSpPr>
+          <p:nvPr>
+            <p:ph type="sldNum" sz="quarter" idx="12"/>
+          </p:nvPr>
+        </p:nvSpPr>
+        <p:spPr/>
+        <p:txBody>
+          <a:bodyPr/>
+          <a:lstStyle/>
+          <a:p>
+            <a:fld id="{E4D7E63D-91F2-4366-A2C4-1B00C9E2590E}" type="slidenum">
+              <a:rPr lang="zh-TW" altLang="en-US" smtClean="0"/>
+              <a:pPr/>
               <a:t>2</a:t>
             </a:fld>
             <a:endParaRPr lang="zh-TW" altLang="en-US"/>
@@ -3919,6 +7033,2838 @@
         <p14:creationId xmlns:p14="http://schemas.microsoft.com/office/powerpoint/2010/main" val="378734909"/>
       </p:ext>
     </p:extLst>
+  </p:cSld>
+  <p:clrMapOvr>
+    <a:masterClrMapping/>
+  </p:clrMapOvr>
+</p:sld>
+</file>
+
+<file path=ppt/slides/slide20.xml><?xml version="1.0" encoding="utf-8"?>
+<p:sld xmlns:a="http://schemas.openxmlformats.org/drawingml/2006/main" xmlns:r="http://schemas.openxmlformats.org/officeDocument/2006/relationships" xmlns:p="http://schemas.openxmlformats.org/presentationml/2006/main">
+  <p:cSld>
+    <p:spTree>
+      <p:nvGrpSpPr>
+        <p:cNvPr id="1" name=""/>
+        <p:cNvGrpSpPr/>
+        <p:nvPr/>
+      </p:nvGrpSpPr>
+      <p:grpSpPr>
+        <a:xfrm>
+          <a:off x="0" y="0"/>
+          <a:ext cx="0" cy="0"/>
+          <a:chOff x="0" y="0"/>
+          <a:chExt cx="0" cy="0"/>
+        </a:xfrm>
+      </p:grpSpPr>
+      <p:pic>
+        <p:nvPicPr>
+          <p:cNvPr id="8" name="Picture 7">
+            <a:extLst>
+              <a:ext uri="{FF2B5EF4-FFF2-40B4-BE49-F238E27FC236}">
+                <a16:creationId xmlns:a16="http://schemas.microsoft.com/office/drawing/2014/main" id="{E47A775A-FB6A-400F-AD6D-B59643BF9614}"/>
+              </a:ext>
+            </a:extLst>
+          </p:cNvPr>
+          <p:cNvPicPr>
+            <a:picLocks noChangeAspect="1"/>
+          </p:cNvPicPr>
+          <p:nvPr/>
+        </p:nvPicPr>
+        <p:blipFill>
+          <a:blip r:embed="rId2"/>
+          <a:stretch>
+            <a:fillRect/>
+          </a:stretch>
+        </p:blipFill>
+        <p:spPr>
+          <a:xfrm>
+            <a:off x="457199" y="2549000"/>
+            <a:ext cx="4897678" cy="1760000"/>
+          </a:xfrm>
+          <a:prstGeom prst="rect">
+            <a:avLst/>
+          </a:prstGeom>
+          <a:ln>
+            <a:solidFill>
+              <a:srgbClr val="C00000"/>
+            </a:solidFill>
+          </a:ln>
+        </p:spPr>
+      </p:pic>
+      <p:sp>
+        <p:nvSpPr>
+          <p:cNvPr id="2" name="標題 1"/>
+          <p:cNvSpPr>
+            <a:spLocks noGrp="1"/>
+          </p:cNvSpPr>
+          <p:nvPr>
+            <p:ph type="ctrTitle"/>
+          </p:nvPr>
+        </p:nvSpPr>
+        <p:spPr>
+          <a:xfrm>
+            <a:off x="0" y="1"/>
+            <a:ext cx="9144000" cy="764704"/>
+          </a:xfrm>
+          <a:gradFill flip="none" rotWithShape="1">
+            <a:gsLst>
+              <a:gs pos="0">
+                <a:srgbClr val="C00000">
+                  <a:shade val="30000"/>
+                  <a:satMod val="115000"/>
+                </a:srgbClr>
+              </a:gs>
+              <a:gs pos="50000">
+                <a:srgbClr val="C00000">
+                  <a:shade val="67500"/>
+                  <a:satMod val="115000"/>
+                </a:srgbClr>
+              </a:gs>
+              <a:gs pos="100000">
+                <a:srgbClr val="C00000">
+                  <a:shade val="100000"/>
+                  <a:satMod val="115000"/>
+                </a:srgbClr>
+              </a:gs>
+            </a:gsLst>
+            <a:path path="circle">
+              <a:fillToRect t="100000" r="100000"/>
+            </a:path>
+            <a:tileRect l="-100000" b="-100000"/>
+          </a:gradFill>
+        </p:spPr>
+        <p:txBody>
+          <a:bodyPr>
+            <a:normAutofit/>
+          </a:bodyPr>
+          <a:lstStyle/>
+          <a:p>
+            <a:pPr algn="l"/>
+            <a:r>
+              <a:rPr lang="en-US" altLang="zh-TW" sz="4400" b="1" dirty="0">
+                <a:solidFill>
+                  <a:srgbClr val="FFFF00"/>
+                </a:solidFill>
+              </a:rPr>
+              <a:t>40.5 Display Prediction by Graphviz</a:t>
+            </a:r>
+            <a:endParaRPr lang="zh-TW" altLang="en-US" b="1" dirty="0">
+              <a:solidFill>
+                <a:srgbClr val="FFFF00"/>
+              </a:solidFill>
+            </a:endParaRPr>
+          </a:p>
+        </p:txBody>
+      </p:sp>
+      <p:sp>
+        <p:nvSpPr>
+          <p:cNvPr id="3" name="副標題 2"/>
+          <p:cNvSpPr>
+            <a:spLocks noGrp="1"/>
+          </p:cNvSpPr>
+          <p:nvPr>
+            <p:ph type="subTitle" idx="1"/>
+          </p:nvPr>
+        </p:nvSpPr>
+        <p:spPr>
+          <a:xfrm>
+            <a:off x="457199" y="1268761"/>
+            <a:ext cx="8419457" cy="888692"/>
+          </a:xfrm>
+          <a:ln>
+            <a:solidFill>
+              <a:srgbClr val="C00000"/>
+            </a:solidFill>
+          </a:ln>
+        </p:spPr>
+        <p:txBody>
+          <a:bodyPr>
+            <a:noAutofit/>
+          </a:bodyPr>
+          <a:lstStyle/>
+          <a:p>
+            <a:pPr marL="342900" indent="-342900" algn="l">
+              <a:buClr>
+                <a:srgbClr val="0070C0"/>
+              </a:buClr>
+              <a:buSzPct val="80000"/>
+              <a:buFont typeface="Wingdings" pitchFamily="2" charset="2"/>
+              <a:buChar char="u"/>
+            </a:pPr>
+            <a:r>
+              <a:rPr lang="en-US" sz="1800" b="1" dirty="0">
+                <a:solidFill>
+                  <a:schemeClr val="tx1"/>
+                </a:solidFill>
+              </a:rPr>
+              <a:t>Display prediction: Browse the PDF file</a:t>
+            </a:r>
+          </a:p>
+          <a:p>
+            <a:pPr marL="342900" indent="-342900" algn="l">
+              <a:buClr>
+                <a:srgbClr val="0070C0"/>
+              </a:buClr>
+              <a:buSzPct val="80000"/>
+              <a:buFont typeface="Wingdings" pitchFamily="2" charset="2"/>
+              <a:buChar char="u"/>
+            </a:pPr>
+            <a:r>
+              <a:rPr lang="en-US" sz="1800" b="1" dirty="0">
+                <a:solidFill>
+                  <a:schemeClr val="tx1"/>
+                </a:solidFill>
+              </a:rPr>
+              <a:t>Double Click “decision_tree.pdf”. The chrome browse automatically open to browse it. </a:t>
+            </a:r>
+          </a:p>
+        </p:txBody>
+      </p:sp>
+      <p:sp>
+        <p:nvSpPr>
+          <p:cNvPr id="4" name="標題 1"/>
+          <p:cNvSpPr txBox="1">
+            <a:spLocks/>
+          </p:cNvSpPr>
+          <p:nvPr/>
+        </p:nvSpPr>
+        <p:spPr>
+          <a:xfrm>
+            <a:off x="0" y="764704"/>
+            <a:ext cx="9144000" cy="360040"/>
+          </a:xfrm>
+          <a:prstGeom prst="rect">
+            <a:avLst/>
+          </a:prstGeom>
+          <a:gradFill flip="none" rotWithShape="1">
+            <a:gsLst>
+              <a:gs pos="0">
+                <a:srgbClr val="00B0F0">
+                  <a:shade val="30000"/>
+                  <a:satMod val="115000"/>
+                </a:srgbClr>
+              </a:gs>
+              <a:gs pos="50000">
+                <a:srgbClr val="00B0F0">
+                  <a:shade val="67500"/>
+                  <a:satMod val="115000"/>
+                </a:srgbClr>
+              </a:gs>
+              <a:gs pos="100000">
+                <a:srgbClr val="00B0F0">
+                  <a:shade val="100000"/>
+                  <a:satMod val="115000"/>
+                </a:srgbClr>
+              </a:gs>
+            </a:gsLst>
+            <a:path path="circle">
+              <a:fillToRect t="100000" r="100000"/>
+            </a:path>
+            <a:tileRect l="-100000" b="-100000"/>
+          </a:gradFill>
+        </p:spPr>
+        <p:txBody>
+          <a:bodyPr vert="horz" lIns="91440" tIns="45720" rIns="91440" bIns="45720" rtlCol="0" anchor="ctr">
+            <a:normAutofit fontScale="77500" lnSpcReduction="20000"/>
+          </a:bodyPr>
+          <a:lstStyle/>
+          <a:p>
+            <a:pPr lvl="0">
+              <a:spcBef>
+                <a:spcPct val="0"/>
+              </a:spcBef>
+            </a:pPr>
+            <a:r>
+              <a:rPr lang="en-US" sz="1600" dirty="0">
+                <a:hlinkClick r:id="rId3"/>
+              </a:rPr>
+              <a:t>https://www.udemy.com/course/data-science-and-machine-learning-with-python-hands-on/learn/lecture/15090192#overview</a:t>
+            </a:r>
+            <a:endParaRPr kumimoji="0" lang="zh-TW" altLang="en-US" sz="1600" b="0" i="0" u="none" strike="noStrike" kern="1200" cap="none" spc="0" normalizeH="0" baseline="0" noProof="0" dirty="0">
+              <a:ln>
+                <a:noFill/>
+              </a:ln>
+              <a:solidFill>
+                <a:schemeClr val="tx1"/>
+              </a:solidFill>
+              <a:effectLst/>
+              <a:uLnTx/>
+              <a:uFillTx/>
+              <a:latin typeface="+mj-lt"/>
+              <a:ea typeface="+mj-ea"/>
+              <a:cs typeface="+mj-cs"/>
+            </a:endParaRPr>
+          </a:p>
+        </p:txBody>
+      </p:sp>
+      <p:sp>
+        <p:nvSpPr>
+          <p:cNvPr id="5" name="日期版面配置區 4"/>
+          <p:cNvSpPr>
+            <a:spLocks noGrp="1"/>
+          </p:cNvSpPr>
+          <p:nvPr>
+            <p:ph type="dt" sz="half" idx="10"/>
+          </p:nvPr>
+        </p:nvSpPr>
+        <p:spPr>
+          <a:xfrm>
+            <a:off x="457200" y="6343695"/>
+            <a:ext cx="2133600" cy="365125"/>
+          </a:xfrm>
+        </p:spPr>
+        <p:txBody>
+          <a:bodyPr/>
+          <a:lstStyle/>
+          <a:p>
+            <a:fld id="{A4F910E6-8D00-4BAF-8C48-9688E0B449D3}" type="datetime1">
+              <a:rPr lang="zh-TW" altLang="en-US" smtClean="0"/>
+              <a:pPr/>
+              <a:t>2020/8/27</a:t>
+            </a:fld>
+            <a:endParaRPr lang="zh-TW" altLang="en-US"/>
+          </a:p>
+        </p:txBody>
+      </p:sp>
+      <p:sp>
+        <p:nvSpPr>
+          <p:cNvPr id="6" name="投影片編號版面配置區 5"/>
+          <p:cNvSpPr>
+            <a:spLocks noGrp="1"/>
+          </p:cNvSpPr>
+          <p:nvPr>
+            <p:ph type="sldNum" sz="quarter" idx="12"/>
+          </p:nvPr>
+        </p:nvSpPr>
+        <p:spPr/>
+        <p:txBody>
+          <a:bodyPr/>
+          <a:lstStyle/>
+          <a:p>
+            <a:fld id="{E4D7E63D-91F2-4366-A2C4-1B00C9E2590E}" type="slidenum">
+              <a:rPr lang="zh-TW" altLang="en-US" smtClean="0"/>
+              <a:pPr/>
+              <a:t>20</a:t>
+            </a:fld>
+            <a:endParaRPr lang="zh-TW" altLang="en-US"/>
+          </a:p>
+        </p:txBody>
+      </p:sp>
+      <p:sp>
+        <p:nvSpPr>
+          <p:cNvPr id="10" name="Rectangle 9">
+            <a:extLst>
+              <a:ext uri="{FF2B5EF4-FFF2-40B4-BE49-F238E27FC236}">
+                <a16:creationId xmlns:a16="http://schemas.microsoft.com/office/drawing/2014/main" id="{B999D169-3D75-49CF-A455-074B55BBE90B}"/>
+              </a:ext>
+            </a:extLst>
+          </p:cNvPr>
+          <p:cNvSpPr/>
+          <p:nvPr/>
+        </p:nvSpPr>
+        <p:spPr>
+          <a:xfrm>
+            <a:off x="1296821" y="3734218"/>
+            <a:ext cx="1187152" cy="142733"/>
+          </a:xfrm>
+          <a:prstGeom prst="rect">
+            <a:avLst/>
+          </a:prstGeom>
+          <a:noFill/>
+          <a:ln>
+            <a:solidFill>
+              <a:srgbClr val="C00000"/>
+            </a:solidFill>
+          </a:ln>
+        </p:spPr>
+        <p:style>
+          <a:lnRef idx="2">
+            <a:schemeClr val="accent1">
+              <a:shade val="50000"/>
+            </a:schemeClr>
+          </a:lnRef>
+          <a:fillRef idx="1">
+            <a:schemeClr val="accent1"/>
+          </a:fillRef>
+          <a:effectRef idx="0">
+            <a:schemeClr val="accent1"/>
+          </a:effectRef>
+          <a:fontRef idx="minor">
+            <a:schemeClr val="lt1"/>
+          </a:fontRef>
+        </p:style>
+        <p:txBody>
+          <a:bodyPr rtlCol="0" anchor="ctr"/>
+          <a:lstStyle/>
+          <a:p>
+            <a:pPr algn="ctr"/>
+            <a:endParaRPr lang="en-US"/>
+          </a:p>
+        </p:txBody>
+      </p:sp>
+      <p:cxnSp>
+        <p:nvCxnSpPr>
+          <p:cNvPr id="12" name="Straight Arrow Connector 11">
+            <a:extLst>
+              <a:ext uri="{FF2B5EF4-FFF2-40B4-BE49-F238E27FC236}">
+                <a16:creationId xmlns:a16="http://schemas.microsoft.com/office/drawing/2014/main" id="{95DA162A-19B3-41F8-A085-F5396E898735}"/>
+              </a:ext>
+            </a:extLst>
+          </p:cNvPr>
+          <p:cNvCxnSpPr>
+            <a:cxnSpLocks/>
+            <a:stCxn id="10" idx="3"/>
+            <a:endCxn id="11" idx="1"/>
+          </p:cNvCxnSpPr>
+          <p:nvPr/>
+        </p:nvCxnSpPr>
+        <p:spPr>
+          <a:xfrm>
+            <a:off x="2483973" y="3805585"/>
+            <a:ext cx="1912918" cy="513394"/>
+          </a:xfrm>
+          <a:prstGeom prst="straightConnector1">
+            <a:avLst/>
+          </a:prstGeom>
+          <a:ln>
+            <a:tailEnd type="triangle"/>
+          </a:ln>
+        </p:spPr>
+        <p:style>
+          <a:lnRef idx="1">
+            <a:schemeClr val="accent2"/>
+          </a:lnRef>
+          <a:fillRef idx="0">
+            <a:schemeClr val="accent2"/>
+          </a:fillRef>
+          <a:effectRef idx="0">
+            <a:schemeClr val="accent2"/>
+          </a:effectRef>
+          <a:fontRef idx="minor">
+            <a:schemeClr val="tx1"/>
+          </a:fontRef>
+        </p:style>
+      </p:cxnSp>
+      <p:pic>
+        <p:nvPicPr>
+          <p:cNvPr id="11" name="Picture 10">
+            <a:extLst>
+              <a:ext uri="{FF2B5EF4-FFF2-40B4-BE49-F238E27FC236}">
+                <a16:creationId xmlns:a16="http://schemas.microsoft.com/office/drawing/2014/main" id="{E5EC080F-AD88-47F2-B076-80F61A07A494}"/>
+              </a:ext>
+            </a:extLst>
+          </p:cNvPr>
+          <p:cNvPicPr>
+            <a:picLocks noChangeAspect="1"/>
+          </p:cNvPicPr>
+          <p:nvPr/>
+        </p:nvPicPr>
+        <p:blipFill>
+          <a:blip r:embed="rId4"/>
+          <a:stretch>
+            <a:fillRect/>
+          </a:stretch>
+        </p:blipFill>
+        <p:spPr>
+          <a:xfrm>
+            <a:off x="4396891" y="1934095"/>
+            <a:ext cx="4503929" cy="4769768"/>
+          </a:xfrm>
+          <a:prstGeom prst="rect">
+            <a:avLst/>
+          </a:prstGeom>
+          <a:ln>
+            <a:solidFill>
+              <a:srgbClr val="C00000"/>
+            </a:solidFill>
+          </a:ln>
+        </p:spPr>
+      </p:pic>
+    </p:spTree>
+    <p:extLst>
+      <p:ext uri="{BB962C8B-B14F-4D97-AF65-F5344CB8AC3E}">
+        <p14:creationId xmlns:p14="http://schemas.microsoft.com/office/powerpoint/2010/main" val="14037639"/>
+      </p:ext>
+    </p:extLst>
+  </p:cSld>
+  <p:clrMapOvr>
+    <a:masterClrMapping/>
+  </p:clrMapOvr>
+</p:sld>
+</file>
+
+<file path=ppt/slides/slide21.xml><?xml version="1.0" encoding="utf-8"?>
+<p:sld xmlns:a="http://schemas.openxmlformats.org/drawingml/2006/main" xmlns:r="http://schemas.openxmlformats.org/officeDocument/2006/relationships" xmlns:p="http://schemas.openxmlformats.org/presentationml/2006/main">
+  <p:cSld>
+    <p:spTree>
+      <p:nvGrpSpPr>
+        <p:cNvPr id="1" name=""/>
+        <p:cNvGrpSpPr/>
+        <p:nvPr/>
+      </p:nvGrpSpPr>
+      <p:grpSpPr>
+        <a:xfrm>
+          <a:off x="0" y="0"/>
+          <a:ext cx="0" cy="0"/>
+          <a:chOff x="0" y="0"/>
+          <a:chExt cx="0" cy="0"/>
+        </a:xfrm>
+      </p:grpSpPr>
+      <p:sp>
+        <p:nvSpPr>
+          <p:cNvPr id="2" name="標題 1"/>
+          <p:cNvSpPr>
+            <a:spLocks noGrp="1"/>
+          </p:cNvSpPr>
+          <p:nvPr>
+            <p:ph type="ctrTitle"/>
+          </p:nvPr>
+        </p:nvSpPr>
+        <p:spPr>
+          <a:xfrm>
+            <a:off x="0" y="2130425"/>
+            <a:ext cx="9144000" cy="1470025"/>
+          </a:xfrm>
+          <a:solidFill>
+            <a:srgbClr val="00B0F0"/>
+          </a:solidFill>
+        </p:spPr>
+        <p:txBody>
+          <a:bodyPr>
+            <a:normAutofit/>
+          </a:bodyPr>
+          <a:lstStyle/>
+          <a:p>
+            <a:r>
+              <a:rPr lang="en-US" altLang="zh-TW" sz="4800" b="1" dirty="0">
+                <a:solidFill>
+                  <a:srgbClr val="FFFF00"/>
+                </a:solidFill>
+              </a:rPr>
+              <a:t>40.6 Random Forest</a:t>
+            </a:r>
+            <a:endParaRPr lang="zh-TW" altLang="en-US" sz="4800" b="1" dirty="0">
+              <a:solidFill>
+                <a:srgbClr val="FFFF00"/>
+              </a:solidFill>
+            </a:endParaRPr>
+          </a:p>
+        </p:txBody>
+      </p:sp>
+      <p:sp>
+        <p:nvSpPr>
+          <p:cNvPr id="5" name="日期版面配置區 4"/>
+          <p:cNvSpPr>
+            <a:spLocks noGrp="1"/>
+          </p:cNvSpPr>
+          <p:nvPr>
+            <p:ph type="dt" sz="half" idx="10"/>
+          </p:nvPr>
+        </p:nvSpPr>
+        <p:spPr/>
+        <p:txBody>
+          <a:bodyPr/>
+          <a:lstStyle/>
+          <a:p>
+            <a:fld id="{C389EDC9-19E3-47AC-9C57-C6A24DEA81AD}" type="datetime1">
+              <a:rPr lang="zh-TW" altLang="en-US" smtClean="0"/>
+              <a:pPr/>
+              <a:t>2020/8/27</a:t>
+            </a:fld>
+            <a:endParaRPr lang="zh-TW" altLang="en-US"/>
+          </a:p>
+        </p:txBody>
+      </p:sp>
+      <p:sp>
+        <p:nvSpPr>
+          <p:cNvPr id="6" name="投影片編號版面配置區 5"/>
+          <p:cNvSpPr>
+            <a:spLocks noGrp="1"/>
+          </p:cNvSpPr>
+          <p:nvPr>
+            <p:ph type="sldNum" sz="quarter" idx="12"/>
+          </p:nvPr>
+        </p:nvSpPr>
+        <p:spPr/>
+        <p:txBody>
+          <a:bodyPr/>
+          <a:lstStyle/>
+          <a:p>
+            <a:fld id="{E4D7E63D-91F2-4366-A2C4-1B00C9E2590E}" type="slidenum">
+              <a:rPr lang="zh-TW" altLang="en-US" smtClean="0"/>
+              <a:pPr/>
+              <a:t>21</a:t>
+            </a:fld>
+            <a:endParaRPr lang="zh-TW" altLang="en-US"/>
+          </a:p>
+        </p:txBody>
+      </p:sp>
+      <p:pic>
+        <p:nvPicPr>
+          <p:cNvPr id="7" name="Picture 6">
+            <a:extLst>
+              <a:ext uri="{FF2B5EF4-FFF2-40B4-BE49-F238E27FC236}">
+                <a16:creationId xmlns:a16="http://schemas.microsoft.com/office/drawing/2014/main" id="{1BE488C5-DA27-405E-9F7E-A4EF5DF95762}"/>
+              </a:ext>
+            </a:extLst>
+          </p:cNvPr>
+          <p:cNvPicPr>
+            <a:picLocks noChangeAspect="1"/>
+          </p:cNvPicPr>
+          <p:nvPr/>
+        </p:nvPicPr>
+        <p:blipFill>
+          <a:blip r:embed="rId2"/>
+          <a:stretch>
+            <a:fillRect/>
+          </a:stretch>
+        </p:blipFill>
+        <p:spPr>
+          <a:xfrm>
+            <a:off x="3923928" y="3695964"/>
+            <a:ext cx="1004960" cy="885164"/>
+          </a:xfrm>
+          <a:prstGeom prst="rect">
+            <a:avLst/>
+          </a:prstGeom>
+        </p:spPr>
+      </p:pic>
+    </p:spTree>
+    <p:extLst>
+      <p:ext uri="{BB962C8B-B14F-4D97-AF65-F5344CB8AC3E}">
+        <p14:creationId xmlns:p14="http://schemas.microsoft.com/office/powerpoint/2010/main" val="1482230878"/>
+      </p:ext>
+    </p:extLst>
+  </p:cSld>
+  <p:clrMapOvr>
+    <a:masterClrMapping/>
+  </p:clrMapOvr>
+</p:sld>
+</file>
+
+<file path=ppt/slides/slide22.xml><?xml version="1.0" encoding="utf-8"?>
+<p:sld xmlns:a="http://schemas.openxmlformats.org/drawingml/2006/main" xmlns:r="http://schemas.openxmlformats.org/officeDocument/2006/relationships" xmlns:p="http://schemas.openxmlformats.org/presentationml/2006/main">
+  <p:cSld>
+    <p:spTree>
+      <p:nvGrpSpPr>
+        <p:cNvPr id="1" name=""/>
+        <p:cNvGrpSpPr/>
+        <p:nvPr/>
+      </p:nvGrpSpPr>
+      <p:grpSpPr>
+        <a:xfrm>
+          <a:off x="0" y="0"/>
+          <a:ext cx="0" cy="0"/>
+          <a:chOff x="0" y="0"/>
+          <a:chExt cx="0" cy="0"/>
+        </a:xfrm>
+      </p:grpSpPr>
+      <p:sp>
+        <p:nvSpPr>
+          <p:cNvPr id="2" name="標題 1"/>
+          <p:cNvSpPr>
+            <a:spLocks noGrp="1"/>
+          </p:cNvSpPr>
+          <p:nvPr>
+            <p:ph type="ctrTitle"/>
+          </p:nvPr>
+        </p:nvSpPr>
+        <p:spPr>
+          <a:xfrm>
+            <a:off x="0" y="1"/>
+            <a:ext cx="9144000" cy="764704"/>
+          </a:xfrm>
+          <a:gradFill flip="none" rotWithShape="1">
+            <a:gsLst>
+              <a:gs pos="0">
+                <a:srgbClr val="C00000">
+                  <a:shade val="30000"/>
+                  <a:satMod val="115000"/>
+                </a:srgbClr>
+              </a:gs>
+              <a:gs pos="50000">
+                <a:srgbClr val="C00000">
+                  <a:shade val="67500"/>
+                  <a:satMod val="115000"/>
+                </a:srgbClr>
+              </a:gs>
+              <a:gs pos="100000">
+                <a:srgbClr val="C00000">
+                  <a:shade val="100000"/>
+                  <a:satMod val="115000"/>
+                </a:srgbClr>
+              </a:gs>
+            </a:gsLst>
+            <a:path path="circle">
+              <a:fillToRect t="100000" r="100000"/>
+            </a:path>
+            <a:tileRect l="-100000" b="-100000"/>
+          </a:gradFill>
+        </p:spPr>
+        <p:txBody>
+          <a:bodyPr>
+            <a:normAutofit/>
+          </a:bodyPr>
+          <a:lstStyle/>
+          <a:p>
+            <a:pPr algn="l"/>
+            <a:r>
+              <a:rPr lang="en-US" altLang="zh-TW" sz="4400" b="1" dirty="0">
+                <a:solidFill>
+                  <a:srgbClr val="FFFF00"/>
+                </a:solidFill>
+              </a:rPr>
+              <a:t>40.6 Random Forest</a:t>
+            </a:r>
+            <a:endParaRPr lang="zh-TW" altLang="en-US" b="1" dirty="0">
+              <a:solidFill>
+                <a:srgbClr val="FFFF00"/>
+              </a:solidFill>
+            </a:endParaRPr>
+          </a:p>
+        </p:txBody>
+      </p:sp>
+      <p:sp>
+        <p:nvSpPr>
+          <p:cNvPr id="3" name="副標題 2"/>
+          <p:cNvSpPr>
+            <a:spLocks noGrp="1"/>
+          </p:cNvSpPr>
+          <p:nvPr>
+            <p:ph type="subTitle" idx="1"/>
+          </p:nvPr>
+        </p:nvSpPr>
+        <p:spPr>
+          <a:xfrm>
+            <a:off x="457199" y="1268761"/>
+            <a:ext cx="8419457" cy="888692"/>
+          </a:xfrm>
+          <a:ln>
+            <a:solidFill>
+              <a:srgbClr val="C00000"/>
+            </a:solidFill>
+          </a:ln>
+        </p:spPr>
+        <p:txBody>
+          <a:bodyPr>
+            <a:noAutofit/>
+          </a:bodyPr>
+          <a:lstStyle/>
+          <a:p>
+            <a:pPr marL="342900" indent="-342900" algn="l">
+              <a:buClr>
+                <a:srgbClr val="0070C0"/>
+              </a:buClr>
+              <a:buSzPct val="80000"/>
+              <a:buFont typeface="Wingdings" pitchFamily="2" charset="2"/>
+              <a:buChar char="u"/>
+            </a:pPr>
+            <a:r>
+              <a:rPr lang="en-US" sz="1800" b="1" dirty="0">
+                <a:solidFill>
+                  <a:schemeClr val="tx1"/>
+                </a:solidFill>
+              </a:rPr>
+              <a:t>Random Forest</a:t>
+            </a:r>
+          </a:p>
+          <a:p>
+            <a:pPr marL="342900" indent="-342900" algn="l">
+              <a:buClr>
+                <a:srgbClr val="0070C0"/>
+              </a:buClr>
+              <a:buSzPct val="80000"/>
+              <a:buFont typeface="Wingdings" pitchFamily="2" charset="2"/>
+              <a:buChar char="u"/>
+            </a:pPr>
+            <a:r>
+              <a:rPr lang="en-US" sz="1800" b="1" dirty="0">
+                <a:solidFill>
+                  <a:schemeClr val="tx1"/>
+                </a:solidFill>
+              </a:rPr>
+              <a:t>We'll use a random forest of 10 decision trees to predict employment of specific candidate profiles:</a:t>
+            </a:r>
+          </a:p>
+        </p:txBody>
+      </p:sp>
+      <p:sp>
+        <p:nvSpPr>
+          <p:cNvPr id="4" name="標題 1"/>
+          <p:cNvSpPr txBox="1">
+            <a:spLocks/>
+          </p:cNvSpPr>
+          <p:nvPr/>
+        </p:nvSpPr>
+        <p:spPr>
+          <a:xfrm>
+            <a:off x="0" y="764704"/>
+            <a:ext cx="9144000" cy="360040"/>
+          </a:xfrm>
+          <a:prstGeom prst="rect">
+            <a:avLst/>
+          </a:prstGeom>
+          <a:gradFill flip="none" rotWithShape="1">
+            <a:gsLst>
+              <a:gs pos="0">
+                <a:srgbClr val="00B0F0">
+                  <a:shade val="30000"/>
+                  <a:satMod val="115000"/>
+                </a:srgbClr>
+              </a:gs>
+              <a:gs pos="50000">
+                <a:srgbClr val="00B0F0">
+                  <a:shade val="67500"/>
+                  <a:satMod val="115000"/>
+                </a:srgbClr>
+              </a:gs>
+              <a:gs pos="100000">
+                <a:srgbClr val="00B0F0">
+                  <a:shade val="100000"/>
+                  <a:satMod val="115000"/>
+                </a:srgbClr>
+              </a:gs>
+            </a:gsLst>
+            <a:path path="circle">
+              <a:fillToRect t="100000" r="100000"/>
+            </a:path>
+            <a:tileRect l="-100000" b="-100000"/>
+          </a:gradFill>
+        </p:spPr>
+        <p:txBody>
+          <a:bodyPr vert="horz" lIns="91440" tIns="45720" rIns="91440" bIns="45720" rtlCol="0" anchor="ctr">
+            <a:normAutofit fontScale="77500" lnSpcReduction="20000"/>
+          </a:bodyPr>
+          <a:lstStyle/>
+          <a:p>
+            <a:pPr lvl="0">
+              <a:spcBef>
+                <a:spcPct val="0"/>
+              </a:spcBef>
+            </a:pPr>
+            <a:r>
+              <a:rPr lang="en-US" sz="1600" dirty="0">
+                <a:hlinkClick r:id="rId2"/>
+              </a:rPr>
+              <a:t>https://www.udemy.com/course/data-science-and-machine-learning-with-python-hands-on/learn/lecture/15090192#overview</a:t>
+            </a:r>
+            <a:endParaRPr kumimoji="0" lang="zh-TW" altLang="en-US" sz="1600" b="0" i="0" u="none" strike="noStrike" kern="1200" cap="none" spc="0" normalizeH="0" baseline="0" noProof="0" dirty="0">
+              <a:ln>
+                <a:noFill/>
+              </a:ln>
+              <a:solidFill>
+                <a:schemeClr val="tx1"/>
+              </a:solidFill>
+              <a:effectLst/>
+              <a:uLnTx/>
+              <a:uFillTx/>
+              <a:latin typeface="+mj-lt"/>
+              <a:ea typeface="+mj-ea"/>
+              <a:cs typeface="+mj-cs"/>
+            </a:endParaRPr>
+          </a:p>
+        </p:txBody>
+      </p:sp>
+      <p:sp>
+        <p:nvSpPr>
+          <p:cNvPr id="5" name="日期版面配置區 4"/>
+          <p:cNvSpPr>
+            <a:spLocks noGrp="1"/>
+          </p:cNvSpPr>
+          <p:nvPr>
+            <p:ph type="dt" sz="half" idx="10"/>
+          </p:nvPr>
+        </p:nvSpPr>
+        <p:spPr>
+          <a:xfrm>
+            <a:off x="457200" y="6343695"/>
+            <a:ext cx="2133600" cy="365125"/>
+          </a:xfrm>
+        </p:spPr>
+        <p:txBody>
+          <a:bodyPr/>
+          <a:lstStyle/>
+          <a:p>
+            <a:fld id="{A4F910E6-8D00-4BAF-8C48-9688E0B449D3}" type="datetime1">
+              <a:rPr lang="zh-TW" altLang="en-US" smtClean="0"/>
+              <a:pPr/>
+              <a:t>2020/8/27</a:t>
+            </a:fld>
+            <a:endParaRPr lang="zh-TW" altLang="en-US"/>
+          </a:p>
+        </p:txBody>
+      </p:sp>
+      <p:sp>
+        <p:nvSpPr>
+          <p:cNvPr id="6" name="投影片編號版面配置區 5"/>
+          <p:cNvSpPr>
+            <a:spLocks noGrp="1"/>
+          </p:cNvSpPr>
+          <p:nvPr>
+            <p:ph type="sldNum" sz="quarter" idx="12"/>
+          </p:nvPr>
+        </p:nvSpPr>
+        <p:spPr/>
+        <p:txBody>
+          <a:bodyPr/>
+          <a:lstStyle/>
+          <a:p>
+            <a:fld id="{E4D7E63D-91F2-4366-A2C4-1B00C9E2590E}" type="slidenum">
+              <a:rPr lang="zh-TW" altLang="en-US" smtClean="0"/>
+              <a:pPr/>
+              <a:t>22</a:t>
+            </a:fld>
+            <a:endParaRPr lang="zh-TW" altLang="en-US"/>
+          </a:p>
+        </p:txBody>
+      </p:sp>
+      <p:pic>
+        <p:nvPicPr>
+          <p:cNvPr id="7" name="Picture 6">
+            <a:extLst>
+              <a:ext uri="{FF2B5EF4-FFF2-40B4-BE49-F238E27FC236}">
+                <a16:creationId xmlns:a16="http://schemas.microsoft.com/office/drawing/2014/main" id="{FDA476F1-1313-43FE-99D9-301A757995E5}"/>
+              </a:ext>
+            </a:extLst>
+          </p:cNvPr>
+          <p:cNvPicPr>
+            <a:picLocks noChangeAspect="1"/>
+          </p:cNvPicPr>
+          <p:nvPr/>
+        </p:nvPicPr>
+        <p:blipFill>
+          <a:blip r:embed="rId3"/>
+          <a:stretch>
+            <a:fillRect/>
+          </a:stretch>
+        </p:blipFill>
+        <p:spPr>
+          <a:xfrm>
+            <a:off x="1582757" y="2301470"/>
+            <a:ext cx="4343400" cy="3600450"/>
+          </a:xfrm>
+          <a:prstGeom prst="rect">
+            <a:avLst/>
+          </a:prstGeom>
+          <a:ln>
+            <a:solidFill>
+              <a:srgbClr val="C00000"/>
+            </a:solidFill>
+          </a:ln>
+        </p:spPr>
+      </p:pic>
+    </p:spTree>
+    <p:extLst>
+      <p:ext uri="{BB962C8B-B14F-4D97-AF65-F5344CB8AC3E}">
+        <p14:creationId xmlns:p14="http://schemas.microsoft.com/office/powerpoint/2010/main" val="3474962625"/>
+      </p:ext>
+    </p:extLst>
+  </p:cSld>
+  <p:clrMapOvr>
+    <a:masterClrMapping/>
+  </p:clrMapOvr>
+</p:sld>
+</file>
+
+<file path=ppt/slides/slide23.xml><?xml version="1.0" encoding="utf-8"?>
+<p:sld xmlns:a="http://schemas.openxmlformats.org/drawingml/2006/main" xmlns:r="http://schemas.openxmlformats.org/officeDocument/2006/relationships" xmlns:p="http://schemas.openxmlformats.org/presentationml/2006/main">
+  <p:cSld>
+    <p:spTree>
+      <p:nvGrpSpPr>
+        <p:cNvPr id="1" name=""/>
+        <p:cNvGrpSpPr/>
+        <p:nvPr/>
+      </p:nvGrpSpPr>
+      <p:grpSpPr>
+        <a:xfrm>
+          <a:off x="0" y="0"/>
+          <a:ext cx="0" cy="0"/>
+          <a:chOff x="0" y="0"/>
+          <a:chExt cx="0" cy="0"/>
+        </a:xfrm>
+      </p:grpSpPr>
+      <p:sp>
+        <p:nvSpPr>
+          <p:cNvPr id="2" name="標題 1"/>
+          <p:cNvSpPr>
+            <a:spLocks noGrp="1"/>
+          </p:cNvSpPr>
+          <p:nvPr>
+            <p:ph type="ctrTitle"/>
+          </p:nvPr>
+        </p:nvSpPr>
+        <p:spPr>
+          <a:xfrm>
+            <a:off x="0" y="1"/>
+            <a:ext cx="9144000" cy="764704"/>
+          </a:xfrm>
+          <a:gradFill flip="none" rotWithShape="1">
+            <a:gsLst>
+              <a:gs pos="0">
+                <a:srgbClr val="C00000">
+                  <a:shade val="30000"/>
+                  <a:satMod val="115000"/>
+                </a:srgbClr>
+              </a:gs>
+              <a:gs pos="50000">
+                <a:srgbClr val="C00000">
+                  <a:shade val="67500"/>
+                  <a:satMod val="115000"/>
+                </a:srgbClr>
+              </a:gs>
+              <a:gs pos="100000">
+                <a:srgbClr val="C00000">
+                  <a:shade val="100000"/>
+                  <a:satMod val="115000"/>
+                </a:srgbClr>
+              </a:gs>
+            </a:gsLst>
+            <a:path path="circle">
+              <a:fillToRect t="100000" r="100000"/>
+            </a:path>
+            <a:tileRect l="-100000" b="-100000"/>
+          </a:gradFill>
+        </p:spPr>
+        <p:txBody>
+          <a:bodyPr>
+            <a:normAutofit/>
+          </a:bodyPr>
+          <a:lstStyle/>
+          <a:p>
+            <a:pPr algn="l"/>
+            <a:r>
+              <a:rPr lang="en-US" altLang="zh-TW" sz="4400" b="1" dirty="0">
+                <a:solidFill>
+                  <a:srgbClr val="FFFF00"/>
+                </a:solidFill>
+              </a:rPr>
+              <a:t>40.6 Random Forest</a:t>
+            </a:r>
+            <a:endParaRPr lang="zh-TW" altLang="en-US" b="1" dirty="0">
+              <a:solidFill>
+                <a:srgbClr val="FFFF00"/>
+              </a:solidFill>
+            </a:endParaRPr>
+          </a:p>
+        </p:txBody>
+      </p:sp>
+      <p:sp>
+        <p:nvSpPr>
+          <p:cNvPr id="3" name="副標題 2"/>
+          <p:cNvSpPr>
+            <a:spLocks noGrp="1"/>
+          </p:cNvSpPr>
+          <p:nvPr>
+            <p:ph type="subTitle" idx="1"/>
+          </p:nvPr>
+        </p:nvSpPr>
+        <p:spPr>
+          <a:xfrm>
+            <a:off x="457199" y="1268761"/>
+            <a:ext cx="8419457" cy="954411"/>
+          </a:xfrm>
+          <a:ln>
+            <a:solidFill>
+              <a:srgbClr val="C00000"/>
+            </a:solidFill>
+          </a:ln>
+        </p:spPr>
+        <p:txBody>
+          <a:bodyPr>
+            <a:noAutofit/>
+          </a:bodyPr>
+          <a:lstStyle/>
+          <a:p>
+            <a:pPr marL="342900" indent="-342900" algn="l">
+              <a:buClr>
+                <a:srgbClr val="0070C0"/>
+              </a:buClr>
+              <a:buSzPct val="80000"/>
+              <a:buFont typeface="Wingdings" pitchFamily="2" charset="2"/>
+              <a:buChar char="u"/>
+            </a:pPr>
+            <a:r>
+              <a:rPr lang="en-US" sz="1800" b="1" dirty="0">
+                <a:solidFill>
+                  <a:schemeClr val="tx1"/>
+                </a:solidFill>
+              </a:rPr>
+              <a:t>Random Forest</a:t>
+            </a:r>
+          </a:p>
+          <a:p>
+            <a:pPr marL="342900" indent="-342900" algn="l">
+              <a:buClr>
+                <a:srgbClr val="0070C0"/>
+              </a:buClr>
+              <a:buSzPct val="80000"/>
+              <a:buFont typeface="Wingdings" pitchFamily="2" charset="2"/>
+              <a:buChar char="u"/>
+            </a:pPr>
+            <a:r>
+              <a:rPr lang="en-US" sz="1800" b="1" dirty="0">
+                <a:solidFill>
+                  <a:schemeClr val="tx1"/>
+                </a:solidFill>
+              </a:rPr>
+              <a:t>We'll use a random forest of 10 decision trees to predict employment of specific candidate profiles:</a:t>
+            </a:r>
+          </a:p>
+        </p:txBody>
+      </p:sp>
+      <p:sp>
+        <p:nvSpPr>
+          <p:cNvPr id="4" name="標題 1"/>
+          <p:cNvSpPr txBox="1">
+            <a:spLocks/>
+          </p:cNvSpPr>
+          <p:nvPr/>
+        </p:nvSpPr>
+        <p:spPr>
+          <a:xfrm>
+            <a:off x="0" y="764704"/>
+            <a:ext cx="9144000" cy="360040"/>
+          </a:xfrm>
+          <a:prstGeom prst="rect">
+            <a:avLst/>
+          </a:prstGeom>
+          <a:gradFill flip="none" rotWithShape="1">
+            <a:gsLst>
+              <a:gs pos="0">
+                <a:srgbClr val="00B0F0">
+                  <a:shade val="30000"/>
+                  <a:satMod val="115000"/>
+                </a:srgbClr>
+              </a:gs>
+              <a:gs pos="50000">
+                <a:srgbClr val="00B0F0">
+                  <a:shade val="67500"/>
+                  <a:satMod val="115000"/>
+                </a:srgbClr>
+              </a:gs>
+              <a:gs pos="100000">
+                <a:srgbClr val="00B0F0">
+                  <a:shade val="100000"/>
+                  <a:satMod val="115000"/>
+                </a:srgbClr>
+              </a:gs>
+            </a:gsLst>
+            <a:path path="circle">
+              <a:fillToRect t="100000" r="100000"/>
+            </a:path>
+            <a:tileRect l="-100000" b="-100000"/>
+          </a:gradFill>
+        </p:spPr>
+        <p:txBody>
+          <a:bodyPr vert="horz" lIns="91440" tIns="45720" rIns="91440" bIns="45720" rtlCol="0" anchor="ctr">
+            <a:normAutofit fontScale="77500" lnSpcReduction="20000"/>
+          </a:bodyPr>
+          <a:lstStyle/>
+          <a:p>
+            <a:pPr lvl="0">
+              <a:spcBef>
+                <a:spcPct val="0"/>
+              </a:spcBef>
+            </a:pPr>
+            <a:r>
+              <a:rPr lang="en-US" sz="1600" dirty="0">
+                <a:hlinkClick r:id="rId2"/>
+              </a:rPr>
+              <a:t>https://www.udemy.com/course/data-science-and-machine-learning-with-python-hands-on/learn/lecture/15090192#overview</a:t>
+            </a:r>
+            <a:endParaRPr kumimoji="0" lang="zh-TW" altLang="en-US" sz="1600" b="0" i="0" u="none" strike="noStrike" kern="1200" cap="none" spc="0" normalizeH="0" baseline="0" noProof="0" dirty="0">
+              <a:ln>
+                <a:noFill/>
+              </a:ln>
+              <a:solidFill>
+                <a:schemeClr val="tx1"/>
+              </a:solidFill>
+              <a:effectLst/>
+              <a:uLnTx/>
+              <a:uFillTx/>
+              <a:latin typeface="+mj-lt"/>
+              <a:ea typeface="+mj-ea"/>
+              <a:cs typeface="+mj-cs"/>
+            </a:endParaRPr>
+          </a:p>
+        </p:txBody>
+      </p:sp>
+      <p:sp>
+        <p:nvSpPr>
+          <p:cNvPr id="5" name="日期版面配置區 4"/>
+          <p:cNvSpPr>
+            <a:spLocks noGrp="1"/>
+          </p:cNvSpPr>
+          <p:nvPr>
+            <p:ph type="dt" sz="half" idx="10"/>
+          </p:nvPr>
+        </p:nvSpPr>
+        <p:spPr>
+          <a:xfrm>
+            <a:off x="457200" y="6343695"/>
+            <a:ext cx="2133600" cy="365125"/>
+          </a:xfrm>
+        </p:spPr>
+        <p:txBody>
+          <a:bodyPr/>
+          <a:lstStyle/>
+          <a:p>
+            <a:fld id="{A4F910E6-8D00-4BAF-8C48-9688E0B449D3}" type="datetime1">
+              <a:rPr lang="zh-TW" altLang="en-US" smtClean="0"/>
+              <a:pPr/>
+              <a:t>2020/8/27</a:t>
+            </a:fld>
+            <a:endParaRPr lang="zh-TW" altLang="en-US"/>
+          </a:p>
+        </p:txBody>
+      </p:sp>
+      <p:sp>
+        <p:nvSpPr>
+          <p:cNvPr id="6" name="投影片編號版面配置區 5"/>
+          <p:cNvSpPr>
+            <a:spLocks noGrp="1"/>
+          </p:cNvSpPr>
+          <p:nvPr>
+            <p:ph type="sldNum" sz="quarter" idx="12"/>
+          </p:nvPr>
+        </p:nvSpPr>
+        <p:spPr/>
+        <p:txBody>
+          <a:bodyPr/>
+          <a:lstStyle/>
+          <a:p>
+            <a:fld id="{E4D7E63D-91F2-4366-A2C4-1B00C9E2590E}" type="slidenum">
+              <a:rPr lang="zh-TW" altLang="en-US" smtClean="0"/>
+              <a:pPr/>
+              <a:t>23</a:t>
+            </a:fld>
+            <a:endParaRPr lang="zh-TW" altLang="en-US"/>
+          </a:p>
+        </p:txBody>
+      </p:sp>
+      <p:pic>
+        <p:nvPicPr>
+          <p:cNvPr id="9" name="Picture 8">
+            <a:extLst>
+              <a:ext uri="{FF2B5EF4-FFF2-40B4-BE49-F238E27FC236}">
+                <a16:creationId xmlns:a16="http://schemas.microsoft.com/office/drawing/2014/main" id="{6A168E35-B443-4C2E-89C4-2B55D0E63C1C}"/>
+              </a:ext>
+            </a:extLst>
+          </p:cNvPr>
+          <p:cNvPicPr>
+            <a:picLocks noChangeAspect="1"/>
+          </p:cNvPicPr>
+          <p:nvPr/>
+        </p:nvPicPr>
+        <p:blipFill>
+          <a:blip r:embed="rId3"/>
+          <a:stretch>
+            <a:fillRect/>
+          </a:stretch>
+        </p:blipFill>
+        <p:spPr>
+          <a:xfrm>
+            <a:off x="1227284" y="2373828"/>
+            <a:ext cx="6689431" cy="2694037"/>
+          </a:xfrm>
+          <a:prstGeom prst="rect">
+            <a:avLst/>
+          </a:prstGeom>
+          <a:ln>
+            <a:solidFill>
+              <a:srgbClr val="C00000"/>
+            </a:solidFill>
+          </a:ln>
+        </p:spPr>
+      </p:pic>
+      <p:sp>
+        <p:nvSpPr>
+          <p:cNvPr id="8" name="Rectangle 7">
+            <a:extLst>
+              <a:ext uri="{FF2B5EF4-FFF2-40B4-BE49-F238E27FC236}">
+                <a16:creationId xmlns:a16="http://schemas.microsoft.com/office/drawing/2014/main" id="{88059A21-7929-4012-8901-31FEBA7B147C}"/>
+              </a:ext>
+            </a:extLst>
+          </p:cNvPr>
+          <p:cNvSpPr/>
+          <p:nvPr/>
+        </p:nvSpPr>
+        <p:spPr>
+          <a:xfrm>
+            <a:off x="1187624" y="2387201"/>
+            <a:ext cx="6768752" cy="365125"/>
+          </a:xfrm>
+          <a:prstGeom prst="rect">
+            <a:avLst/>
+          </a:prstGeom>
+          <a:noFill/>
+          <a:ln>
+            <a:solidFill>
+              <a:srgbClr val="C00000"/>
+            </a:solidFill>
+          </a:ln>
+        </p:spPr>
+        <p:style>
+          <a:lnRef idx="2">
+            <a:schemeClr val="accent1">
+              <a:shade val="50000"/>
+            </a:schemeClr>
+          </a:lnRef>
+          <a:fillRef idx="1">
+            <a:schemeClr val="accent1"/>
+          </a:fillRef>
+          <a:effectRef idx="0">
+            <a:schemeClr val="accent1"/>
+          </a:effectRef>
+          <a:fontRef idx="minor">
+            <a:schemeClr val="lt1"/>
+          </a:fontRef>
+        </p:style>
+        <p:txBody>
+          <a:bodyPr rtlCol="0" anchor="ctr"/>
+          <a:lstStyle/>
+          <a:p>
+            <a:pPr algn="ctr"/>
+            <a:endParaRPr lang="en-US"/>
+          </a:p>
+        </p:txBody>
+      </p:sp>
+      <p:sp>
+        <p:nvSpPr>
+          <p:cNvPr id="11" name="Rectangle 10">
+            <a:extLst>
+              <a:ext uri="{FF2B5EF4-FFF2-40B4-BE49-F238E27FC236}">
+                <a16:creationId xmlns:a16="http://schemas.microsoft.com/office/drawing/2014/main" id="{A83F1523-1FB5-44AE-87D6-177A955C8602}"/>
+              </a:ext>
+            </a:extLst>
+          </p:cNvPr>
+          <p:cNvSpPr/>
+          <p:nvPr/>
+        </p:nvSpPr>
+        <p:spPr>
+          <a:xfrm>
+            <a:off x="1243994" y="4123982"/>
+            <a:ext cx="2175878" cy="529154"/>
+          </a:xfrm>
+          <a:prstGeom prst="rect">
+            <a:avLst/>
+          </a:prstGeom>
+          <a:noFill/>
+          <a:ln>
+            <a:solidFill>
+              <a:srgbClr val="C00000"/>
+            </a:solidFill>
+          </a:ln>
+        </p:spPr>
+        <p:style>
+          <a:lnRef idx="2">
+            <a:schemeClr val="accent1">
+              <a:shade val="50000"/>
+            </a:schemeClr>
+          </a:lnRef>
+          <a:fillRef idx="1">
+            <a:schemeClr val="accent1"/>
+          </a:fillRef>
+          <a:effectRef idx="0">
+            <a:schemeClr val="accent1"/>
+          </a:effectRef>
+          <a:fontRef idx="minor">
+            <a:schemeClr val="lt1"/>
+          </a:fontRef>
+        </p:style>
+        <p:txBody>
+          <a:bodyPr rtlCol="0" anchor="ctr"/>
+          <a:lstStyle/>
+          <a:p>
+            <a:pPr algn="ctr"/>
+            <a:endParaRPr lang="en-US"/>
+          </a:p>
+        </p:txBody>
+      </p:sp>
+      <p:cxnSp>
+        <p:nvCxnSpPr>
+          <p:cNvPr id="13" name="Straight Arrow Connector 12">
+            <a:extLst>
+              <a:ext uri="{FF2B5EF4-FFF2-40B4-BE49-F238E27FC236}">
+                <a16:creationId xmlns:a16="http://schemas.microsoft.com/office/drawing/2014/main" id="{8643A573-15D1-4086-90AB-99531D8DEE0F}"/>
+              </a:ext>
+            </a:extLst>
+          </p:cNvPr>
+          <p:cNvCxnSpPr>
+            <a:cxnSpLocks/>
+            <a:stCxn id="8" idx="2"/>
+            <a:endCxn id="11" idx="0"/>
+          </p:cNvCxnSpPr>
+          <p:nvPr/>
+        </p:nvCxnSpPr>
+        <p:spPr>
+          <a:xfrm flipH="1">
+            <a:off x="2331933" y="2752326"/>
+            <a:ext cx="2240067" cy="1371656"/>
+          </a:xfrm>
+          <a:prstGeom prst="straightConnector1">
+            <a:avLst/>
+          </a:prstGeom>
+          <a:ln>
+            <a:tailEnd type="triangle"/>
+          </a:ln>
+        </p:spPr>
+        <p:style>
+          <a:lnRef idx="1">
+            <a:schemeClr val="accent2"/>
+          </a:lnRef>
+          <a:fillRef idx="0">
+            <a:schemeClr val="accent2"/>
+          </a:fillRef>
+          <a:effectRef idx="0">
+            <a:schemeClr val="accent2"/>
+          </a:effectRef>
+          <a:fontRef idx="minor">
+            <a:schemeClr val="tx1"/>
+          </a:fontRef>
+        </p:style>
+      </p:cxnSp>
+    </p:spTree>
+    <p:extLst>
+      <p:ext uri="{BB962C8B-B14F-4D97-AF65-F5344CB8AC3E}">
+        <p14:creationId xmlns:p14="http://schemas.microsoft.com/office/powerpoint/2010/main" val="3350894191"/>
+      </p:ext>
+    </p:extLst>
+  </p:cSld>
+  <p:clrMapOvr>
+    <a:masterClrMapping/>
+  </p:clrMapOvr>
+</p:sld>
+</file>
+
+<file path=ppt/slides/slide24.xml><?xml version="1.0" encoding="utf-8"?>
+<p:sld xmlns:a="http://schemas.openxmlformats.org/drawingml/2006/main" xmlns:r="http://schemas.openxmlformats.org/officeDocument/2006/relationships" xmlns:p="http://schemas.openxmlformats.org/presentationml/2006/main">
+  <p:cSld>
+    <p:spTree>
+      <p:nvGrpSpPr>
+        <p:cNvPr id="1" name=""/>
+        <p:cNvGrpSpPr/>
+        <p:nvPr/>
+      </p:nvGrpSpPr>
+      <p:grpSpPr>
+        <a:xfrm>
+          <a:off x="0" y="0"/>
+          <a:ext cx="0" cy="0"/>
+          <a:chOff x="0" y="0"/>
+          <a:chExt cx="0" cy="0"/>
+        </a:xfrm>
+      </p:grpSpPr>
+      <p:sp>
+        <p:nvSpPr>
+          <p:cNvPr id="2" name="標題 1"/>
+          <p:cNvSpPr>
+            <a:spLocks noGrp="1"/>
+          </p:cNvSpPr>
+          <p:nvPr>
+            <p:ph type="ctrTitle"/>
+          </p:nvPr>
+        </p:nvSpPr>
+        <p:spPr>
+          <a:xfrm>
+            <a:off x="0" y="2130425"/>
+            <a:ext cx="9144000" cy="1470025"/>
+          </a:xfrm>
+          <a:solidFill>
+            <a:srgbClr val="00B0F0"/>
+          </a:solidFill>
+        </p:spPr>
+        <p:txBody>
+          <a:bodyPr>
+            <a:normAutofit/>
+          </a:bodyPr>
+          <a:lstStyle/>
+          <a:p>
+            <a:r>
+              <a:rPr lang="en-US" altLang="zh-TW" sz="4800" b="1" dirty="0">
+                <a:solidFill>
+                  <a:srgbClr val="FFFF00"/>
+                </a:solidFill>
+              </a:rPr>
+              <a:t>40.7 Exercise</a:t>
+            </a:r>
+            <a:endParaRPr lang="zh-TW" altLang="en-US" sz="4800" b="1" dirty="0">
+              <a:solidFill>
+                <a:srgbClr val="FFFF00"/>
+              </a:solidFill>
+            </a:endParaRPr>
+          </a:p>
+        </p:txBody>
+      </p:sp>
+      <p:sp>
+        <p:nvSpPr>
+          <p:cNvPr id="5" name="日期版面配置區 4"/>
+          <p:cNvSpPr>
+            <a:spLocks noGrp="1"/>
+          </p:cNvSpPr>
+          <p:nvPr>
+            <p:ph type="dt" sz="half" idx="10"/>
+          </p:nvPr>
+        </p:nvSpPr>
+        <p:spPr/>
+        <p:txBody>
+          <a:bodyPr/>
+          <a:lstStyle/>
+          <a:p>
+            <a:fld id="{C389EDC9-19E3-47AC-9C57-C6A24DEA81AD}" type="datetime1">
+              <a:rPr lang="zh-TW" altLang="en-US" smtClean="0"/>
+              <a:pPr/>
+              <a:t>2020/8/27</a:t>
+            </a:fld>
+            <a:endParaRPr lang="zh-TW" altLang="en-US"/>
+          </a:p>
+        </p:txBody>
+      </p:sp>
+      <p:sp>
+        <p:nvSpPr>
+          <p:cNvPr id="6" name="投影片編號版面配置區 5"/>
+          <p:cNvSpPr>
+            <a:spLocks noGrp="1"/>
+          </p:cNvSpPr>
+          <p:nvPr>
+            <p:ph type="sldNum" sz="quarter" idx="12"/>
+          </p:nvPr>
+        </p:nvSpPr>
+        <p:spPr/>
+        <p:txBody>
+          <a:bodyPr/>
+          <a:lstStyle/>
+          <a:p>
+            <a:fld id="{E4D7E63D-91F2-4366-A2C4-1B00C9E2590E}" type="slidenum">
+              <a:rPr lang="zh-TW" altLang="en-US" smtClean="0"/>
+              <a:pPr/>
+              <a:t>24</a:t>
+            </a:fld>
+            <a:endParaRPr lang="zh-TW" altLang="en-US"/>
+          </a:p>
+        </p:txBody>
+      </p:sp>
+      <p:pic>
+        <p:nvPicPr>
+          <p:cNvPr id="7" name="Picture 6">
+            <a:extLst>
+              <a:ext uri="{FF2B5EF4-FFF2-40B4-BE49-F238E27FC236}">
+                <a16:creationId xmlns:a16="http://schemas.microsoft.com/office/drawing/2014/main" id="{1BE488C5-DA27-405E-9F7E-A4EF5DF95762}"/>
+              </a:ext>
+            </a:extLst>
+          </p:cNvPr>
+          <p:cNvPicPr>
+            <a:picLocks noChangeAspect="1"/>
+          </p:cNvPicPr>
+          <p:nvPr/>
+        </p:nvPicPr>
+        <p:blipFill>
+          <a:blip r:embed="rId2"/>
+          <a:stretch>
+            <a:fillRect/>
+          </a:stretch>
+        </p:blipFill>
+        <p:spPr>
+          <a:xfrm>
+            <a:off x="3923928" y="3695964"/>
+            <a:ext cx="1004960" cy="885164"/>
+          </a:xfrm>
+          <a:prstGeom prst="rect">
+            <a:avLst/>
+          </a:prstGeom>
+        </p:spPr>
+      </p:pic>
+    </p:spTree>
+    <p:extLst>
+      <p:ext uri="{BB962C8B-B14F-4D97-AF65-F5344CB8AC3E}">
+        <p14:creationId xmlns:p14="http://schemas.microsoft.com/office/powerpoint/2010/main" val="1372186385"/>
+      </p:ext>
+    </p:extLst>
+  </p:cSld>
+  <p:clrMapOvr>
+    <a:masterClrMapping/>
+  </p:clrMapOvr>
+</p:sld>
+</file>
+
+<file path=ppt/slides/slide25.xml><?xml version="1.0" encoding="utf-8"?>
+<p:sld xmlns:a="http://schemas.openxmlformats.org/drawingml/2006/main" xmlns:r="http://schemas.openxmlformats.org/officeDocument/2006/relationships" xmlns:p="http://schemas.openxmlformats.org/presentationml/2006/main">
+  <p:cSld>
+    <p:spTree>
+      <p:nvGrpSpPr>
+        <p:cNvPr id="1" name=""/>
+        <p:cNvGrpSpPr/>
+        <p:nvPr/>
+      </p:nvGrpSpPr>
+      <p:grpSpPr>
+        <a:xfrm>
+          <a:off x="0" y="0"/>
+          <a:ext cx="0" cy="0"/>
+          <a:chOff x="0" y="0"/>
+          <a:chExt cx="0" cy="0"/>
+        </a:xfrm>
+      </p:grpSpPr>
+      <p:sp>
+        <p:nvSpPr>
+          <p:cNvPr id="2" name="標題 1"/>
+          <p:cNvSpPr>
+            <a:spLocks noGrp="1"/>
+          </p:cNvSpPr>
+          <p:nvPr>
+            <p:ph type="ctrTitle"/>
+          </p:nvPr>
+        </p:nvSpPr>
+        <p:spPr>
+          <a:xfrm>
+            <a:off x="-32254" y="8057"/>
+            <a:ext cx="9144000" cy="764704"/>
+          </a:xfrm>
+          <a:gradFill flip="none" rotWithShape="1">
+            <a:gsLst>
+              <a:gs pos="0">
+                <a:srgbClr val="C00000">
+                  <a:shade val="30000"/>
+                  <a:satMod val="115000"/>
+                </a:srgbClr>
+              </a:gs>
+              <a:gs pos="50000">
+                <a:srgbClr val="C00000">
+                  <a:shade val="67500"/>
+                  <a:satMod val="115000"/>
+                </a:srgbClr>
+              </a:gs>
+              <a:gs pos="100000">
+                <a:srgbClr val="C00000">
+                  <a:shade val="100000"/>
+                  <a:satMod val="115000"/>
+                </a:srgbClr>
+              </a:gs>
+            </a:gsLst>
+            <a:path path="circle">
+              <a:fillToRect t="100000" r="100000"/>
+            </a:path>
+            <a:tileRect l="-100000" b="-100000"/>
+          </a:gradFill>
+        </p:spPr>
+        <p:txBody>
+          <a:bodyPr>
+            <a:normAutofit/>
+          </a:bodyPr>
+          <a:lstStyle/>
+          <a:p>
+            <a:pPr algn="l"/>
+            <a:r>
+              <a:rPr lang="en-US" altLang="zh-TW" sz="4400" b="1" dirty="0">
+                <a:solidFill>
+                  <a:srgbClr val="FFFF00"/>
+                </a:solidFill>
+              </a:rPr>
+              <a:t>40.7 Exercise</a:t>
+            </a:r>
+            <a:endParaRPr lang="zh-TW" altLang="en-US" b="1" dirty="0">
+              <a:solidFill>
+                <a:srgbClr val="FFFF00"/>
+              </a:solidFill>
+            </a:endParaRPr>
+          </a:p>
+        </p:txBody>
+      </p:sp>
+      <p:sp>
+        <p:nvSpPr>
+          <p:cNvPr id="3" name="副標題 2"/>
+          <p:cNvSpPr>
+            <a:spLocks noGrp="1"/>
+          </p:cNvSpPr>
+          <p:nvPr>
+            <p:ph type="subTitle" idx="1"/>
+          </p:nvPr>
+        </p:nvSpPr>
+        <p:spPr>
+          <a:xfrm>
+            <a:off x="457199" y="1268761"/>
+            <a:ext cx="8419457" cy="1080120"/>
+          </a:xfrm>
+          <a:ln>
+            <a:solidFill>
+              <a:srgbClr val="C00000"/>
+            </a:solidFill>
+          </a:ln>
+        </p:spPr>
+        <p:txBody>
+          <a:bodyPr>
+            <a:noAutofit/>
+          </a:bodyPr>
+          <a:lstStyle/>
+          <a:p>
+            <a:pPr marL="342900" indent="-342900" algn="l">
+              <a:buClr>
+                <a:srgbClr val="0070C0"/>
+              </a:buClr>
+              <a:buSzPct val="80000"/>
+              <a:buFont typeface="Wingdings" pitchFamily="2" charset="2"/>
+              <a:buChar char="u"/>
+            </a:pPr>
+            <a:r>
+              <a:rPr lang="en-US" sz="1800" b="1" dirty="0">
+                <a:solidFill>
+                  <a:schemeClr val="tx1"/>
+                </a:solidFill>
+              </a:rPr>
+              <a:t>Exercise</a:t>
+            </a:r>
+          </a:p>
+          <a:p>
+            <a:pPr marL="342900" indent="-342900" algn="l">
+              <a:buClr>
+                <a:srgbClr val="0070C0"/>
+              </a:buClr>
+              <a:buSzPct val="80000"/>
+              <a:buFont typeface="Wingdings" pitchFamily="2" charset="2"/>
+              <a:buChar char="u"/>
+            </a:pPr>
+            <a:r>
+              <a:rPr lang="en-US" sz="1800" b="1" dirty="0">
+                <a:solidFill>
+                  <a:schemeClr val="tx1"/>
+                </a:solidFill>
+              </a:rPr>
+              <a:t>Modify the test data: Change Hire to Yes to all rows.</a:t>
+            </a:r>
+          </a:p>
+          <a:p>
+            <a:pPr marL="342900" indent="-342900" algn="l">
+              <a:buClr>
+                <a:srgbClr val="0070C0"/>
+              </a:buClr>
+              <a:buSzPct val="80000"/>
+              <a:buFont typeface="Wingdings" pitchFamily="2" charset="2"/>
+              <a:buChar char="u"/>
+            </a:pPr>
+            <a:r>
+              <a:rPr lang="en-US" sz="1800" b="1" dirty="0">
+                <a:solidFill>
+                  <a:schemeClr val="tx1"/>
+                </a:solidFill>
+              </a:rPr>
+              <a:t>Compare the resulting decision tree to the one from the original data.</a:t>
+            </a:r>
+          </a:p>
+        </p:txBody>
+      </p:sp>
+      <p:sp>
+        <p:nvSpPr>
+          <p:cNvPr id="4" name="標題 1"/>
+          <p:cNvSpPr txBox="1">
+            <a:spLocks/>
+          </p:cNvSpPr>
+          <p:nvPr/>
+        </p:nvSpPr>
+        <p:spPr>
+          <a:xfrm>
+            <a:off x="0" y="764704"/>
+            <a:ext cx="9144000" cy="360040"/>
+          </a:xfrm>
+          <a:prstGeom prst="rect">
+            <a:avLst/>
+          </a:prstGeom>
+          <a:gradFill flip="none" rotWithShape="1">
+            <a:gsLst>
+              <a:gs pos="0">
+                <a:srgbClr val="00B0F0">
+                  <a:shade val="30000"/>
+                  <a:satMod val="115000"/>
+                </a:srgbClr>
+              </a:gs>
+              <a:gs pos="50000">
+                <a:srgbClr val="00B0F0">
+                  <a:shade val="67500"/>
+                  <a:satMod val="115000"/>
+                </a:srgbClr>
+              </a:gs>
+              <a:gs pos="100000">
+                <a:srgbClr val="00B0F0">
+                  <a:shade val="100000"/>
+                  <a:satMod val="115000"/>
+                </a:srgbClr>
+              </a:gs>
+            </a:gsLst>
+            <a:path path="circle">
+              <a:fillToRect t="100000" r="100000"/>
+            </a:path>
+            <a:tileRect l="-100000" b="-100000"/>
+          </a:gradFill>
+        </p:spPr>
+        <p:txBody>
+          <a:bodyPr vert="horz" lIns="91440" tIns="45720" rIns="91440" bIns="45720" rtlCol="0" anchor="ctr">
+            <a:normAutofit fontScale="77500" lnSpcReduction="20000"/>
+          </a:bodyPr>
+          <a:lstStyle/>
+          <a:p>
+            <a:pPr lvl="0">
+              <a:spcBef>
+                <a:spcPct val="0"/>
+              </a:spcBef>
+            </a:pPr>
+            <a:r>
+              <a:rPr lang="en-US" sz="1600" dirty="0">
+                <a:hlinkClick r:id="rId2"/>
+              </a:rPr>
+              <a:t>https://www.udemy.com/course/data-science-and-machine-learning-with-python-hands-on/learn/lecture/15090192#overview</a:t>
+            </a:r>
+            <a:endParaRPr kumimoji="0" lang="zh-TW" altLang="en-US" sz="1600" b="0" i="0" u="none" strike="noStrike" kern="1200" cap="none" spc="0" normalizeH="0" baseline="0" noProof="0" dirty="0">
+              <a:ln>
+                <a:noFill/>
+              </a:ln>
+              <a:solidFill>
+                <a:schemeClr val="tx1"/>
+              </a:solidFill>
+              <a:effectLst/>
+              <a:uLnTx/>
+              <a:uFillTx/>
+              <a:latin typeface="+mj-lt"/>
+              <a:ea typeface="+mj-ea"/>
+              <a:cs typeface="+mj-cs"/>
+            </a:endParaRPr>
+          </a:p>
+        </p:txBody>
+      </p:sp>
+      <p:sp>
+        <p:nvSpPr>
+          <p:cNvPr id="5" name="日期版面配置區 4"/>
+          <p:cNvSpPr>
+            <a:spLocks noGrp="1"/>
+          </p:cNvSpPr>
+          <p:nvPr>
+            <p:ph type="dt" sz="half" idx="10"/>
+          </p:nvPr>
+        </p:nvSpPr>
+        <p:spPr>
+          <a:xfrm>
+            <a:off x="457200" y="6343695"/>
+            <a:ext cx="2133600" cy="365125"/>
+          </a:xfrm>
+        </p:spPr>
+        <p:txBody>
+          <a:bodyPr/>
+          <a:lstStyle/>
+          <a:p>
+            <a:fld id="{A4F910E6-8D00-4BAF-8C48-9688E0B449D3}" type="datetime1">
+              <a:rPr lang="zh-TW" altLang="en-US" smtClean="0"/>
+              <a:pPr/>
+              <a:t>2020/8/27</a:t>
+            </a:fld>
+            <a:endParaRPr lang="zh-TW" altLang="en-US"/>
+          </a:p>
+        </p:txBody>
+      </p:sp>
+      <p:sp>
+        <p:nvSpPr>
+          <p:cNvPr id="6" name="投影片編號版面配置區 5"/>
+          <p:cNvSpPr>
+            <a:spLocks noGrp="1"/>
+          </p:cNvSpPr>
+          <p:nvPr>
+            <p:ph type="sldNum" sz="quarter" idx="12"/>
+          </p:nvPr>
+        </p:nvSpPr>
+        <p:spPr/>
+        <p:txBody>
+          <a:bodyPr/>
+          <a:lstStyle/>
+          <a:p>
+            <a:fld id="{E4D7E63D-91F2-4366-A2C4-1B00C9E2590E}" type="slidenum">
+              <a:rPr lang="zh-TW" altLang="en-US" smtClean="0"/>
+              <a:pPr/>
+              <a:t>25</a:t>
+            </a:fld>
+            <a:endParaRPr lang="zh-TW" altLang="en-US"/>
+          </a:p>
+        </p:txBody>
+      </p:sp>
+      <p:sp>
+        <p:nvSpPr>
+          <p:cNvPr id="11" name="Rectangle 10">
+            <a:extLst>
+              <a:ext uri="{FF2B5EF4-FFF2-40B4-BE49-F238E27FC236}">
+                <a16:creationId xmlns:a16="http://schemas.microsoft.com/office/drawing/2014/main" id="{6C14D533-C8EE-4D5F-9021-F0FAC7B9519C}"/>
+              </a:ext>
+            </a:extLst>
+          </p:cNvPr>
+          <p:cNvSpPr/>
+          <p:nvPr/>
+        </p:nvSpPr>
+        <p:spPr>
+          <a:xfrm>
+            <a:off x="5359574" y="2587605"/>
+            <a:ext cx="3091129" cy="365125"/>
+          </a:xfrm>
+          <a:prstGeom prst="rect">
+            <a:avLst/>
+          </a:prstGeom>
+          <a:ln>
+            <a:solidFill>
+              <a:srgbClr val="C00000"/>
+            </a:solidFill>
+          </a:ln>
+        </p:spPr>
+        <p:style>
+          <a:lnRef idx="2">
+            <a:schemeClr val="accent1">
+              <a:shade val="50000"/>
+            </a:schemeClr>
+          </a:lnRef>
+          <a:fillRef idx="1">
+            <a:schemeClr val="accent1"/>
+          </a:fillRef>
+          <a:effectRef idx="0">
+            <a:schemeClr val="accent1"/>
+          </a:effectRef>
+          <a:fontRef idx="minor">
+            <a:schemeClr val="lt1"/>
+          </a:fontRef>
+        </p:style>
+        <p:txBody>
+          <a:bodyPr rtlCol="0" anchor="ctr"/>
+          <a:lstStyle/>
+          <a:p>
+            <a:pPr algn="ctr"/>
+            <a:r>
+              <a:rPr lang="en-US" dirty="0"/>
+              <a:t>All Hired: Only Root remained</a:t>
+            </a:r>
+          </a:p>
+        </p:txBody>
+      </p:sp>
+      <p:sp>
+        <p:nvSpPr>
+          <p:cNvPr id="13" name="Rectangle 12">
+            <a:extLst>
+              <a:ext uri="{FF2B5EF4-FFF2-40B4-BE49-F238E27FC236}">
+                <a16:creationId xmlns:a16="http://schemas.microsoft.com/office/drawing/2014/main" id="{5449917B-41A4-4E7E-8988-BF51F503E727}"/>
+              </a:ext>
+            </a:extLst>
+          </p:cNvPr>
+          <p:cNvSpPr/>
+          <p:nvPr/>
+        </p:nvSpPr>
+        <p:spPr>
+          <a:xfrm>
+            <a:off x="927863" y="2579609"/>
+            <a:ext cx="2995837" cy="365125"/>
+          </a:xfrm>
+          <a:prstGeom prst="rect">
+            <a:avLst/>
+          </a:prstGeom>
+          <a:ln>
+            <a:solidFill>
+              <a:srgbClr val="C00000"/>
+            </a:solidFill>
+          </a:ln>
+        </p:spPr>
+        <p:style>
+          <a:lnRef idx="2">
+            <a:schemeClr val="accent1">
+              <a:shade val="50000"/>
+            </a:schemeClr>
+          </a:lnRef>
+          <a:fillRef idx="1">
+            <a:schemeClr val="accent1"/>
+          </a:fillRef>
+          <a:effectRef idx="0">
+            <a:schemeClr val="accent1"/>
+          </a:effectRef>
+          <a:fontRef idx="minor">
+            <a:schemeClr val="lt1"/>
+          </a:fontRef>
+        </p:style>
+        <p:txBody>
+          <a:bodyPr rtlCol="0" anchor="ctr"/>
+          <a:lstStyle/>
+          <a:p>
+            <a:pPr algn="ctr"/>
+            <a:r>
+              <a:rPr lang="en-US" dirty="0"/>
+              <a:t>Some Hired, Some not Hired</a:t>
+            </a:r>
+          </a:p>
+        </p:txBody>
+      </p:sp>
+      <p:pic>
+        <p:nvPicPr>
+          <p:cNvPr id="15" name="Picture 14">
+            <a:extLst>
+              <a:ext uri="{FF2B5EF4-FFF2-40B4-BE49-F238E27FC236}">
+                <a16:creationId xmlns:a16="http://schemas.microsoft.com/office/drawing/2014/main" id="{5861784A-232B-4C09-9C70-30FAB7DB292F}"/>
+              </a:ext>
+            </a:extLst>
+          </p:cNvPr>
+          <p:cNvPicPr>
+            <a:picLocks noChangeAspect="1"/>
+          </p:cNvPicPr>
+          <p:nvPr/>
+        </p:nvPicPr>
+        <p:blipFill>
+          <a:blip r:embed="rId3"/>
+          <a:stretch>
+            <a:fillRect/>
+          </a:stretch>
+        </p:blipFill>
+        <p:spPr>
+          <a:xfrm>
+            <a:off x="5359574" y="3108325"/>
+            <a:ext cx="2019300" cy="3248025"/>
+          </a:xfrm>
+          <a:prstGeom prst="rect">
+            <a:avLst/>
+          </a:prstGeom>
+          <a:ln>
+            <a:solidFill>
+              <a:srgbClr val="C00000"/>
+            </a:solidFill>
+          </a:ln>
+        </p:spPr>
+      </p:pic>
+      <p:pic>
+        <p:nvPicPr>
+          <p:cNvPr id="16" name="Picture 15">
+            <a:extLst>
+              <a:ext uri="{FF2B5EF4-FFF2-40B4-BE49-F238E27FC236}">
+                <a16:creationId xmlns:a16="http://schemas.microsoft.com/office/drawing/2014/main" id="{FB3553C2-85D2-403F-AC2D-ED2031672E45}"/>
+              </a:ext>
+            </a:extLst>
+          </p:cNvPr>
+          <p:cNvPicPr>
+            <a:picLocks noChangeAspect="1"/>
+          </p:cNvPicPr>
+          <p:nvPr/>
+        </p:nvPicPr>
+        <p:blipFill>
+          <a:blip r:embed="rId4"/>
+          <a:stretch>
+            <a:fillRect/>
+          </a:stretch>
+        </p:blipFill>
+        <p:spPr>
+          <a:xfrm>
+            <a:off x="1435181" y="3029727"/>
+            <a:ext cx="1981200" cy="3228975"/>
+          </a:xfrm>
+          <a:prstGeom prst="rect">
+            <a:avLst/>
+          </a:prstGeom>
+          <a:ln>
+            <a:solidFill>
+              <a:srgbClr val="C00000"/>
+            </a:solidFill>
+          </a:ln>
+        </p:spPr>
+      </p:pic>
+      <p:sp>
+        <p:nvSpPr>
+          <p:cNvPr id="17" name="Rectangle 16">
+            <a:extLst>
+              <a:ext uri="{FF2B5EF4-FFF2-40B4-BE49-F238E27FC236}">
+                <a16:creationId xmlns:a16="http://schemas.microsoft.com/office/drawing/2014/main" id="{3B92ACD3-2445-4A38-A7FA-549949EC12AF}"/>
+              </a:ext>
+            </a:extLst>
+          </p:cNvPr>
+          <p:cNvSpPr/>
+          <p:nvPr/>
+        </p:nvSpPr>
+        <p:spPr>
+          <a:xfrm>
+            <a:off x="2984587" y="4005063"/>
+            <a:ext cx="363277" cy="805519"/>
+          </a:xfrm>
+          <a:prstGeom prst="rect">
+            <a:avLst/>
+          </a:prstGeom>
+          <a:noFill/>
+          <a:ln>
+            <a:solidFill>
+              <a:srgbClr val="C00000"/>
+            </a:solidFill>
+          </a:ln>
+        </p:spPr>
+        <p:style>
+          <a:lnRef idx="2">
+            <a:schemeClr val="accent1">
+              <a:shade val="50000"/>
+            </a:schemeClr>
+          </a:lnRef>
+          <a:fillRef idx="1">
+            <a:schemeClr val="accent1"/>
+          </a:fillRef>
+          <a:effectRef idx="0">
+            <a:schemeClr val="accent1"/>
+          </a:effectRef>
+          <a:fontRef idx="minor">
+            <a:schemeClr val="lt1"/>
+          </a:fontRef>
+        </p:style>
+        <p:txBody>
+          <a:bodyPr rtlCol="0" anchor="ctr"/>
+          <a:lstStyle/>
+          <a:p>
+            <a:pPr algn="ctr"/>
+            <a:endParaRPr lang="en-US"/>
+          </a:p>
+        </p:txBody>
+      </p:sp>
+      <p:sp>
+        <p:nvSpPr>
+          <p:cNvPr id="19" name="Rectangle 18">
+            <a:extLst>
+              <a:ext uri="{FF2B5EF4-FFF2-40B4-BE49-F238E27FC236}">
+                <a16:creationId xmlns:a16="http://schemas.microsoft.com/office/drawing/2014/main" id="{EBA96F12-15B4-45BC-9C07-2EC16F64CACA}"/>
+              </a:ext>
+            </a:extLst>
+          </p:cNvPr>
+          <p:cNvSpPr/>
+          <p:nvPr/>
+        </p:nvSpPr>
+        <p:spPr>
+          <a:xfrm>
+            <a:off x="6837610" y="4020786"/>
+            <a:ext cx="363277" cy="759444"/>
+          </a:xfrm>
+          <a:prstGeom prst="rect">
+            <a:avLst/>
+          </a:prstGeom>
+          <a:noFill/>
+          <a:ln>
+            <a:solidFill>
+              <a:srgbClr val="C00000"/>
+            </a:solidFill>
+          </a:ln>
+        </p:spPr>
+        <p:style>
+          <a:lnRef idx="2">
+            <a:schemeClr val="accent1">
+              <a:shade val="50000"/>
+            </a:schemeClr>
+          </a:lnRef>
+          <a:fillRef idx="1">
+            <a:schemeClr val="accent1"/>
+          </a:fillRef>
+          <a:effectRef idx="0">
+            <a:schemeClr val="accent1"/>
+          </a:effectRef>
+          <a:fontRef idx="minor">
+            <a:schemeClr val="lt1"/>
+          </a:fontRef>
+        </p:style>
+        <p:txBody>
+          <a:bodyPr rtlCol="0" anchor="ctr"/>
+          <a:lstStyle/>
+          <a:p>
+            <a:pPr algn="ctr"/>
+            <a:endParaRPr lang="en-US"/>
+          </a:p>
+        </p:txBody>
+      </p:sp>
+      <p:sp>
+        <p:nvSpPr>
+          <p:cNvPr id="14" name="Arrow: Left-Right 13">
+            <a:extLst>
+              <a:ext uri="{FF2B5EF4-FFF2-40B4-BE49-F238E27FC236}">
+                <a16:creationId xmlns:a16="http://schemas.microsoft.com/office/drawing/2014/main" id="{CBF072A8-E061-4B81-9B33-A18A69D89819}"/>
+              </a:ext>
+            </a:extLst>
+          </p:cNvPr>
+          <p:cNvSpPr/>
+          <p:nvPr/>
+        </p:nvSpPr>
+        <p:spPr>
+          <a:xfrm>
+            <a:off x="3347864" y="4311475"/>
+            <a:ext cx="3489746" cy="332739"/>
+          </a:xfrm>
+          <a:prstGeom prst="leftRightArrow">
+            <a:avLst/>
+          </a:prstGeom>
+        </p:spPr>
+        <p:style>
+          <a:lnRef idx="2">
+            <a:schemeClr val="accent1">
+              <a:shade val="50000"/>
+            </a:schemeClr>
+          </a:lnRef>
+          <a:fillRef idx="1">
+            <a:schemeClr val="accent1"/>
+          </a:fillRef>
+          <a:effectRef idx="0">
+            <a:schemeClr val="accent1"/>
+          </a:effectRef>
+          <a:fontRef idx="minor">
+            <a:schemeClr val="lt1"/>
+          </a:fontRef>
+        </p:style>
+        <p:txBody>
+          <a:bodyPr rtlCol="0" anchor="ctr"/>
+          <a:lstStyle/>
+          <a:p>
+            <a:pPr algn="ctr"/>
+            <a:endParaRPr lang="en-US"/>
+          </a:p>
+        </p:txBody>
+      </p:sp>
+    </p:spTree>
+    <p:extLst>
+      <p:ext uri="{BB962C8B-B14F-4D97-AF65-F5344CB8AC3E}">
+        <p14:creationId xmlns:p14="http://schemas.microsoft.com/office/powerpoint/2010/main" val="3520083815"/>
+      </p:ext>
+    </p:extLst>
+  </p:cSld>
+  <p:clrMapOvr>
+    <a:masterClrMapping/>
+  </p:clrMapOvr>
+</p:sld>
+</file>
+
+<file path=ppt/slides/slide26.xml><?xml version="1.0" encoding="utf-8"?>
+<p:sld xmlns:a="http://schemas.openxmlformats.org/drawingml/2006/main" xmlns:r="http://schemas.openxmlformats.org/officeDocument/2006/relationships" xmlns:p="http://schemas.openxmlformats.org/presentationml/2006/main">
+  <p:cSld>
+    <p:spTree>
+      <p:nvGrpSpPr>
+        <p:cNvPr id="1" name=""/>
+        <p:cNvGrpSpPr/>
+        <p:nvPr/>
+      </p:nvGrpSpPr>
+      <p:grpSpPr>
+        <a:xfrm>
+          <a:off x="0" y="0"/>
+          <a:ext cx="0" cy="0"/>
+          <a:chOff x="0" y="0"/>
+          <a:chExt cx="0" cy="0"/>
+        </a:xfrm>
+      </p:grpSpPr>
+      <p:sp>
+        <p:nvSpPr>
+          <p:cNvPr id="2" name="標題 1"/>
+          <p:cNvSpPr>
+            <a:spLocks noGrp="1"/>
+          </p:cNvSpPr>
+          <p:nvPr>
+            <p:ph type="ctrTitle"/>
+          </p:nvPr>
+        </p:nvSpPr>
+        <p:spPr>
+          <a:xfrm>
+            <a:off x="-32254" y="8057"/>
+            <a:ext cx="9144000" cy="764704"/>
+          </a:xfrm>
+          <a:gradFill flip="none" rotWithShape="1">
+            <a:gsLst>
+              <a:gs pos="0">
+                <a:srgbClr val="C00000">
+                  <a:shade val="30000"/>
+                  <a:satMod val="115000"/>
+                </a:srgbClr>
+              </a:gs>
+              <a:gs pos="50000">
+                <a:srgbClr val="C00000">
+                  <a:shade val="67500"/>
+                  <a:satMod val="115000"/>
+                </a:srgbClr>
+              </a:gs>
+              <a:gs pos="100000">
+                <a:srgbClr val="C00000">
+                  <a:shade val="100000"/>
+                  <a:satMod val="115000"/>
+                </a:srgbClr>
+              </a:gs>
+            </a:gsLst>
+            <a:path path="circle">
+              <a:fillToRect t="100000" r="100000"/>
+            </a:path>
+            <a:tileRect l="-100000" b="-100000"/>
+          </a:gradFill>
+        </p:spPr>
+        <p:txBody>
+          <a:bodyPr>
+            <a:normAutofit/>
+          </a:bodyPr>
+          <a:lstStyle/>
+          <a:p>
+            <a:pPr algn="l"/>
+            <a:r>
+              <a:rPr lang="en-US" altLang="zh-TW" sz="4400" b="1" dirty="0">
+                <a:solidFill>
+                  <a:srgbClr val="FFFF00"/>
+                </a:solidFill>
+              </a:rPr>
+              <a:t>40.7 Exercise</a:t>
+            </a:r>
+            <a:endParaRPr lang="zh-TW" altLang="en-US" b="1" dirty="0">
+              <a:solidFill>
+                <a:srgbClr val="FFFF00"/>
+              </a:solidFill>
+            </a:endParaRPr>
+          </a:p>
+        </p:txBody>
+      </p:sp>
+      <p:sp>
+        <p:nvSpPr>
+          <p:cNvPr id="3" name="副標題 2"/>
+          <p:cNvSpPr>
+            <a:spLocks noGrp="1"/>
+          </p:cNvSpPr>
+          <p:nvPr>
+            <p:ph type="subTitle" idx="1"/>
+          </p:nvPr>
+        </p:nvSpPr>
+        <p:spPr>
+          <a:xfrm>
+            <a:off x="457199" y="1268761"/>
+            <a:ext cx="8419457" cy="718183"/>
+          </a:xfrm>
+          <a:ln>
+            <a:solidFill>
+              <a:srgbClr val="C00000"/>
+            </a:solidFill>
+          </a:ln>
+        </p:spPr>
+        <p:txBody>
+          <a:bodyPr>
+            <a:noAutofit/>
+          </a:bodyPr>
+          <a:lstStyle/>
+          <a:p>
+            <a:pPr marL="342900" indent="-342900" algn="l">
+              <a:buClr>
+                <a:srgbClr val="0070C0"/>
+              </a:buClr>
+              <a:buSzPct val="80000"/>
+              <a:buFont typeface="Wingdings" pitchFamily="2" charset="2"/>
+              <a:buChar char="u"/>
+            </a:pPr>
+            <a:r>
+              <a:rPr lang="en-US" sz="1800" b="1" dirty="0">
+                <a:solidFill>
+                  <a:schemeClr val="tx1"/>
+                </a:solidFill>
+              </a:rPr>
+              <a:t>Exercise</a:t>
+            </a:r>
+          </a:p>
+          <a:p>
+            <a:pPr marL="342900" indent="-342900" algn="l">
+              <a:buClr>
+                <a:srgbClr val="0070C0"/>
+              </a:buClr>
+              <a:buSzPct val="80000"/>
+              <a:buFont typeface="Wingdings" pitchFamily="2" charset="2"/>
+              <a:buChar char="u"/>
+            </a:pPr>
+            <a:r>
+              <a:rPr lang="en-US" sz="1800" b="1" dirty="0">
+                <a:solidFill>
+                  <a:schemeClr val="tx1"/>
+                </a:solidFill>
+              </a:rPr>
+              <a:t>Result.</a:t>
+            </a:r>
+          </a:p>
+        </p:txBody>
+      </p:sp>
+      <p:sp>
+        <p:nvSpPr>
+          <p:cNvPr id="4" name="標題 1"/>
+          <p:cNvSpPr txBox="1">
+            <a:spLocks/>
+          </p:cNvSpPr>
+          <p:nvPr/>
+        </p:nvSpPr>
+        <p:spPr>
+          <a:xfrm>
+            <a:off x="0" y="764704"/>
+            <a:ext cx="9144000" cy="360040"/>
+          </a:xfrm>
+          <a:prstGeom prst="rect">
+            <a:avLst/>
+          </a:prstGeom>
+          <a:gradFill flip="none" rotWithShape="1">
+            <a:gsLst>
+              <a:gs pos="0">
+                <a:srgbClr val="00B0F0">
+                  <a:shade val="30000"/>
+                  <a:satMod val="115000"/>
+                </a:srgbClr>
+              </a:gs>
+              <a:gs pos="50000">
+                <a:srgbClr val="00B0F0">
+                  <a:shade val="67500"/>
+                  <a:satMod val="115000"/>
+                </a:srgbClr>
+              </a:gs>
+              <a:gs pos="100000">
+                <a:srgbClr val="00B0F0">
+                  <a:shade val="100000"/>
+                  <a:satMod val="115000"/>
+                </a:srgbClr>
+              </a:gs>
+            </a:gsLst>
+            <a:path path="circle">
+              <a:fillToRect t="100000" r="100000"/>
+            </a:path>
+            <a:tileRect l="-100000" b="-100000"/>
+          </a:gradFill>
+        </p:spPr>
+        <p:txBody>
+          <a:bodyPr vert="horz" lIns="91440" tIns="45720" rIns="91440" bIns="45720" rtlCol="0" anchor="ctr">
+            <a:normAutofit fontScale="77500" lnSpcReduction="20000"/>
+          </a:bodyPr>
+          <a:lstStyle/>
+          <a:p>
+            <a:pPr lvl="0">
+              <a:spcBef>
+                <a:spcPct val="0"/>
+              </a:spcBef>
+            </a:pPr>
+            <a:r>
+              <a:rPr lang="en-US" sz="1600" dirty="0">
+                <a:hlinkClick r:id="rId2"/>
+              </a:rPr>
+              <a:t>https://www.udemy.com/course/data-science-and-machine-learning-with-python-hands-on/learn/lecture/15090192#overview</a:t>
+            </a:r>
+            <a:endParaRPr kumimoji="0" lang="zh-TW" altLang="en-US" sz="1600" b="0" i="0" u="none" strike="noStrike" kern="1200" cap="none" spc="0" normalizeH="0" baseline="0" noProof="0" dirty="0">
+              <a:ln>
+                <a:noFill/>
+              </a:ln>
+              <a:solidFill>
+                <a:schemeClr val="tx1"/>
+              </a:solidFill>
+              <a:effectLst/>
+              <a:uLnTx/>
+              <a:uFillTx/>
+              <a:latin typeface="+mj-lt"/>
+              <a:ea typeface="+mj-ea"/>
+              <a:cs typeface="+mj-cs"/>
+            </a:endParaRPr>
+          </a:p>
+        </p:txBody>
+      </p:sp>
+      <p:sp>
+        <p:nvSpPr>
+          <p:cNvPr id="5" name="日期版面配置區 4"/>
+          <p:cNvSpPr>
+            <a:spLocks noGrp="1"/>
+          </p:cNvSpPr>
+          <p:nvPr>
+            <p:ph type="dt" sz="half" idx="10"/>
+          </p:nvPr>
+        </p:nvSpPr>
+        <p:spPr>
+          <a:xfrm>
+            <a:off x="457200" y="6343695"/>
+            <a:ext cx="2133600" cy="365125"/>
+          </a:xfrm>
+        </p:spPr>
+        <p:txBody>
+          <a:bodyPr/>
+          <a:lstStyle/>
+          <a:p>
+            <a:fld id="{A4F910E6-8D00-4BAF-8C48-9688E0B449D3}" type="datetime1">
+              <a:rPr lang="zh-TW" altLang="en-US" smtClean="0"/>
+              <a:pPr/>
+              <a:t>2020/8/27</a:t>
+            </a:fld>
+            <a:endParaRPr lang="zh-TW" altLang="en-US"/>
+          </a:p>
+        </p:txBody>
+      </p:sp>
+      <p:sp>
+        <p:nvSpPr>
+          <p:cNvPr id="6" name="投影片編號版面配置區 5"/>
+          <p:cNvSpPr>
+            <a:spLocks noGrp="1"/>
+          </p:cNvSpPr>
+          <p:nvPr>
+            <p:ph type="sldNum" sz="quarter" idx="12"/>
+          </p:nvPr>
+        </p:nvSpPr>
+        <p:spPr/>
+        <p:txBody>
+          <a:bodyPr/>
+          <a:lstStyle/>
+          <a:p>
+            <a:fld id="{E4D7E63D-91F2-4366-A2C4-1B00C9E2590E}" type="slidenum">
+              <a:rPr lang="zh-TW" altLang="en-US" smtClean="0"/>
+              <a:pPr/>
+              <a:t>26</a:t>
+            </a:fld>
+            <a:endParaRPr lang="zh-TW" altLang="en-US"/>
+          </a:p>
+        </p:txBody>
+      </p:sp>
+      <p:pic>
+        <p:nvPicPr>
+          <p:cNvPr id="8" name="Picture 7">
+            <a:extLst>
+              <a:ext uri="{FF2B5EF4-FFF2-40B4-BE49-F238E27FC236}">
+                <a16:creationId xmlns:a16="http://schemas.microsoft.com/office/drawing/2014/main" id="{6F5A77F2-0A94-44E3-BAFB-62A05E7921F7}"/>
+              </a:ext>
+            </a:extLst>
+          </p:cNvPr>
+          <p:cNvPicPr>
+            <a:picLocks noChangeAspect="1"/>
+          </p:cNvPicPr>
+          <p:nvPr/>
+        </p:nvPicPr>
+        <p:blipFill>
+          <a:blip r:embed="rId3"/>
+          <a:stretch>
+            <a:fillRect/>
+          </a:stretch>
+        </p:blipFill>
+        <p:spPr>
+          <a:xfrm>
+            <a:off x="5359574" y="3191454"/>
+            <a:ext cx="3236747" cy="2302696"/>
+          </a:xfrm>
+          <a:prstGeom prst="rect">
+            <a:avLst/>
+          </a:prstGeom>
+          <a:ln>
+            <a:solidFill>
+              <a:srgbClr val="C00000"/>
+            </a:solidFill>
+          </a:ln>
+        </p:spPr>
+      </p:pic>
+      <p:pic>
+        <p:nvPicPr>
+          <p:cNvPr id="10" name="Picture 9">
+            <a:extLst>
+              <a:ext uri="{FF2B5EF4-FFF2-40B4-BE49-F238E27FC236}">
+                <a16:creationId xmlns:a16="http://schemas.microsoft.com/office/drawing/2014/main" id="{DB87F54E-79D9-4DBE-8ADD-376EA015D201}"/>
+              </a:ext>
+            </a:extLst>
+          </p:cNvPr>
+          <p:cNvPicPr>
+            <a:picLocks noChangeAspect="1"/>
+          </p:cNvPicPr>
+          <p:nvPr/>
+        </p:nvPicPr>
+        <p:blipFill>
+          <a:blip r:embed="rId4"/>
+          <a:stretch>
+            <a:fillRect/>
+          </a:stretch>
+        </p:blipFill>
+        <p:spPr>
+          <a:xfrm>
+            <a:off x="971600" y="3027647"/>
+            <a:ext cx="2995837" cy="3172662"/>
+          </a:xfrm>
+          <a:prstGeom prst="rect">
+            <a:avLst/>
+          </a:prstGeom>
+          <a:ln>
+            <a:solidFill>
+              <a:srgbClr val="C00000"/>
+            </a:solidFill>
+          </a:ln>
+        </p:spPr>
+      </p:pic>
+      <p:sp>
+        <p:nvSpPr>
+          <p:cNvPr id="11" name="Rectangle 10">
+            <a:extLst>
+              <a:ext uri="{FF2B5EF4-FFF2-40B4-BE49-F238E27FC236}">
+                <a16:creationId xmlns:a16="http://schemas.microsoft.com/office/drawing/2014/main" id="{6C14D533-C8EE-4D5F-9021-F0FAC7B9519C}"/>
+              </a:ext>
+            </a:extLst>
+          </p:cNvPr>
+          <p:cNvSpPr/>
+          <p:nvPr/>
+        </p:nvSpPr>
+        <p:spPr>
+          <a:xfrm>
+            <a:off x="5359574" y="2587605"/>
+            <a:ext cx="3091129" cy="365125"/>
+          </a:xfrm>
+          <a:prstGeom prst="rect">
+            <a:avLst/>
+          </a:prstGeom>
+          <a:ln>
+            <a:solidFill>
+              <a:srgbClr val="C00000"/>
+            </a:solidFill>
+          </a:ln>
+        </p:spPr>
+        <p:style>
+          <a:lnRef idx="2">
+            <a:schemeClr val="accent1">
+              <a:shade val="50000"/>
+            </a:schemeClr>
+          </a:lnRef>
+          <a:fillRef idx="1">
+            <a:schemeClr val="accent1"/>
+          </a:fillRef>
+          <a:effectRef idx="0">
+            <a:schemeClr val="accent1"/>
+          </a:effectRef>
+          <a:fontRef idx="minor">
+            <a:schemeClr val="lt1"/>
+          </a:fontRef>
+        </p:style>
+        <p:txBody>
+          <a:bodyPr rtlCol="0" anchor="ctr"/>
+          <a:lstStyle/>
+          <a:p>
+            <a:pPr algn="ctr"/>
+            <a:r>
+              <a:rPr lang="en-US" dirty="0"/>
+              <a:t>All Hired: Only Root remained</a:t>
+            </a:r>
+          </a:p>
+        </p:txBody>
+      </p:sp>
+      <p:sp>
+        <p:nvSpPr>
+          <p:cNvPr id="13" name="Rectangle 12">
+            <a:extLst>
+              <a:ext uri="{FF2B5EF4-FFF2-40B4-BE49-F238E27FC236}">
+                <a16:creationId xmlns:a16="http://schemas.microsoft.com/office/drawing/2014/main" id="{5449917B-41A4-4E7E-8988-BF51F503E727}"/>
+              </a:ext>
+            </a:extLst>
+          </p:cNvPr>
+          <p:cNvSpPr/>
+          <p:nvPr/>
+        </p:nvSpPr>
+        <p:spPr>
+          <a:xfrm>
+            <a:off x="927863" y="2579609"/>
+            <a:ext cx="2995837" cy="365125"/>
+          </a:xfrm>
+          <a:prstGeom prst="rect">
+            <a:avLst/>
+          </a:prstGeom>
+          <a:ln>
+            <a:solidFill>
+              <a:srgbClr val="C00000"/>
+            </a:solidFill>
+          </a:ln>
+        </p:spPr>
+        <p:style>
+          <a:lnRef idx="2">
+            <a:schemeClr val="accent1">
+              <a:shade val="50000"/>
+            </a:schemeClr>
+          </a:lnRef>
+          <a:fillRef idx="1">
+            <a:schemeClr val="accent1"/>
+          </a:fillRef>
+          <a:effectRef idx="0">
+            <a:schemeClr val="accent1"/>
+          </a:effectRef>
+          <a:fontRef idx="minor">
+            <a:schemeClr val="lt1"/>
+          </a:fontRef>
+        </p:style>
+        <p:txBody>
+          <a:bodyPr rtlCol="0" anchor="ctr"/>
+          <a:lstStyle/>
+          <a:p>
+            <a:pPr algn="ctr"/>
+            <a:r>
+              <a:rPr lang="en-US" dirty="0"/>
+              <a:t>Some Hired, Some not Hired</a:t>
+            </a:r>
+          </a:p>
+        </p:txBody>
+      </p:sp>
+      <p:sp>
+        <p:nvSpPr>
+          <p:cNvPr id="14" name="Arrow: Left-Right 13">
+            <a:extLst>
+              <a:ext uri="{FF2B5EF4-FFF2-40B4-BE49-F238E27FC236}">
+                <a16:creationId xmlns:a16="http://schemas.microsoft.com/office/drawing/2014/main" id="{CBF072A8-E061-4B81-9B33-A18A69D89819}"/>
+              </a:ext>
+            </a:extLst>
+          </p:cNvPr>
+          <p:cNvSpPr/>
+          <p:nvPr/>
+        </p:nvSpPr>
+        <p:spPr>
+          <a:xfrm>
+            <a:off x="4143702" y="4176380"/>
+            <a:ext cx="932354" cy="332739"/>
+          </a:xfrm>
+          <a:prstGeom prst="leftRightArrow">
+            <a:avLst/>
+          </a:prstGeom>
+        </p:spPr>
+        <p:style>
+          <a:lnRef idx="2">
+            <a:schemeClr val="accent1">
+              <a:shade val="50000"/>
+            </a:schemeClr>
+          </a:lnRef>
+          <a:fillRef idx="1">
+            <a:schemeClr val="accent1"/>
+          </a:fillRef>
+          <a:effectRef idx="0">
+            <a:schemeClr val="accent1"/>
+          </a:effectRef>
+          <a:fontRef idx="minor">
+            <a:schemeClr val="lt1"/>
+          </a:fontRef>
+        </p:style>
+        <p:txBody>
+          <a:bodyPr rtlCol="0" anchor="ctr"/>
+          <a:lstStyle/>
+          <a:p>
+            <a:pPr algn="ctr"/>
+            <a:endParaRPr lang="en-US"/>
+          </a:p>
+        </p:txBody>
+      </p:sp>
+    </p:spTree>
+    <p:extLst>
+      <p:ext uri="{BB962C8B-B14F-4D97-AF65-F5344CB8AC3E}">
+        <p14:creationId xmlns:p14="http://schemas.microsoft.com/office/powerpoint/2010/main" val="3944282049"/>
+      </p:ext>
+    </p:extLst>
+  </p:cSld>
+  <p:clrMapOvr>
+    <a:masterClrMapping/>
+  </p:clrMapOvr>
+</p:sld>
+</file>
+
+<file path=ppt/slides/slide27.xml><?xml version="1.0" encoding="utf-8"?>
+<p:sld xmlns:a="http://schemas.openxmlformats.org/drawingml/2006/main" xmlns:r="http://schemas.openxmlformats.org/officeDocument/2006/relationships" xmlns:p="http://schemas.openxmlformats.org/presentationml/2006/main">
+  <p:cSld>
+    <p:spTree>
+      <p:nvGrpSpPr>
+        <p:cNvPr id="1" name=""/>
+        <p:cNvGrpSpPr/>
+        <p:nvPr/>
+      </p:nvGrpSpPr>
+      <p:grpSpPr>
+        <a:xfrm>
+          <a:off x="0" y="0"/>
+          <a:ext cx="0" cy="0"/>
+          <a:chOff x="0" y="0"/>
+          <a:chExt cx="0" cy="0"/>
+        </a:xfrm>
+      </p:grpSpPr>
+      <p:sp>
+        <p:nvSpPr>
+          <p:cNvPr id="2" name="標題 1"/>
+          <p:cNvSpPr>
+            <a:spLocks noGrp="1"/>
+          </p:cNvSpPr>
+          <p:nvPr>
+            <p:ph type="ctrTitle"/>
+          </p:nvPr>
+        </p:nvSpPr>
+        <p:spPr>
+          <a:xfrm>
+            <a:off x="0" y="2130425"/>
+            <a:ext cx="9144000" cy="1470025"/>
+          </a:xfrm>
+          <a:gradFill flip="none" rotWithShape="1">
+            <a:gsLst>
+              <a:gs pos="0">
+                <a:srgbClr val="00B0F0">
+                  <a:shade val="30000"/>
+                  <a:satMod val="115000"/>
+                </a:srgbClr>
+              </a:gs>
+              <a:gs pos="50000">
+                <a:srgbClr val="00B0F0">
+                  <a:shade val="67500"/>
+                  <a:satMod val="115000"/>
+                </a:srgbClr>
+              </a:gs>
+              <a:gs pos="100000">
+                <a:srgbClr val="00B0F0">
+                  <a:shade val="100000"/>
+                  <a:satMod val="115000"/>
+                </a:srgbClr>
+              </a:gs>
+            </a:gsLst>
+            <a:path path="circle">
+              <a:fillToRect t="100000" r="100000"/>
+            </a:path>
+            <a:tileRect l="-100000" b="-100000"/>
+          </a:gradFill>
+        </p:spPr>
+        <p:txBody>
+          <a:bodyPr>
+            <a:normAutofit/>
+          </a:bodyPr>
+          <a:lstStyle/>
+          <a:p>
+            <a:r>
+              <a:rPr lang="en-US" altLang="zh-TW" sz="6000" b="1" dirty="0">
+                <a:solidFill>
+                  <a:srgbClr val="FFFF00"/>
+                </a:solidFill>
+              </a:rPr>
+              <a:t>End of Chapter</a:t>
+            </a:r>
+            <a:endParaRPr lang="zh-TW" altLang="en-US" sz="6000" b="1" dirty="0">
+              <a:solidFill>
+                <a:srgbClr val="FFFF00"/>
+              </a:solidFill>
+            </a:endParaRPr>
+          </a:p>
+        </p:txBody>
+      </p:sp>
+      <p:sp>
+        <p:nvSpPr>
+          <p:cNvPr id="5" name="日期版面配置區 4"/>
+          <p:cNvSpPr>
+            <a:spLocks noGrp="1"/>
+          </p:cNvSpPr>
+          <p:nvPr>
+            <p:ph type="dt" sz="half" idx="10"/>
+          </p:nvPr>
+        </p:nvSpPr>
+        <p:spPr/>
+        <p:txBody>
+          <a:bodyPr/>
+          <a:lstStyle/>
+          <a:p>
+            <a:fld id="{4E46BE27-E923-4EC2-B046-3272AE2A3E5C}" type="datetime1">
+              <a:rPr lang="zh-TW" altLang="en-US" smtClean="0"/>
+              <a:pPr/>
+              <a:t>2020/8/27</a:t>
+            </a:fld>
+            <a:endParaRPr lang="zh-TW" altLang="en-US"/>
+          </a:p>
+        </p:txBody>
+      </p:sp>
+      <p:sp>
+        <p:nvSpPr>
+          <p:cNvPr id="6" name="投影片編號版面配置區 5"/>
+          <p:cNvSpPr>
+            <a:spLocks noGrp="1"/>
+          </p:cNvSpPr>
+          <p:nvPr>
+            <p:ph type="sldNum" sz="quarter" idx="12"/>
+          </p:nvPr>
+        </p:nvSpPr>
+        <p:spPr/>
+        <p:txBody>
+          <a:bodyPr/>
+          <a:lstStyle/>
+          <a:p>
+            <a:fld id="{E4D7E63D-91F2-4366-A2C4-1B00C9E2590E}" type="slidenum">
+              <a:rPr lang="zh-TW" altLang="en-US" smtClean="0"/>
+              <a:pPr/>
+              <a:t>27</a:t>
+            </a:fld>
+            <a:endParaRPr lang="zh-TW" altLang="en-US"/>
+          </a:p>
+        </p:txBody>
+      </p:sp>
+    </p:spTree>
   </p:cSld>
   <p:clrMapOvr>
     <a:masterClrMapping/>
@@ -3974,7 +9920,7 @@
                   <a:srgbClr val="FFFF00"/>
                 </a:solidFill>
               </a:rPr>
-              <a:t>40.1 Decision Tree Example</a:t>
+              <a:t>40.1 Create/Read Past Hire Data</a:t>
             </a:r>
             <a:endParaRPr lang="zh-TW" altLang="en-US" sz="4800" b="1" dirty="0">
               <a:solidFill>
@@ -4147,7 +10093,7 @@
                   <a:srgbClr val="FFFF00"/>
                 </a:solidFill>
               </a:rPr>
-              <a:t>40.1 Decision Tree Example</a:t>
+              <a:t>40.1 Create/Read Past Hire Data</a:t>
             </a:r>
             <a:endParaRPr lang="zh-TW" altLang="en-US" b="1" dirty="0">
               <a:solidFill>
@@ -4170,7 +10116,7 @@
         <p:spPr>
           <a:xfrm>
             <a:off x="457199" y="1268760"/>
-            <a:ext cx="8419457" cy="3096344"/>
+            <a:ext cx="8419457" cy="720080"/>
           </a:xfrm>
           <a:ln>
             <a:solidFill>
@@ -4198,7 +10144,7 @@
                   <a:schemeClr val="tx1"/>
                 </a:solidFill>
               </a:rPr>
-              <a:t>Decision Trees Example</a:t>
+              <a:t>Create Past Hire Data</a:t>
             </a:r>
           </a:p>
           <a:p>
@@ -4216,61 +10162,7 @@
                   <a:schemeClr val="tx1"/>
                 </a:solidFill>
               </a:rPr>
-              <a:t>The technological companies have tons of tons resumes. We have to decide who we are actually bring in for an interview because it can be expensive to filter somebody out. It takes time to conduct an interview.</a:t>
-            </a:r>
-          </a:p>
-          <a:p>
-            <a:pPr marL="342900" indent="-342900" algn="l">
-              <a:buClr>
-                <a:srgbClr val="0070C0"/>
-              </a:buClr>
-              <a:buSzPct val="80000"/>
-              <a:buFont typeface="Wingdings" pitchFamily="2" charset="2"/>
-              <a:buChar char="u"/>
-            </a:pPr>
-            <a:r>
-              <a:rPr lang="en-US" sz="1800" b="1" dirty="0">
-                <a:solidFill>
-                  <a:schemeClr val="tx1"/>
-                </a:solidFill>
-              </a:rPr>
-              <a:t>What if there is a way to actually to take historical data on who actually got hired and map that to things in the resume that are found on their resume.</a:t>
-            </a:r>
-          </a:p>
-          <a:p>
-            <a:pPr marL="342900" indent="-342900" algn="l">
-              <a:buClr>
-                <a:srgbClr val="0070C0"/>
-              </a:buClr>
-              <a:buSzPct val="80000"/>
-              <a:buFont typeface="Wingdings" pitchFamily="2" charset="2"/>
-              <a:buChar char="u"/>
-            </a:pPr>
-            <a:r>
-              <a:rPr lang="en-US" sz="1800" b="1" dirty="0">
-                <a:solidFill>
-                  <a:schemeClr val="tx1"/>
-                </a:solidFill>
-              </a:rPr>
-              <a:t>We can construct a decision tree that will go through an individual resume and based on the historical data and filter the resume will get hired or not.</a:t>
-            </a:r>
-          </a:p>
-          <a:p>
-            <a:pPr marL="342900" indent="-342900" algn="l">
-              <a:buClr>
-                <a:srgbClr val="0070C0"/>
-              </a:buClr>
-              <a:buSzPct val="80000"/>
-              <a:buFont typeface="Wingdings" pitchFamily="2" charset="2"/>
-              <a:buChar char="u"/>
-            </a:pPr>
-            <a:r>
-              <a:rPr lang="en-US" sz="1800" b="1" dirty="0">
-                <a:solidFill>
-                  <a:schemeClr val="tx1"/>
-                </a:solidFill>
-              </a:rPr>
-              <a:t>So, we can train the decision tree based on that historical data, and walk through that for future candidates. </a:t>
+              <a:t>First, create past hire in csv format. </a:t>
             </a:r>
           </a:p>
         </p:txBody>
@@ -4405,6 +10297,41 @@
           </a:p>
         </p:txBody>
       </p:sp>
+      <p:pic>
+        <p:nvPicPr>
+          <p:cNvPr id="7" name="Picture 6">
+            <a:extLst>
+              <a:ext uri="{FF2B5EF4-FFF2-40B4-BE49-F238E27FC236}">
+                <a16:creationId xmlns:a16="http://schemas.microsoft.com/office/drawing/2014/main" id="{C691E8E4-E8AB-4249-B99C-2C9A15DD50F2}"/>
+              </a:ext>
+            </a:extLst>
+          </p:cNvPr>
+          <p:cNvPicPr>
+            <a:picLocks noChangeAspect="1"/>
+          </p:cNvPicPr>
+          <p:nvPr/>
+        </p:nvPicPr>
+        <p:blipFill>
+          <a:blip r:embed="rId3"/>
+          <a:stretch>
+            <a:fillRect/>
+          </a:stretch>
+        </p:blipFill>
+        <p:spPr>
+          <a:xfrm>
+            <a:off x="611560" y="2314334"/>
+            <a:ext cx="7743825" cy="3257550"/>
+          </a:xfrm>
+          <a:prstGeom prst="rect">
+            <a:avLst/>
+          </a:prstGeom>
+          <a:ln>
+            <a:solidFill>
+              <a:srgbClr val="C00000"/>
+            </a:solidFill>
+          </a:ln>
+        </p:spPr>
+      </p:pic>
     </p:spTree>
     <p:extLst>
       <p:ext uri="{BB962C8B-B14F-4D97-AF65-F5344CB8AC3E}">
@@ -4447,9 +10374,155 @@
         </p:nvSpPr>
         <p:spPr>
           <a:xfrm>
-            <a:off x="0" y="2130425"/>
-            <a:ext cx="9144000" cy="1470025"/>
-          </a:xfrm>
+            <a:off x="0" y="1"/>
+            <a:ext cx="9144000" cy="764704"/>
+          </a:xfrm>
+          <a:gradFill flip="none" rotWithShape="1">
+            <a:gsLst>
+              <a:gs pos="0">
+                <a:srgbClr val="C00000">
+                  <a:shade val="30000"/>
+                  <a:satMod val="115000"/>
+                </a:srgbClr>
+              </a:gs>
+              <a:gs pos="50000">
+                <a:srgbClr val="C00000">
+                  <a:shade val="67500"/>
+                  <a:satMod val="115000"/>
+                </a:srgbClr>
+              </a:gs>
+              <a:gs pos="100000">
+                <a:srgbClr val="C00000">
+                  <a:shade val="100000"/>
+                  <a:satMod val="115000"/>
+                </a:srgbClr>
+              </a:gs>
+            </a:gsLst>
+            <a:path path="circle">
+              <a:fillToRect t="100000" r="100000"/>
+            </a:path>
+            <a:tileRect l="-100000" b="-100000"/>
+          </a:gradFill>
+        </p:spPr>
+        <p:txBody>
+          <a:bodyPr>
+            <a:normAutofit/>
+          </a:bodyPr>
+          <a:lstStyle/>
+          <a:p>
+            <a:pPr algn="l"/>
+            <a:r>
+              <a:rPr lang="en-US" altLang="zh-TW" sz="4400" b="1" dirty="0">
+                <a:solidFill>
+                  <a:srgbClr val="FFFF00"/>
+                </a:solidFill>
+              </a:rPr>
+              <a:t>40.1 Create/Read Past Hire Data</a:t>
+            </a:r>
+            <a:endParaRPr lang="zh-TW" altLang="en-US" b="1" dirty="0">
+              <a:solidFill>
+                <a:srgbClr val="FFFF00"/>
+              </a:solidFill>
+            </a:endParaRPr>
+          </a:p>
+        </p:txBody>
+      </p:sp>
+      <p:sp>
+        <p:nvSpPr>
+          <p:cNvPr id="3" name="副標題 2"/>
+          <p:cNvSpPr>
+            <a:spLocks noGrp="1"/>
+          </p:cNvSpPr>
+          <p:nvPr>
+            <p:ph type="subTitle" idx="1"/>
+          </p:nvPr>
+        </p:nvSpPr>
+        <p:spPr>
+          <a:xfrm>
+            <a:off x="457199" y="1268760"/>
+            <a:ext cx="8419457" cy="720080"/>
+          </a:xfrm>
+          <a:ln>
+            <a:solidFill>
+              <a:srgbClr val="C00000"/>
+            </a:solidFill>
+          </a:ln>
+        </p:spPr>
+        <p:txBody>
+          <a:bodyPr>
+            <a:noAutofit/>
+          </a:bodyPr>
+          <a:lstStyle/>
+          <a:p>
+            <a:pPr marL="342900" indent="-342900" algn="l">
+              <a:buClr>
+                <a:srgbClr val="0070C0"/>
+              </a:buClr>
+              <a:buSzPct val="80000"/>
+              <a:buFont typeface="Wingdings" pitchFamily="2" charset="2"/>
+              <a:buChar char="u"/>
+            </a:pPr>
+            <a:r>
+              <a:rPr lang="en-US" sz="1800" b="1" dirty="0">
+                <a:solidFill>
+                  <a:schemeClr val="tx1"/>
+                </a:solidFill>
+              </a:rPr>
+              <a:t>Read Past Hire Data</a:t>
+            </a:r>
+          </a:p>
+          <a:p>
+            <a:pPr marL="342900" indent="-342900" algn="l">
+              <a:buClr>
+                <a:srgbClr val="0070C0"/>
+              </a:buClr>
+              <a:buSzPct val="80000"/>
+              <a:buFont typeface="Wingdings" pitchFamily="2" charset="2"/>
+              <a:buChar char="u"/>
+            </a:pPr>
+            <a:r>
+              <a:rPr lang="en-US" sz="1800" b="1" dirty="0">
+                <a:solidFill>
+                  <a:schemeClr val="tx1"/>
+                </a:solidFill>
+              </a:rPr>
+              <a:t>Note how we use pandas to convert a csv file into a </a:t>
+            </a:r>
+            <a:r>
+              <a:rPr lang="en-US" sz="1800" b="1" dirty="0" err="1">
+                <a:solidFill>
+                  <a:schemeClr val="tx1"/>
+                </a:solidFill>
+              </a:rPr>
+              <a:t>DataFrame</a:t>
+            </a:r>
+            <a:r>
+              <a:rPr lang="en-US" sz="1800" b="1" dirty="0">
+                <a:solidFill>
+                  <a:schemeClr val="tx1"/>
+                </a:solidFill>
+              </a:rPr>
+              <a:t>:</a:t>
+            </a:r>
+          </a:p>
+        </p:txBody>
+      </p:sp>
+      <p:sp>
+        <p:nvSpPr>
+          <p:cNvPr id="4" name="標題 1"/>
+          <p:cNvSpPr txBox="1">
+            <a:spLocks/>
+          </p:cNvSpPr>
+          <p:nvPr/>
+        </p:nvSpPr>
+        <p:spPr>
+          <a:xfrm>
+            <a:off x="0" y="764704"/>
+            <a:ext cx="9144000" cy="360040"/>
+          </a:xfrm>
+          <a:prstGeom prst="rect">
+            <a:avLst/>
+          </a:prstGeom>
           <a:gradFill flip="none" rotWithShape="1">
             <a:gsLst>
               <a:gs pos="0">
@@ -4478,23 +10551,35 @@
           </a:gradFill>
         </p:spPr>
         <p:txBody>
-          <a:bodyPr>
-            <a:normAutofit/>
+          <a:bodyPr vert="horz" lIns="91440" tIns="45720" rIns="91440" bIns="45720" rtlCol="0" anchor="ctr">
+            <a:normAutofit fontScale="77500" lnSpcReduction="20000"/>
           </a:bodyPr>
           <a:lstStyle/>
           <a:p>
-            <a:r>
-              <a:rPr lang="en-US" altLang="zh-TW" sz="6000" b="1" dirty="0">
-                <a:solidFill>
-                  <a:srgbClr val="FFFF00"/>
-                </a:solidFill>
+            <a:pPr lvl="0">
+              <a:spcBef>
+                <a:spcPct val="0"/>
+              </a:spcBef>
+            </a:pPr>
+            <a:r>
+              <a:rPr lang="en-US" sz="1600" dirty="0">
+                <a:hlinkClick r:id="rId2"/>
               </a:rPr>
-              <a:t>End of Chapter</a:t>
-            </a:r>
-            <a:endParaRPr lang="zh-TW" altLang="en-US" sz="6000" b="1" dirty="0">
+              <a:t>https://www.udemy.com/course/data-science-and-machine-learning-with-python-hands-on/learn/lecture/15090192#overview</a:t>
+            </a:r>
+            <a:endParaRPr kumimoji="0" lang="zh-TW" altLang="en-US" sz="1600" b="0" i="0" u="none" strike="noStrike" kern="1200" cap="none" spc="0" normalizeH="0" baseline="0" noProof="0" dirty="0">
+              <a:ln>
+                <a:noFill/>
+              </a:ln>
               <a:solidFill>
-                <a:srgbClr val="FFFF00"/>
+                <a:schemeClr val="tx1"/>
               </a:solidFill>
+              <a:effectLst/>
+              <a:uLnTx/>
+              <a:uFillTx/>
+              <a:latin typeface="+mj-lt"/>
+              <a:ea typeface="+mj-ea"/>
+              <a:cs typeface="+mj-cs"/>
             </a:endParaRPr>
           </a:p>
         </p:txBody>
@@ -4509,12 +10594,17 @@
             <p:ph type="dt" sz="half" idx="10"/>
           </p:nvPr>
         </p:nvSpPr>
-        <p:spPr/>
+        <p:spPr>
+          <a:xfrm>
+            <a:off x="457200" y="6343695"/>
+            <a:ext cx="2133600" cy="365125"/>
+          </a:xfrm>
+        </p:spPr>
         <p:txBody>
           <a:bodyPr/>
           <a:lstStyle/>
           <a:p>
-            <a:fld id="{4E46BE27-E923-4EC2-B046-3272AE2A3E5C}" type="datetime1">
+            <a:fld id="{A4F910E6-8D00-4BAF-8C48-9688E0B449D3}" type="datetime1">
               <a:rPr lang="zh-TW" altLang="en-US" smtClean="0"/>
               <a:pPr/>
               <a:t>2020/8/27</a:t>
@@ -4547,7 +10637,1477 @@
           </a:p>
         </p:txBody>
       </p:sp>
+      <p:pic>
+        <p:nvPicPr>
+          <p:cNvPr id="8" name="Picture 7">
+            <a:extLst>
+              <a:ext uri="{FF2B5EF4-FFF2-40B4-BE49-F238E27FC236}">
+                <a16:creationId xmlns:a16="http://schemas.microsoft.com/office/drawing/2014/main" id="{18789891-BBA4-446C-9E5C-1BC91740A38C}"/>
+              </a:ext>
+            </a:extLst>
+          </p:cNvPr>
+          <p:cNvPicPr>
+            <a:picLocks noChangeAspect="1"/>
+          </p:cNvPicPr>
+          <p:nvPr/>
+        </p:nvPicPr>
+        <p:blipFill>
+          <a:blip r:embed="rId3"/>
+          <a:stretch>
+            <a:fillRect/>
+          </a:stretch>
+        </p:blipFill>
+        <p:spPr>
+          <a:xfrm>
+            <a:off x="2590800" y="2386012"/>
+            <a:ext cx="3686175" cy="2085975"/>
+          </a:xfrm>
+          <a:prstGeom prst="rect">
+            <a:avLst/>
+          </a:prstGeom>
+          <a:ln>
+            <a:solidFill>
+              <a:srgbClr val="C00000"/>
+            </a:solidFill>
+          </a:ln>
+        </p:spPr>
+      </p:pic>
     </p:spTree>
+    <p:extLst>
+      <p:ext uri="{BB962C8B-B14F-4D97-AF65-F5344CB8AC3E}">
+        <p14:creationId xmlns:p14="http://schemas.microsoft.com/office/powerpoint/2010/main" val="4051386113"/>
+      </p:ext>
+    </p:extLst>
+  </p:cSld>
+  <p:clrMapOvr>
+    <a:masterClrMapping/>
+  </p:clrMapOvr>
+</p:sld>
+</file>
+
+<file path=ppt/slides/slide6.xml><?xml version="1.0" encoding="utf-8"?>
+<p:sld xmlns:a="http://schemas.openxmlformats.org/drawingml/2006/main" xmlns:r="http://schemas.openxmlformats.org/officeDocument/2006/relationships" xmlns:p="http://schemas.openxmlformats.org/presentationml/2006/main">
+  <p:cSld>
+    <p:spTree>
+      <p:nvGrpSpPr>
+        <p:cNvPr id="1" name=""/>
+        <p:cNvGrpSpPr/>
+        <p:nvPr/>
+      </p:nvGrpSpPr>
+      <p:grpSpPr>
+        <a:xfrm>
+          <a:off x="0" y="0"/>
+          <a:ext cx="0" cy="0"/>
+          <a:chOff x="0" y="0"/>
+          <a:chExt cx="0" cy="0"/>
+        </a:xfrm>
+      </p:grpSpPr>
+      <p:sp>
+        <p:nvSpPr>
+          <p:cNvPr id="2" name="標題 1"/>
+          <p:cNvSpPr>
+            <a:spLocks noGrp="1"/>
+          </p:cNvSpPr>
+          <p:nvPr>
+            <p:ph type="ctrTitle"/>
+          </p:nvPr>
+        </p:nvSpPr>
+        <p:spPr>
+          <a:xfrm>
+            <a:off x="0" y="1"/>
+            <a:ext cx="9144000" cy="764704"/>
+          </a:xfrm>
+          <a:gradFill flip="none" rotWithShape="1">
+            <a:gsLst>
+              <a:gs pos="0">
+                <a:srgbClr val="C00000">
+                  <a:shade val="30000"/>
+                  <a:satMod val="115000"/>
+                </a:srgbClr>
+              </a:gs>
+              <a:gs pos="50000">
+                <a:srgbClr val="C00000">
+                  <a:shade val="67500"/>
+                  <a:satMod val="115000"/>
+                </a:srgbClr>
+              </a:gs>
+              <a:gs pos="100000">
+                <a:srgbClr val="C00000">
+                  <a:shade val="100000"/>
+                  <a:satMod val="115000"/>
+                </a:srgbClr>
+              </a:gs>
+            </a:gsLst>
+            <a:path path="circle">
+              <a:fillToRect t="100000" r="100000"/>
+            </a:path>
+            <a:tileRect l="-100000" b="-100000"/>
+          </a:gradFill>
+        </p:spPr>
+        <p:txBody>
+          <a:bodyPr>
+            <a:normAutofit/>
+          </a:bodyPr>
+          <a:lstStyle/>
+          <a:p>
+            <a:pPr algn="l"/>
+            <a:r>
+              <a:rPr lang="en-US" altLang="zh-TW" sz="4400" b="1" dirty="0">
+                <a:solidFill>
+                  <a:srgbClr val="FFFF00"/>
+                </a:solidFill>
+              </a:rPr>
+              <a:t>40.1 Create/Read Past Hire Data</a:t>
+            </a:r>
+            <a:endParaRPr lang="zh-TW" altLang="en-US" b="1" dirty="0">
+              <a:solidFill>
+                <a:srgbClr val="FFFF00"/>
+              </a:solidFill>
+            </a:endParaRPr>
+          </a:p>
+        </p:txBody>
+      </p:sp>
+      <p:sp>
+        <p:nvSpPr>
+          <p:cNvPr id="3" name="副標題 2"/>
+          <p:cNvSpPr>
+            <a:spLocks noGrp="1"/>
+          </p:cNvSpPr>
+          <p:nvPr>
+            <p:ph type="subTitle" idx="1"/>
+          </p:nvPr>
+        </p:nvSpPr>
+        <p:spPr>
+          <a:xfrm>
+            <a:off x="457199" y="1268760"/>
+            <a:ext cx="8419457" cy="720080"/>
+          </a:xfrm>
+          <a:ln>
+            <a:solidFill>
+              <a:srgbClr val="C00000"/>
+            </a:solidFill>
+          </a:ln>
+        </p:spPr>
+        <p:txBody>
+          <a:bodyPr>
+            <a:noAutofit/>
+          </a:bodyPr>
+          <a:lstStyle/>
+          <a:p>
+            <a:pPr marL="342900" indent="-342900" algn="l">
+              <a:buClr>
+                <a:srgbClr val="0070C0"/>
+              </a:buClr>
+              <a:buSzPct val="80000"/>
+              <a:buFont typeface="Wingdings" pitchFamily="2" charset="2"/>
+              <a:buChar char="u"/>
+            </a:pPr>
+            <a:r>
+              <a:rPr lang="en-US" sz="1800" b="1" dirty="0">
+                <a:solidFill>
+                  <a:schemeClr val="tx1"/>
+                </a:solidFill>
+              </a:rPr>
+              <a:t>Read Past Hire Data</a:t>
+            </a:r>
+          </a:p>
+          <a:p>
+            <a:pPr marL="342900" indent="-342900" algn="l">
+              <a:buClr>
+                <a:srgbClr val="0070C0"/>
+              </a:buClr>
+              <a:buSzPct val="80000"/>
+              <a:buFont typeface="Wingdings" pitchFamily="2" charset="2"/>
+              <a:buChar char="u"/>
+            </a:pPr>
+            <a:r>
+              <a:rPr lang="en-US" sz="1800" b="1" dirty="0">
+                <a:solidFill>
+                  <a:schemeClr val="tx1"/>
+                </a:solidFill>
+              </a:rPr>
+              <a:t>Note how we use pandas to convert a csv file into a </a:t>
+            </a:r>
+            <a:r>
+              <a:rPr lang="en-US" sz="1800" b="1" dirty="0" err="1">
+                <a:solidFill>
+                  <a:schemeClr val="tx1"/>
+                </a:solidFill>
+              </a:rPr>
+              <a:t>DataFrame</a:t>
+            </a:r>
+            <a:r>
+              <a:rPr lang="en-US" sz="1800" b="1" dirty="0">
+                <a:solidFill>
+                  <a:schemeClr val="tx1"/>
+                </a:solidFill>
+              </a:rPr>
+              <a:t>:</a:t>
+            </a:r>
+          </a:p>
+        </p:txBody>
+      </p:sp>
+      <p:sp>
+        <p:nvSpPr>
+          <p:cNvPr id="4" name="標題 1"/>
+          <p:cNvSpPr txBox="1">
+            <a:spLocks/>
+          </p:cNvSpPr>
+          <p:nvPr/>
+        </p:nvSpPr>
+        <p:spPr>
+          <a:xfrm>
+            <a:off x="0" y="764704"/>
+            <a:ext cx="9144000" cy="360040"/>
+          </a:xfrm>
+          <a:prstGeom prst="rect">
+            <a:avLst/>
+          </a:prstGeom>
+          <a:gradFill flip="none" rotWithShape="1">
+            <a:gsLst>
+              <a:gs pos="0">
+                <a:srgbClr val="00B0F0">
+                  <a:shade val="30000"/>
+                  <a:satMod val="115000"/>
+                </a:srgbClr>
+              </a:gs>
+              <a:gs pos="50000">
+                <a:srgbClr val="00B0F0">
+                  <a:shade val="67500"/>
+                  <a:satMod val="115000"/>
+                </a:srgbClr>
+              </a:gs>
+              <a:gs pos="100000">
+                <a:srgbClr val="00B0F0">
+                  <a:shade val="100000"/>
+                  <a:satMod val="115000"/>
+                </a:srgbClr>
+              </a:gs>
+            </a:gsLst>
+            <a:path path="circle">
+              <a:fillToRect t="100000" r="100000"/>
+            </a:path>
+            <a:tileRect l="-100000" b="-100000"/>
+          </a:gradFill>
+        </p:spPr>
+        <p:txBody>
+          <a:bodyPr vert="horz" lIns="91440" tIns="45720" rIns="91440" bIns="45720" rtlCol="0" anchor="ctr">
+            <a:normAutofit fontScale="77500" lnSpcReduction="20000"/>
+          </a:bodyPr>
+          <a:lstStyle/>
+          <a:p>
+            <a:pPr lvl="0">
+              <a:spcBef>
+                <a:spcPct val="0"/>
+              </a:spcBef>
+            </a:pPr>
+            <a:r>
+              <a:rPr lang="en-US" sz="1600" dirty="0">
+                <a:hlinkClick r:id="rId2"/>
+              </a:rPr>
+              <a:t>https://www.udemy.com/course/data-science-and-machine-learning-with-python-hands-on/learn/lecture/15090192#overview</a:t>
+            </a:r>
+            <a:endParaRPr kumimoji="0" lang="zh-TW" altLang="en-US" sz="1600" b="0" i="0" u="none" strike="noStrike" kern="1200" cap="none" spc="0" normalizeH="0" baseline="0" noProof="0" dirty="0">
+              <a:ln>
+                <a:noFill/>
+              </a:ln>
+              <a:solidFill>
+                <a:schemeClr val="tx1"/>
+              </a:solidFill>
+              <a:effectLst/>
+              <a:uLnTx/>
+              <a:uFillTx/>
+              <a:latin typeface="+mj-lt"/>
+              <a:ea typeface="+mj-ea"/>
+              <a:cs typeface="+mj-cs"/>
+            </a:endParaRPr>
+          </a:p>
+        </p:txBody>
+      </p:sp>
+      <p:sp>
+        <p:nvSpPr>
+          <p:cNvPr id="5" name="日期版面配置區 4"/>
+          <p:cNvSpPr>
+            <a:spLocks noGrp="1"/>
+          </p:cNvSpPr>
+          <p:nvPr>
+            <p:ph type="dt" sz="half" idx="10"/>
+          </p:nvPr>
+        </p:nvSpPr>
+        <p:spPr>
+          <a:xfrm>
+            <a:off x="457200" y="6343695"/>
+            <a:ext cx="2133600" cy="365125"/>
+          </a:xfrm>
+        </p:spPr>
+        <p:txBody>
+          <a:bodyPr/>
+          <a:lstStyle/>
+          <a:p>
+            <a:fld id="{A4F910E6-8D00-4BAF-8C48-9688E0B449D3}" type="datetime1">
+              <a:rPr lang="zh-TW" altLang="en-US" smtClean="0"/>
+              <a:pPr/>
+              <a:t>2020/8/27</a:t>
+            </a:fld>
+            <a:endParaRPr lang="zh-TW" altLang="en-US"/>
+          </a:p>
+        </p:txBody>
+      </p:sp>
+      <p:sp>
+        <p:nvSpPr>
+          <p:cNvPr id="6" name="投影片編號版面配置區 5"/>
+          <p:cNvSpPr>
+            <a:spLocks noGrp="1"/>
+          </p:cNvSpPr>
+          <p:nvPr>
+            <p:ph type="sldNum" sz="quarter" idx="12"/>
+          </p:nvPr>
+        </p:nvSpPr>
+        <p:spPr/>
+        <p:txBody>
+          <a:bodyPr/>
+          <a:lstStyle/>
+          <a:p>
+            <a:fld id="{E4D7E63D-91F2-4366-A2C4-1B00C9E2590E}" type="slidenum">
+              <a:rPr lang="zh-TW" altLang="en-US" smtClean="0"/>
+              <a:pPr/>
+              <a:t>6</a:t>
+            </a:fld>
+            <a:endParaRPr lang="zh-TW" altLang="en-US"/>
+          </a:p>
+        </p:txBody>
+      </p:sp>
+      <p:pic>
+        <p:nvPicPr>
+          <p:cNvPr id="7" name="Picture 6">
+            <a:extLst>
+              <a:ext uri="{FF2B5EF4-FFF2-40B4-BE49-F238E27FC236}">
+                <a16:creationId xmlns:a16="http://schemas.microsoft.com/office/drawing/2014/main" id="{477270A2-7F22-4135-B107-2D569D57EBD3}"/>
+              </a:ext>
+            </a:extLst>
+          </p:cNvPr>
+          <p:cNvPicPr>
+            <a:picLocks noChangeAspect="1"/>
+          </p:cNvPicPr>
+          <p:nvPr/>
+        </p:nvPicPr>
+        <p:blipFill>
+          <a:blip r:embed="rId3"/>
+          <a:stretch>
+            <a:fillRect/>
+          </a:stretch>
+        </p:blipFill>
+        <p:spPr>
+          <a:xfrm>
+            <a:off x="685800" y="2276872"/>
+            <a:ext cx="7772400" cy="1543050"/>
+          </a:xfrm>
+          <a:prstGeom prst="rect">
+            <a:avLst/>
+          </a:prstGeom>
+          <a:ln>
+            <a:solidFill>
+              <a:srgbClr val="C00000"/>
+            </a:solidFill>
+          </a:ln>
+        </p:spPr>
+      </p:pic>
+    </p:spTree>
+    <p:extLst>
+      <p:ext uri="{BB962C8B-B14F-4D97-AF65-F5344CB8AC3E}">
+        <p14:creationId xmlns:p14="http://schemas.microsoft.com/office/powerpoint/2010/main" val="6766108"/>
+      </p:ext>
+    </p:extLst>
+  </p:cSld>
+  <p:clrMapOvr>
+    <a:masterClrMapping/>
+  </p:clrMapOvr>
+</p:sld>
+</file>
+
+<file path=ppt/slides/slide7.xml><?xml version="1.0" encoding="utf-8"?>
+<p:sld xmlns:a="http://schemas.openxmlformats.org/drawingml/2006/main" xmlns:r="http://schemas.openxmlformats.org/officeDocument/2006/relationships" xmlns:p="http://schemas.openxmlformats.org/presentationml/2006/main">
+  <p:cSld>
+    <p:spTree>
+      <p:nvGrpSpPr>
+        <p:cNvPr id="1" name=""/>
+        <p:cNvGrpSpPr/>
+        <p:nvPr/>
+      </p:nvGrpSpPr>
+      <p:grpSpPr>
+        <a:xfrm>
+          <a:off x="0" y="0"/>
+          <a:ext cx="0" cy="0"/>
+          <a:chOff x="0" y="0"/>
+          <a:chExt cx="0" cy="0"/>
+        </a:xfrm>
+      </p:grpSpPr>
+      <p:sp>
+        <p:nvSpPr>
+          <p:cNvPr id="2" name="標題 1"/>
+          <p:cNvSpPr>
+            <a:spLocks noGrp="1"/>
+          </p:cNvSpPr>
+          <p:nvPr>
+            <p:ph type="ctrTitle"/>
+          </p:nvPr>
+        </p:nvSpPr>
+        <p:spPr>
+          <a:xfrm>
+            <a:off x="0" y="2130425"/>
+            <a:ext cx="9144000" cy="1470025"/>
+          </a:xfrm>
+          <a:solidFill>
+            <a:srgbClr val="00B0F0"/>
+          </a:solidFill>
+        </p:spPr>
+        <p:txBody>
+          <a:bodyPr>
+            <a:normAutofit/>
+          </a:bodyPr>
+          <a:lstStyle/>
+          <a:p>
+            <a:r>
+              <a:rPr lang="en-US" altLang="zh-TW" sz="4800" b="1" dirty="0">
+                <a:solidFill>
+                  <a:srgbClr val="FFFF00"/>
+                </a:solidFill>
+              </a:rPr>
+              <a:t>40.2 Translate Text into Values</a:t>
+            </a:r>
+            <a:endParaRPr lang="zh-TW" altLang="en-US" sz="4800" b="1" dirty="0">
+              <a:solidFill>
+                <a:srgbClr val="FFFF00"/>
+              </a:solidFill>
+            </a:endParaRPr>
+          </a:p>
+        </p:txBody>
+      </p:sp>
+      <p:sp>
+        <p:nvSpPr>
+          <p:cNvPr id="5" name="日期版面配置區 4"/>
+          <p:cNvSpPr>
+            <a:spLocks noGrp="1"/>
+          </p:cNvSpPr>
+          <p:nvPr>
+            <p:ph type="dt" sz="half" idx="10"/>
+          </p:nvPr>
+        </p:nvSpPr>
+        <p:spPr/>
+        <p:txBody>
+          <a:bodyPr/>
+          <a:lstStyle/>
+          <a:p>
+            <a:fld id="{C389EDC9-19E3-47AC-9C57-C6A24DEA81AD}" type="datetime1">
+              <a:rPr lang="zh-TW" altLang="en-US" smtClean="0"/>
+              <a:pPr/>
+              <a:t>2020/8/27</a:t>
+            </a:fld>
+            <a:endParaRPr lang="zh-TW" altLang="en-US"/>
+          </a:p>
+        </p:txBody>
+      </p:sp>
+      <p:sp>
+        <p:nvSpPr>
+          <p:cNvPr id="6" name="投影片編號版面配置區 5"/>
+          <p:cNvSpPr>
+            <a:spLocks noGrp="1"/>
+          </p:cNvSpPr>
+          <p:nvPr>
+            <p:ph type="sldNum" sz="quarter" idx="12"/>
+          </p:nvPr>
+        </p:nvSpPr>
+        <p:spPr/>
+        <p:txBody>
+          <a:bodyPr/>
+          <a:lstStyle/>
+          <a:p>
+            <a:fld id="{E4D7E63D-91F2-4366-A2C4-1B00C9E2590E}" type="slidenum">
+              <a:rPr lang="zh-TW" altLang="en-US" smtClean="0"/>
+              <a:pPr/>
+              <a:t>7</a:t>
+            </a:fld>
+            <a:endParaRPr lang="zh-TW" altLang="en-US"/>
+          </a:p>
+        </p:txBody>
+      </p:sp>
+      <p:pic>
+        <p:nvPicPr>
+          <p:cNvPr id="7" name="Picture 6">
+            <a:extLst>
+              <a:ext uri="{FF2B5EF4-FFF2-40B4-BE49-F238E27FC236}">
+                <a16:creationId xmlns:a16="http://schemas.microsoft.com/office/drawing/2014/main" id="{1BE488C5-DA27-405E-9F7E-A4EF5DF95762}"/>
+              </a:ext>
+            </a:extLst>
+          </p:cNvPr>
+          <p:cNvPicPr>
+            <a:picLocks noChangeAspect="1"/>
+          </p:cNvPicPr>
+          <p:nvPr/>
+        </p:nvPicPr>
+        <p:blipFill>
+          <a:blip r:embed="rId2"/>
+          <a:stretch>
+            <a:fillRect/>
+          </a:stretch>
+        </p:blipFill>
+        <p:spPr>
+          <a:xfrm>
+            <a:off x="3923928" y="3695964"/>
+            <a:ext cx="1004960" cy="885164"/>
+          </a:xfrm>
+          <a:prstGeom prst="rect">
+            <a:avLst/>
+          </a:prstGeom>
+        </p:spPr>
+      </p:pic>
+    </p:spTree>
+    <p:extLst>
+      <p:ext uri="{BB962C8B-B14F-4D97-AF65-F5344CB8AC3E}">
+        <p14:creationId xmlns:p14="http://schemas.microsoft.com/office/powerpoint/2010/main" val="2044622444"/>
+      </p:ext>
+    </p:extLst>
+  </p:cSld>
+  <p:clrMapOvr>
+    <a:masterClrMapping/>
+  </p:clrMapOvr>
+</p:sld>
+</file>
+
+<file path=ppt/slides/slide8.xml><?xml version="1.0" encoding="utf-8"?>
+<p:sld xmlns:a="http://schemas.openxmlformats.org/drawingml/2006/main" xmlns:r="http://schemas.openxmlformats.org/officeDocument/2006/relationships" xmlns:p="http://schemas.openxmlformats.org/presentationml/2006/main">
+  <p:cSld>
+    <p:spTree>
+      <p:nvGrpSpPr>
+        <p:cNvPr id="1" name=""/>
+        <p:cNvGrpSpPr/>
+        <p:nvPr/>
+      </p:nvGrpSpPr>
+      <p:grpSpPr>
+        <a:xfrm>
+          <a:off x="0" y="0"/>
+          <a:ext cx="0" cy="0"/>
+          <a:chOff x="0" y="0"/>
+          <a:chExt cx="0" cy="0"/>
+        </a:xfrm>
+      </p:grpSpPr>
+      <p:sp>
+        <p:nvSpPr>
+          <p:cNvPr id="2" name="標題 1"/>
+          <p:cNvSpPr>
+            <a:spLocks noGrp="1"/>
+          </p:cNvSpPr>
+          <p:nvPr>
+            <p:ph type="ctrTitle"/>
+          </p:nvPr>
+        </p:nvSpPr>
+        <p:spPr>
+          <a:xfrm>
+            <a:off x="0" y="1"/>
+            <a:ext cx="9144000" cy="764704"/>
+          </a:xfrm>
+          <a:gradFill flip="none" rotWithShape="1">
+            <a:gsLst>
+              <a:gs pos="0">
+                <a:srgbClr val="C00000">
+                  <a:shade val="30000"/>
+                  <a:satMod val="115000"/>
+                </a:srgbClr>
+              </a:gs>
+              <a:gs pos="50000">
+                <a:srgbClr val="C00000">
+                  <a:shade val="67500"/>
+                  <a:satMod val="115000"/>
+                </a:srgbClr>
+              </a:gs>
+              <a:gs pos="100000">
+                <a:srgbClr val="C00000">
+                  <a:shade val="100000"/>
+                  <a:satMod val="115000"/>
+                </a:srgbClr>
+              </a:gs>
+            </a:gsLst>
+            <a:path path="circle">
+              <a:fillToRect t="100000" r="100000"/>
+            </a:path>
+            <a:tileRect l="-100000" b="-100000"/>
+          </a:gradFill>
+        </p:spPr>
+        <p:txBody>
+          <a:bodyPr>
+            <a:normAutofit/>
+          </a:bodyPr>
+          <a:lstStyle/>
+          <a:p>
+            <a:pPr algn="l"/>
+            <a:r>
+              <a:rPr lang="en-US" altLang="zh-TW" sz="4400" b="1" dirty="0">
+                <a:solidFill>
+                  <a:srgbClr val="FFFF00"/>
+                </a:solidFill>
+              </a:rPr>
+              <a:t>40.2 Translate Text into Values</a:t>
+            </a:r>
+            <a:endParaRPr lang="zh-TW" altLang="en-US" b="1" dirty="0">
+              <a:solidFill>
+                <a:srgbClr val="FFFF00"/>
+              </a:solidFill>
+            </a:endParaRPr>
+          </a:p>
+        </p:txBody>
+      </p:sp>
+      <p:sp>
+        <p:nvSpPr>
+          <p:cNvPr id="3" name="副標題 2"/>
+          <p:cNvSpPr>
+            <a:spLocks noGrp="1"/>
+          </p:cNvSpPr>
+          <p:nvPr>
+            <p:ph type="subTitle" idx="1"/>
+          </p:nvPr>
+        </p:nvSpPr>
+        <p:spPr>
+          <a:xfrm>
+            <a:off x="457199" y="1268760"/>
+            <a:ext cx="8419457" cy="779433"/>
+          </a:xfrm>
+          <a:ln>
+            <a:solidFill>
+              <a:srgbClr val="C00000"/>
+            </a:solidFill>
+          </a:ln>
+        </p:spPr>
+        <p:txBody>
+          <a:bodyPr>
+            <a:noAutofit/>
+          </a:bodyPr>
+          <a:lstStyle/>
+          <a:p>
+            <a:pPr marL="342900" indent="-342900" algn="l">
+              <a:buClr>
+                <a:srgbClr val="0070C0"/>
+              </a:buClr>
+              <a:buSzPct val="80000"/>
+              <a:buFont typeface="Wingdings" pitchFamily="2" charset="2"/>
+              <a:buChar char="u"/>
+            </a:pPr>
+            <a:r>
+              <a:rPr lang="en-US" sz="1800" b="1" dirty="0">
+                <a:solidFill>
+                  <a:schemeClr val="tx1"/>
+                </a:solidFill>
+              </a:rPr>
+              <a:t>Translate the Text into Values</a:t>
+            </a:r>
+          </a:p>
+          <a:p>
+            <a:pPr marL="342900" indent="-342900" algn="l">
+              <a:buClr>
+                <a:srgbClr val="0070C0"/>
+              </a:buClr>
+              <a:buSzPct val="80000"/>
+              <a:buFont typeface="Wingdings" pitchFamily="2" charset="2"/>
+              <a:buChar char="u"/>
+            </a:pPr>
+            <a:r>
+              <a:rPr lang="en-US" sz="1800" b="1" dirty="0">
+                <a:solidFill>
+                  <a:schemeClr val="tx1"/>
+                </a:solidFill>
+              </a:rPr>
+              <a:t>scikit-learn needs everything to be numerical for decision trees to work. </a:t>
+            </a:r>
+          </a:p>
+        </p:txBody>
+      </p:sp>
+      <p:sp>
+        <p:nvSpPr>
+          <p:cNvPr id="4" name="標題 1"/>
+          <p:cNvSpPr txBox="1">
+            <a:spLocks/>
+          </p:cNvSpPr>
+          <p:nvPr/>
+        </p:nvSpPr>
+        <p:spPr>
+          <a:xfrm>
+            <a:off x="0" y="764704"/>
+            <a:ext cx="9144000" cy="360040"/>
+          </a:xfrm>
+          <a:prstGeom prst="rect">
+            <a:avLst/>
+          </a:prstGeom>
+          <a:gradFill flip="none" rotWithShape="1">
+            <a:gsLst>
+              <a:gs pos="0">
+                <a:srgbClr val="00B0F0">
+                  <a:shade val="30000"/>
+                  <a:satMod val="115000"/>
+                </a:srgbClr>
+              </a:gs>
+              <a:gs pos="50000">
+                <a:srgbClr val="00B0F0">
+                  <a:shade val="67500"/>
+                  <a:satMod val="115000"/>
+                </a:srgbClr>
+              </a:gs>
+              <a:gs pos="100000">
+                <a:srgbClr val="00B0F0">
+                  <a:shade val="100000"/>
+                  <a:satMod val="115000"/>
+                </a:srgbClr>
+              </a:gs>
+            </a:gsLst>
+            <a:path path="circle">
+              <a:fillToRect t="100000" r="100000"/>
+            </a:path>
+            <a:tileRect l="-100000" b="-100000"/>
+          </a:gradFill>
+        </p:spPr>
+        <p:txBody>
+          <a:bodyPr vert="horz" lIns="91440" tIns="45720" rIns="91440" bIns="45720" rtlCol="0" anchor="ctr">
+            <a:normAutofit fontScale="77500" lnSpcReduction="20000"/>
+          </a:bodyPr>
+          <a:lstStyle/>
+          <a:p>
+            <a:pPr lvl="0">
+              <a:spcBef>
+                <a:spcPct val="0"/>
+              </a:spcBef>
+            </a:pPr>
+            <a:r>
+              <a:rPr lang="en-US" sz="1600" dirty="0">
+                <a:hlinkClick r:id="rId2"/>
+              </a:rPr>
+              <a:t>https://www.udemy.com/course/data-science-and-machine-learning-with-python-hands-on/learn/lecture/15090192#overview</a:t>
+            </a:r>
+            <a:endParaRPr kumimoji="0" lang="zh-TW" altLang="en-US" sz="1600" b="0" i="0" u="none" strike="noStrike" kern="1200" cap="none" spc="0" normalizeH="0" baseline="0" noProof="0" dirty="0">
+              <a:ln>
+                <a:noFill/>
+              </a:ln>
+              <a:solidFill>
+                <a:schemeClr val="tx1"/>
+              </a:solidFill>
+              <a:effectLst/>
+              <a:uLnTx/>
+              <a:uFillTx/>
+              <a:latin typeface="+mj-lt"/>
+              <a:ea typeface="+mj-ea"/>
+              <a:cs typeface="+mj-cs"/>
+            </a:endParaRPr>
+          </a:p>
+        </p:txBody>
+      </p:sp>
+      <p:sp>
+        <p:nvSpPr>
+          <p:cNvPr id="5" name="日期版面配置區 4"/>
+          <p:cNvSpPr>
+            <a:spLocks noGrp="1"/>
+          </p:cNvSpPr>
+          <p:nvPr>
+            <p:ph type="dt" sz="half" idx="10"/>
+          </p:nvPr>
+        </p:nvSpPr>
+        <p:spPr>
+          <a:xfrm>
+            <a:off x="457200" y="6343695"/>
+            <a:ext cx="2133600" cy="365125"/>
+          </a:xfrm>
+        </p:spPr>
+        <p:txBody>
+          <a:bodyPr/>
+          <a:lstStyle/>
+          <a:p>
+            <a:fld id="{A4F910E6-8D00-4BAF-8C48-9688E0B449D3}" type="datetime1">
+              <a:rPr lang="zh-TW" altLang="en-US" smtClean="0"/>
+              <a:pPr/>
+              <a:t>2020/8/27</a:t>
+            </a:fld>
+            <a:endParaRPr lang="zh-TW" altLang="en-US"/>
+          </a:p>
+        </p:txBody>
+      </p:sp>
+      <p:sp>
+        <p:nvSpPr>
+          <p:cNvPr id="6" name="投影片編號版面配置區 5"/>
+          <p:cNvSpPr>
+            <a:spLocks noGrp="1"/>
+          </p:cNvSpPr>
+          <p:nvPr>
+            <p:ph type="sldNum" sz="quarter" idx="12"/>
+          </p:nvPr>
+        </p:nvSpPr>
+        <p:spPr/>
+        <p:txBody>
+          <a:bodyPr/>
+          <a:lstStyle/>
+          <a:p>
+            <a:fld id="{E4D7E63D-91F2-4366-A2C4-1B00C9E2590E}" type="slidenum">
+              <a:rPr lang="zh-TW" altLang="en-US" smtClean="0"/>
+              <a:pPr/>
+              <a:t>8</a:t>
+            </a:fld>
+            <a:endParaRPr lang="zh-TW" altLang="en-US"/>
+          </a:p>
+        </p:txBody>
+      </p:sp>
+      <p:pic>
+        <p:nvPicPr>
+          <p:cNvPr id="8" name="Picture 7">
+            <a:extLst>
+              <a:ext uri="{FF2B5EF4-FFF2-40B4-BE49-F238E27FC236}">
+                <a16:creationId xmlns:a16="http://schemas.microsoft.com/office/drawing/2014/main" id="{B931E117-C053-4D32-91EA-4E1ED2F99899}"/>
+              </a:ext>
+            </a:extLst>
+          </p:cNvPr>
+          <p:cNvPicPr>
+            <a:picLocks noChangeAspect="1"/>
+          </p:cNvPicPr>
+          <p:nvPr/>
+        </p:nvPicPr>
+        <p:blipFill>
+          <a:blip r:embed="rId3"/>
+          <a:stretch>
+            <a:fillRect/>
+          </a:stretch>
+        </p:blipFill>
+        <p:spPr>
+          <a:xfrm>
+            <a:off x="3995059" y="2060848"/>
+            <a:ext cx="4866871" cy="4282847"/>
+          </a:xfrm>
+          <a:prstGeom prst="rect">
+            <a:avLst/>
+          </a:prstGeom>
+          <a:ln>
+            <a:solidFill>
+              <a:srgbClr val="C00000"/>
+            </a:solidFill>
+          </a:ln>
+        </p:spPr>
+      </p:pic>
+      <p:sp>
+        <p:nvSpPr>
+          <p:cNvPr id="9" name="副標題 2">
+            <a:extLst>
+              <a:ext uri="{FF2B5EF4-FFF2-40B4-BE49-F238E27FC236}">
+                <a16:creationId xmlns:a16="http://schemas.microsoft.com/office/drawing/2014/main" id="{103E5F8E-0242-4CFD-B8EF-0E87B049E41A}"/>
+              </a:ext>
+            </a:extLst>
+          </p:cNvPr>
+          <p:cNvSpPr txBox="1">
+            <a:spLocks/>
+          </p:cNvSpPr>
+          <p:nvPr/>
+        </p:nvSpPr>
+        <p:spPr>
+          <a:xfrm>
+            <a:off x="457199" y="2192209"/>
+            <a:ext cx="3499693" cy="2769443"/>
+          </a:xfrm>
+          <a:prstGeom prst="rect">
+            <a:avLst/>
+          </a:prstGeom>
+          <a:ln>
+            <a:solidFill>
+              <a:srgbClr val="C00000"/>
+            </a:solidFill>
+          </a:ln>
+        </p:spPr>
+        <p:txBody>
+          <a:bodyPr vert="horz" lIns="91440" tIns="45720" rIns="91440" bIns="45720" rtlCol="0">
+            <a:noAutofit/>
+          </a:bodyPr>
+          <a:lstStyle>
+            <a:lvl1pPr marL="0" indent="0" algn="ctr" defTabSz="914400" rtl="0" eaLnBrk="1" latinLnBrk="0" hangingPunct="1">
+              <a:spcBef>
+                <a:spcPct val="20000"/>
+              </a:spcBef>
+              <a:buFont typeface="Arial" pitchFamily="34" charset="0"/>
+              <a:buNone/>
+              <a:defRPr sz="3200" kern="1200">
+                <a:solidFill>
+                  <a:schemeClr val="tx1">
+                    <a:tint val="75000"/>
+                  </a:schemeClr>
+                </a:solidFill>
+                <a:latin typeface="+mn-lt"/>
+                <a:ea typeface="+mn-ea"/>
+                <a:cs typeface="+mn-cs"/>
+              </a:defRPr>
+            </a:lvl1pPr>
+            <a:lvl2pPr marL="457200" indent="0" algn="ctr" defTabSz="914400" rtl="0" eaLnBrk="1" latinLnBrk="0" hangingPunct="1">
+              <a:spcBef>
+                <a:spcPct val="20000"/>
+              </a:spcBef>
+              <a:buFont typeface="Arial" pitchFamily="34" charset="0"/>
+              <a:buNone/>
+              <a:defRPr sz="2800" kern="1200">
+                <a:solidFill>
+                  <a:schemeClr val="tx1">
+                    <a:tint val="75000"/>
+                  </a:schemeClr>
+                </a:solidFill>
+                <a:latin typeface="+mn-lt"/>
+                <a:ea typeface="+mn-ea"/>
+                <a:cs typeface="+mn-cs"/>
+              </a:defRPr>
+            </a:lvl2pPr>
+            <a:lvl3pPr marL="914400" indent="0" algn="ctr" defTabSz="914400" rtl="0" eaLnBrk="1" latinLnBrk="0" hangingPunct="1">
+              <a:spcBef>
+                <a:spcPct val="20000"/>
+              </a:spcBef>
+              <a:buFont typeface="Arial" pitchFamily="34" charset="0"/>
+              <a:buNone/>
+              <a:defRPr sz="2400" kern="1200">
+                <a:solidFill>
+                  <a:schemeClr val="tx1">
+                    <a:tint val="75000"/>
+                  </a:schemeClr>
+                </a:solidFill>
+                <a:latin typeface="+mn-lt"/>
+                <a:ea typeface="+mn-ea"/>
+                <a:cs typeface="+mn-cs"/>
+              </a:defRPr>
+            </a:lvl3pPr>
+            <a:lvl4pPr marL="1371600" indent="0" algn="ctr" defTabSz="914400" rtl="0" eaLnBrk="1" latinLnBrk="0" hangingPunct="1">
+              <a:spcBef>
+                <a:spcPct val="20000"/>
+              </a:spcBef>
+              <a:buFont typeface="Arial" pitchFamily="34" charset="0"/>
+              <a:buNone/>
+              <a:defRPr sz="2000" kern="1200">
+                <a:solidFill>
+                  <a:schemeClr val="tx1">
+                    <a:tint val="75000"/>
+                  </a:schemeClr>
+                </a:solidFill>
+                <a:latin typeface="+mn-lt"/>
+                <a:ea typeface="+mn-ea"/>
+                <a:cs typeface="+mn-cs"/>
+              </a:defRPr>
+            </a:lvl4pPr>
+            <a:lvl5pPr marL="1828800" indent="0" algn="ctr" defTabSz="914400" rtl="0" eaLnBrk="1" latinLnBrk="0" hangingPunct="1">
+              <a:spcBef>
+                <a:spcPct val="20000"/>
+              </a:spcBef>
+              <a:buFont typeface="Arial" pitchFamily="34" charset="0"/>
+              <a:buNone/>
+              <a:defRPr sz="2000" kern="1200">
+                <a:solidFill>
+                  <a:schemeClr val="tx1">
+                    <a:tint val="75000"/>
+                  </a:schemeClr>
+                </a:solidFill>
+                <a:latin typeface="+mn-lt"/>
+                <a:ea typeface="+mn-ea"/>
+                <a:cs typeface="+mn-cs"/>
+              </a:defRPr>
+            </a:lvl5pPr>
+            <a:lvl6pPr marL="2286000" indent="0" algn="ctr" defTabSz="914400" rtl="0" eaLnBrk="1" latinLnBrk="0" hangingPunct="1">
+              <a:spcBef>
+                <a:spcPct val="20000"/>
+              </a:spcBef>
+              <a:buFont typeface="Arial" pitchFamily="34" charset="0"/>
+              <a:buNone/>
+              <a:defRPr sz="2000" kern="1200">
+                <a:solidFill>
+                  <a:schemeClr val="tx1">
+                    <a:tint val="75000"/>
+                  </a:schemeClr>
+                </a:solidFill>
+                <a:latin typeface="+mn-lt"/>
+                <a:ea typeface="+mn-ea"/>
+                <a:cs typeface="+mn-cs"/>
+              </a:defRPr>
+            </a:lvl6pPr>
+            <a:lvl7pPr marL="2743200" indent="0" algn="ctr" defTabSz="914400" rtl="0" eaLnBrk="1" latinLnBrk="0" hangingPunct="1">
+              <a:spcBef>
+                <a:spcPct val="20000"/>
+              </a:spcBef>
+              <a:buFont typeface="Arial" pitchFamily="34" charset="0"/>
+              <a:buNone/>
+              <a:defRPr sz="2000" kern="1200">
+                <a:solidFill>
+                  <a:schemeClr val="tx1">
+                    <a:tint val="75000"/>
+                  </a:schemeClr>
+                </a:solidFill>
+                <a:latin typeface="+mn-lt"/>
+                <a:ea typeface="+mn-ea"/>
+                <a:cs typeface="+mn-cs"/>
+              </a:defRPr>
+            </a:lvl7pPr>
+            <a:lvl8pPr marL="3200400" indent="0" algn="ctr" defTabSz="914400" rtl="0" eaLnBrk="1" latinLnBrk="0" hangingPunct="1">
+              <a:spcBef>
+                <a:spcPct val="20000"/>
+              </a:spcBef>
+              <a:buFont typeface="Arial" pitchFamily="34" charset="0"/>
+              <a:buNone/>
+              <a:defRPr sz="2000" kern="1200">
+                <a:solidFill>
+                  <a:schemeClr val="tx1">
+                    <a:tint val="75000"/>
+                  </a:schemeClr>
+                </a:solidFill>
+                <a:latin typeface="+mn-lt"/>
+                <a:ea typeface="+mn-ea"/>
+                <a:cs typeface="+mn-cs"/>
+              </a:defRPr>
+            </a:lvl8pPr>
+            <a:lvl9pPr marL="3657600" indent="0" algn="ctr" defTabSz="914400" rtl="0" eaLnBrk="1" latinLnBrk="0" hangingPunct="1">
+              <a:spcBef>
+                <a:spcPct val="20000"/>
+              </a:spcBef>
+              <a:buFont typeface="Arial" pitchFamily="34" charset="0"/>
+              <a:buNone/>
+              <a:defRPr sz="2000" kern="1200">
+                <a:solidFill>
+                  <a:schemeClr val="tx1">
+                    <a:tint val="75000"/>
+                  </a:schemeClr>
+                </a:solidFill>
+                <a:latin typeface="+mn-lt"/>
+                <a:ea typeface="+mn-ea"/>
+                <a:cs typeface="+mn-cs"/>
+              </a:defRPr>
+            </a:lvl9pPr>
+          </a:lstStyle>
+          <a:p>
+            <a:pPr marL="342900" indent="-342900" algn="l">
+              <a:buClr>
+                <a:srgbClr val="0070C0"/>
+              </a:buClr>
+              <a:buSzPct val="80000"/>
+              <a:buFont typeface="Wingdings" pitchFamily="2" charset="2"/>
+              <a:buChar char="u"/>
+            </a:pPr>
+            <a:r>
+              <a:rPr lang="en-US" sz="1800" b="1" dirty="0">
+                <a:solidFill>
+                  <a:schemeClr val="tx1"/>
+                </a:solidFill>
+              </a:rPr>
+              <a:t>We map Y, N to 1, 0.</a:t>
+            </a:r>
+          </a:p>
+          <a:p>
+            <a:pPr marL="342900" indent="-342900" algn="l">
+              <a:buClr>
+                <a:srgbClr val="0070C0"/>
+              </a:buClr>
+              <a:buSzPct val="80000"/>
+              <a:buFont typeface="Wingdings" pitchFamily="2" charset="2"/>
+              <a:buChar char="u"/>
+            </a:pPr>
+            <a:r>
+              <a:rPr lang="en-US" sz="1800" b="1" dirty="0">
+                <a:solidFill>
+                  <a:schemeClr val="tx1"/>
+                </a:solidFill>
+              </a:rPr>
+              <a:t>We map BS, MS, PhD, into 0, 1, 2. </a:t>
+            </a:r>
+          </a:p>
+          <a:p>
+            <a:pPr marL="342900" indent="-342900" algn="l">
+              <a:buClr>
+                <a:srgbClr val="0070C0"/>
+              </a:buClr>
+              <a:buSzPct val="80000"/>
+              <a:buFont typeface="Wingdings" pitchFamily="2" charset="2"/>
+              <a:buChar char="u"/>
+            </a:pPr>
+            <a:r>
+              <a:rPr lang="en-US" sz="1800" b="1" dirty="0">
+                <a:solidFill>
+                  <a:schemeClr val="tx1"/>
+                </a:solidFill>
+              </a:rPr>
+              <a:t>In the real world, you'd need to think about how to deal with unexpected or missing data. </a:t>
+            </a:r>
+          </a:p>
+          <a:p>
+            <a:pPr marL="342900" indent="-342900" algn="l">
+              <a:buClr>
+                <a:srgbClr val="0070C0"/>
+              </a:buClr>
+              <a:buSzPct val="80000"/>
+              <a:buFont typeface="Wingdings" pitchFamily="2" charset="2"/>
+              <a:buChar char="u"/>
+            </a:pPr>
+            <a:r>
+              <a:rPr lang="en-US" sz="1800" b="1" dirty="0">
+                <a:solidFill>
+                  <a:schemeClr val="tx1"/>
+                </a:solidFill>
+              </a:rPr>
+              <a:t>By using map(), we know we'll get </a:t>
+            </a:r>
+            <a:r>
+              <a:rPr lang="en-US" sz="1800" b="1" dirty="0" err="1">
+                <a:solidFill>
+                  <a:schemeClr val="tx1"/>
+                </a:solidFill>
+              </a:rPr>
+              <a:t>NaN</a:t>
+            </a:r>
+            <a:r>
+              <a:rPr lang="en-US" sz="1800" b="1" dirty="0">
+                <a:solidFill>
+                  <a:schemeClr val="tx1"/>
+                </a:solidFill>
+              </a:rPr>
+              <a:t> for unexpected values.</a:t>
+            </a:r>
+          </a:p>
+        </p:txBody>
+      </p:sp>
+    </p:spTree>
+    <p:extLst>
+      <p:ext uri="{BB962C8B-B14F-4D97-AF65-F5344CB8AC3E}">
+        <p14:creationId xmlns:p14="http://schemas.microsoft.com/office/powerpoint/2010/main" val="436085261"/>
+      </p:ext>
+    </p:extLst>
+  </p:cSld>
+  <p:clrMapOvr>
+    <a:masterClrMapping/>
+  </p:clrMapOvr>
+</p:sld>
+</file>
+
+<file path=ppt/slides/slide9.xml><?xml version="1.0" encoding="utf-8"?>
+<p:sld xmlns:a="http://schemas.openxmlformats.org/drawingml/2006/main" xmlns:r="http://schemas.openxmlformats.org/officeDocument/2006/relationships" xmlns:p="http://schemas.openxmlformats.org/presentationml/2006/main">
+  <p:cSld>
+    <p:spTree>
+      <p:nvGrpSpPr>
+        <p:cNvPr id="1" name=""/>
+        <p:cNvGrpSpPr/>
+        <p:nvPr/>
+      </p:nvGrpSpPr>
+      <p:grpSpPr>
+        <a:xfrm>
+          <a:off x="0" y="0"/>
+          <a:ext cx="0" cy="0"/>
+          <a:chOff x="0" y="0"/>
+          <a:chExt cx="0" cy="0"/>
+        </a:xfrm>
+      </p:grpSpPr>
+      <p:sp>
+        <p:nvSpPr>
+          <p:cNvPr id="2" name="標題 1"/>
+          <p:cNvSpPr>
+            <a:spLocks noGrp="1"/>
+          </p:cNvSpPr>
+          <p:nvPr>
+            <p:ph type="ctrTitle"/>
+          </p:nvPr>
+        </p:nvSpPr>
+        <p:spPr>
+          <a:xfrm>
+            <a:off x="0" y="1"/>
+            <a:ext cx="9144000" cy="764704"/>
+          </a:xfrm>
+          <a:gradFill flip="none" rotWithShape="1">
+            <a:gsLst>
+              <a:gs pos="0">
+                <a:srgbClr val="C00000">
+                  <a:shade val="30000"/>
+                  <a:satMod val="115000"/>
+                </a:srgbClr>
+              </a:gs>
+              <a:gs pos="50000">
+                <a:srgbClr val="C00000">
+                  <a:shade val="67500"/>
+                  <a:satMod val="115000"/>
+                </a:srgbClr>
+              </a:gs>
+              <a:gs pos="100000">
+                <a:srgbClr val="C00000">
+                  <a:shade val="100000"/>
+                  <a:satMod val="115000"/>
+                </a:srgbClr>
+              </a:gs>
+            </a:gsLst>
+            <a:path path="circle">
+              <a:fillToRect t="100000" r="100000"/>
+            </a:path>
+            <a:tileRect l="-100000" b="-100000"/>
+          </a:gradFill>
+        </p:spPr>
+        <p:txBody>
+          <a:bodyPr>
+            <a:normAutofit/>
+          </a:bodyPr>
+          <a:lstStyle/>
+          <a:p>
+            <a:pPr algn="l"/>
+            <a:r>
+              <a:rPr lang="en-US" altLang="zh-TW" sz="4400" b="1" dirty="0">
+                <a:solidFill>
+                  <a:srgbClr val="FFFF00"/>
+                </a:solidFill>
+              </a:rPr>
+              <a:t>40.2 Translate Text into Values</a:t>
+            </a:r>
+            <a:endParaRPr lang="zh-TW" altLang="en-US" b="1" dirty="0">
+              <a:solidFill>
+                <a:srgbClr val="FFFF00"/>
+              </a:solidFill>
+            </a:endParaRPr>
+          </a:p>
+        </p:txBody>
+      </p:sp>
+      <p:sp>
+        <p:nvSpPr>
+          <p:cNvPr id="3" name="副標題 2"/>
+          <p:cNvSpPr>
+            <a:spLocks noGrp="1"/>
+          </p:cNvSpPr>
+          <p:nvPr>
+            <p:ph type="subTitle" idx="1"/>
+          </p:nvPr>
+        </p:nvSpPr>
+        <p:spPr>
+          <a:xfrm>
+            <a:off x="457199" y="1268760"/>
+            <a:ext cx="8419457" cy="720080"/>
+          </a:xfrm>
+          <a:ln>
+            <a:solidFill>
+              <a:srgbClr val="C00000"/>
+            </a:solidFill>
+          </a:ln>
+        </p:spPr>
+        <p:txBody>
+          <a:bodyPr>
+            <a:noAutofit/>
+          </a:bodyPr>
+          <a:lstStyle/>
+          <a:p>
+            <a:pPr marL="342900" indent="-342900" algn="l">
+              <a:buClr>
+                <a:srgbClr val="0070C0"/>
+              </a:buClr>
+              <a:buSzPct val="80000"/>
+              <a:buFont typeface="Wingdings" pitchFamily="2" charset="2"/>
+              <a:buChar char="u"/>
+            </a:pPr>
+            <a:r>
+              <a:rPr lang="en-US" sz="1800" b="1" dirty="0">
+                <a:solidFill>
+                  <a:schemeClr val="tx1"/>
+                </a:solidFill>
+              </a:rPr>
+              <a:t>Read Past Hire Data</a:t>
+            </a:r>
+          </a:p>
+          <a:p>
+            <a:pPr marL="342900" indent="-342900" algn="l">
+              <a:buClr>
+                <a:srgbClr val="0070C0"/>
+              </a:buClr>
+              <a:buSzPct val="80000"/>
+              <a:buFont typeface="Wingdings" pitchFamily="2" charset="2"/>
+              <a:buChar char="u"/>
+            </a:pPr>
+            <a:r>
+              <a:rPr lang="en-US" sz="1800" b="1" dirty="0">
+                <a:solidFill>
+                  <a:schemeClr val="tx1"/>
+                </a:solidFill>
+              </a:rPr>
+              <a:t>Note how we use pandas to convert a csv file into a </a:t>
+            </a:r>
+            <a:r>
+              <a:rPr lang="en-US" sz="1800" b="1" dirty="0" err="1">
+                <a:solidFill>
+                  <a:schemeClr val="tx1"/>
+                </a:solidFill>
+              </a:rPr>
+              <a:t>DataFrame</a:t>
+            </a:r>
+            <a:r>
+              <a:rPr lang="en-US" sz="1800" b="1" dirty="0">
+                <a:solidFill>
+                  <a:schemeClr val="tx1"/>
+                </a:solidFill>
+              </a:rPr>
+              <a:t>:</a:t>
+            </a:r>
+          </a:p>
+        </p:txBody>
+      </p:sp>
+      <p:sp>
+        <p:nvSpPr>
+          <p:cNvPr id="4" name="標題 1"/>
+          <p:cNvSpPr txBox="1">
+            <a:spLocks/>
+          </p:cNvSpPr>
+          <p:nvPr/>
+        </p:nvSpPr>
+        <p:spPr>
+          <a:xfrm>
+            <a:off x="0" y="764704"/>
+            <a:ext cx="9144000" cy="360040"/>
+          </a:xfrm>
+          <a:prstGeom prst="rect">
+            <a:avLst/>
+          </a:prstGeom>
+          <a:gradFill flip="none" rotWithShape="1">
+            <a:gsLst>
+              <a:gs pos="0">
+                <a:srgbClr val="00B0F0">
+                  <a:shade val="30000"/>
+                  <a:satMod val="115000"/>
+                </a:srgbClr>
+              </a:gs>
+              <a:gs pos="50000">
+                <a:srgbClr val="00B0F0">
+                  <a:shade val="67500"/>
+                  <a:satMod val="115000"/>
+                </a:srgbClr>
+              </a:gs>
+              <a:gs pos="100000">
+                <a:srgbClr val="00B0F0">
+                  <a:shade val="100000"/>
+                  <a:satMod val="115000"/>
+                </a:srgbClr>
+              </a:gs>
+            </a:gsLst>
+            <a:path path="circle">
+              <a:fillToRect t="100000" r="100000"/>
+            </a:path>
+            <a:tileRect l="-100000" b="-100000"/>
+          </a:gradFill>
+        </p:spPr>
+        <p:txBody>
+          <a:bodyPr vert="horz" lIns="91440" tIns="45720" rIns="91440" bIns="45720" rtlCol="0" anchor="ctr">
+            <a:normAutofit fontScale="77500" lnSpcReduction="20000"/>
+          </a:bodyPr>
+          <a:lstStyle/>
+          <a:p>
+            <a:pPr lvl="0">
+              <a:spcBef>
+                <a:spcPct val="0"/>
+              </a:spcBef>
+            </a:pPr>
+            <a:r>
+              <a:rPr lang="en-US" sz="1600" dirty="0">
+                <a:hlinkClick r:id="rId2"/>
+              </a:rPr>
+              <a:t>https://www.udemy.com/course/data-science-and-machine-learning-with-python-hands-on/learn/lecture/15090192#overview</a:t>
+            </a:r>
+            <a:endParaRPr kumimoji="0" lang="zh-TW" altLang="en-US" sz="1600" b="0" i="0" u="none" strike="noStrike" kern="1200" cap="none" spc="0" normalizeH="0" baseline="0" noProof="0" dirty="0">
+              <a:ln>
+                <a:noFill/>
+              </a:ln>
+              <a:solidFill>
+                <a:schemeClr val="tx1"/>
+              </a:solidFill>
+              <a:effectLst/>
+              <a:uLnTx/>
+              <a:uFillTx/>
+              <a:latin typeface="+mj-lt"/>
+              <a:ea typeface="+mj-ea"/>
+              <a:cs typeface="+mj-cs"/>
+            </a:endParaRPr>
+          </a:p>
+        </p:txBody>
+      </p:sp>
+      <p:sp>
+        <p:nvSpPr>
+          <p:cNvPr id="5" name="日期版面配置區 4"/>
+          <p:cNvSpPr>
+            <a:spLocks noGrp="1"/>
+          </p:cNvSpPr>
+          <p:nvPr>
+            <p:ph type="dt" sz="half" idx="10"/>
+          </p:nvPr>
+        </p:nvSpPr>
+        <p:spPr>
+          <a:xfrm>
+            <a:off x="457200" y="6343695"/>
+            <a:ext cx="2133600" cy="365125"/>
+          </a:xfrm>
+        </p:spPr>
+        <p:txBody>
+          <a:bodyPr/>
+          <a:lstStyle/>
+          <a:p>
+            <a:fld id="{A4F910E6-8D00-4BAF-8C48-9688E0B449D3}" type="datetime1">
+              <a:rPr lang="zh-TW" altLang="en-US" smtClean="0"/>
+              <a:pPr/>
+              <a:t>2020/8/27</a:t>
+            </a:fld>
+            <a:endParaRPr lang="zh-TW" altLang="en-US"/>
+          </a:p>
+        </p:txBody>
+      </p:sp>
+      <p:sp>
+        <p:nvSpPr>
+          <p:cNvPr id="6" name="投影片編號版面配置區 5"/>
+          <p:cNvSpPr>
+            <a:spLocks noGrp="1"/>
+          </p:cNvSpPr>
+          <p:nvPr>
+            <p:ph type="sldNum" sz="quarter" idx="12"/>
+          </p:nvPr>
+        </p:nvSpPr>
+        <p:spPr/>
+        <p:txBody>
+          <a:bodyPr/>
+          <a:lstStyle/>
+          <a:p>
+            <a:fld id="{E4D7E63D-91F2-4366-A2C4-1B00C9E2590E}" type="slidenum">
+              <a:rPr lang="zh-TW" altLang="en-US" smtClean="0"/>
+              <a:pPr/>
+              <a:t>9</a:t>
+            </a:fld>
+            <a:endParaRPr lang="zh-TW" altLang="en-US"/>
+          </a:p>
+        </p:txBody>
+      </p:sp>
+      <p:pic>
+        <p:nvPicPr>
+          <p:cNvPr id="7" name="Picture 6">
+            <a:extLst>
+              <a:ext uri="{FF2B5EF4-FFF2-40B4-BE49-F238E27FC236}">
+                <a16:creationId xmlns:a16="http://schemas.microsoft.com/office/drawing/2014/main" id="{106DDF3D-0162-4C53-A729-C1CE2D4DF181}"/>
+              </a:ext>
+            </a:extLst>
+          </p:cNvPr>
+          <p:cNvPicPr>
+            <a:picLocks noChangeAspect="1"/>
+          </p:cNvPicPr>
+          <p:nvPr/>
+        </p:nvPicPr>
+        <p:blipFill>
+          <a:blip r:embed="rId3"/>
+          <a:stretch>
+            <a:fillRect/>
+          </a:stretch>
+        </p:blipFill>
+        <p:spPr>
+          <a:xfrm>
+            <a:off x="590550" y="2124075"/>
+            <a:ext cx="7962900" cy="2609850"/>
+          </a:xfrm>
+          <a:prstGeom prst="rect">
+            <a:avLst/>
+          </a:prstGeom>
+          <a:ln>
+            <a:solidFill>
+              <a:srgbClr val="C00000"/>
+            </a:solidFill>
+          </a:ln>
+        </p:spPr>
+      </p:pic>
+    </p:spTree>
+    <p:extLst>
+      <p:ext uri="{BB962C8B-B14F-4D97-AF65-F5344CB8AC3E}">
+        <p14:creationId xmlns:p14="http://schemas.microsoft.com/office/powerpoint/2010/main" val="97664310"/>
+      </p:ext>
+    </p:extLst>
   </p:cSld>
   <p:clrMapOvr>
     <a:masterClrMapping/>
